--- a/tex/images/vect_figs.pptx
+++ b/tex/images/vect_figs.pptx
@@ -6,6 +6,7 @@
   </p:sldMasterIdLst>
   <p:sldIdLst>
     <p:sldId id="256" r:id="rId2"/>
+    <p:sldId id="257" r:id="rId3"/>
   </p:sldIdLst>
   <p:sldSz cx="9144000" cy="6858000" type="screen4x3"/>
   <p:notesSz cx="6858000" cy="9144000"/>
@@ -294,7 +295,15 @@
             <p:ph type="dt" sz="half" idx="10"/>
           </p:nvPr>
         </p:nvSpPr>
-        <p:spPr/>
+        <p:spPr>
+          <a:xfrm rot="16200000">
+            <a:off x="7551351" y="1645920"/>
+            <a:ext cx="2438399" cy="365760"/>
+          </a:xfrm>
+          <a:prstGeom prst="rect">
+            <a:avLst/>
+          </a:prstGeom>
+        </p:spPr>
         <p:txBody>
           <a:bodyPr/>
           <a:lstStyle/>
@@ -317,7 +326,15 @@
             <p:ph type="ftr" sz="quarter" idx="11"/>
           </p:nvPr>
         </p:nvSpPr>
-        <p:spPr/>
+        <p:spPr>
+          <a:xfrm rot="16200000">
+            <a:off x="7586910" y="4048760"/>
+            <a:ext cx="2367281" cy="365760"/>
+          </a:xfrm>
+          <a:prstGeom prst="rect">
+            <a:avLst/>
+          </a:prstGeom>
+        </p:spPr>
         <p:txBody>
           <a:bodyPr/>
           <a:lstStyle/>
@@ -336,7 +353,17 @@
             <p:ph type="sldNum" sz="quarter" idx="12"/>
           </p:nvPr>
         </p:nvSpPr>
-        <p:spPr/>
+        <p:spPr>
+          <a:xfrm>
+            <a:off x="8531788" y="5648960"/>
+            <a:ext cx="548640" cy="396240"/>
+          </a:xfrm>
+          <a:prstGeom prst="bracketPair">
+            <a:avLst>
+              <a:gd name="adj" fmla="val 17949"/>
+            </a:avLst>
+          </a:prstGeom>
+        </p:spPr>
         <p:txBody>
           <a:bodyPr/>
           <a:lstStyle/>
@@ -459,7 +486,15 @@
             <p:ph type="dt" sz="half" idx="10"/>
           </p:nvPr>
         </p:nvSpPr>
-        <p:spPr/>
+        <p:spPr>
+          <a:xfrm rot="16200000">
+            <a:off x="7551351" y="1645920"/>
+            <a:ext cx="2438399" cy="365760"/>
+          </a:xfrm>
+          <a:prstGeom prst="rect">
+            <a:avLst/>
+          </a:prstGeom>
+        </p:spPr>
         <p:txBody>
           <a:bodyPr/>
           <a:lstStyle/>
@@ -482,7 +517,15 @@
             <p:ph type="ftr" sz="quarter" idx="11"/>
           </p:nvPr>
         </p:nvSpPr>
-        <p:spPr/>
+        <p:spPr>
+          <a:xfrm rot="16200000">
+            <a:off x="7586910" y="4048760"/>
+            <a:ext cx="2367281" cy="365760"/>
+          </a:xfrm>
+          <a:prstGeom prst="rect">
+            <a:avLst/>
+          </a:prstGeom>
+        </p:spPr>
         <p:txBody>
           <a:bodyPr/>
           <a:lstStyle/>
@@ -501,7 +544,17 @@
             <p:ph type="sldNum" sz="quarter" idx="12"/>
           </p:nvPr>
         </p:nvSpPr>
-        <p:spPr/>
+        <p:spPr>
+          <a:xfrm>
+            <a:off x="8531788" y="5648960"/>
+            <a:ext cx="548640" cy="396240"/>
+          </a:xfrm>
+          <a:prstGeom prst="bracketPair">
+            <a:avLst>
+              <a:gd name="adj" fmla="val 17949"/>
+            </a:avLst>
+          </a:prstGeom>
+        </p:spPr>
         <p:txBody>
           <a:bodyPr/>
           <a:lstStyle/>
@@ -634,7 +687,15 @@
             <p:ph type="dt" sz="half" idx="10"/>
           </p:nvPr>
         </p:nvSpPr>
-        <p:spPr/>
+        <p:spPr>
+          <a:xfrm rot="16200000">
+            <a:off x="7551351" y="1645920"/>
+            <a:ext cx="2438399" cy="365760"/>
+          </a:xfrm>
+          <a:prstGeom prst="rect">
+            <a:avLst/>
+          </a:prstGeom>
+        </p:spPr>
         <p:txBody>
           <a:bodyPr/>
           <a:lstStyle/>
@@ -657,7 +718,15 @@
             <p:ph type="ftr" sz="quarter" idx="11"/>
           </p:nvPr>
         </p:nvSpPr>
-        <p:spPr/>
+        <p:spPr>
+          <a:xfrm rot="16200000">
+            <a:off x="7586910" y="4048760"/>
+            <a:ext cx="2367281" cy="365760"/>
+          </a:xfrm>
+          <a:prstGeom prst="rect">
+            <a:avLst/>
+          </a:prstGeom>
+        </p:spPr>
         <p:txBody>
           <a:bodyPr/>
           <a:lstStyle/>
@@ -676,7 +745,17 @@
             <p:ph type="sldNum" sz="quarter" idx="12"/>
           </p:nvPr>
         </p:nvSpPr>
-        <p:spPr/>
+        <p:spPr>
+          <a:xfrm>
+            <a:off x="8531788" y="5648960"/>
+            <a:ext cx="548640" cy="396240"/>
+          </a:xfrm>
+          <a:prstGeom prst="bracketPair">
+            <a:avLst>
+              <a:gd name="adj" fmla="val 17949"/>
+            </a:avLst>
+          </a:prstGeom>
+        </p:spPr>
         <p:txBody>
           <a:bodyPr/>
           <a:lstStyle/>
@@ -799,7 +878,15 @@
             <p:ph type="dt" sz="half" idx="10"/>
           </p:nvPr>
         </p:nvSpPr>
-        <p:spPr/>
+        <p:spPr>
+          <a:xfrm rot="16200000">
+            <a:off x="7551351" y="1645920"/>
+            <a:ext cx="2438399" cy="365760"/>
+          </a:xfrm>
+          <a:prstGeom prst="rect">
+            <a:avLst/>
+          </a:prstGeom>
+        </p:spPr>
         <p:txBody>
           <a:bodyPr/>
           <a:lstStyle/>
@@ -822,7 +909,15 @@
             <p:ph type="ftr" sz="quarter" idx="11"/>
           </p:nvPr>
         </p:nvSpPr>
-        <p:spPr/>
+        <p:spPr>
+          <a:xfrm rot="16200000">
+            <a:off x="7586910" y="4048760"/>
+            <a:ext cx="2367281" cy="365760"/>
+          </a:xfrm>
+          <a:prstGeom prst="rect">
+            <a:avLst/>
+          </a:prstGeom>
+        </p:spPr>
         <p:txBody>
           <a:bodyPr/>
           <a:lstStyle/>
@@ -841,7 +936,17 @@
             <p:ph type="sldNum" sz="quarter" idx="12"/>
           </p:nvPr>
         </p:nvSpPr>
-        <p:spPr/>
+        <p:spPr>
+          <a:xfrm>
+            <a:off x="8531788" y="5648960"/>
+            <a:ext cx="548640" cy="396240"/>
+          </a:xfrm>
+          <a:prstGeom prst="bracketPair">
+            <a:avLst>
+              <a:gd name="adj" fmla="val 17949"/>
+            </a:avLst>
+          </a:prstGeom>
+        </p:spPr>
         <p:txBody>
           <a:bodyPr/>
           <a:lstStyle/>
@@ -859,6 +964,13 @@
   <p:clrMapOvr>
     <a:masterClrMapping/>
   </p:clrMapOvr>
+  <p:timing>
+    <p:tnLst>
+      <p:par>
+        <p:cTn id="1" dur="indefinite" restart="never" nodeType="tmRoot"/>
+      </p:par>
+    </p:tnLst>
+  </p:timing>
 </p:sldLayout>
 </file>
 
@@ -1040,7 +1152,15 @@
             <p:ph type="dt" sz="half" idx="10"/>
           </p:nvPr>
         </p:nvSpPr>
-        <p:spPr/>
+        <p:spPr>
+          <a:xfrm rot="16200000">
+            <a:off x="7551351" y="1645920"/>
+            <a:ext cx="2438399" cy="365760"/>
+          </a:xfrm>
+          <a:prstGeom prst="rect">
+            <a:avLst/>
+          </a:prstGeom>
+        </p:spPr>
         <p:txBody>
           <a:bodyPr/>
           <a:lstStyle/>
@@ -1063,7 +1183,15 @@
             <p:ph type="ftr" sz="quarter" idx="11"/>
           </p:nvPr>
         </p:nvSpPr>
-        <p:spPr/>
+        <p:spPr>
+          <a:xfrm rot="16200000">
+            <a:off x="7586910" y="4048760"/>
+            <a:ext cx="2367281" cy="365760"/>
+          </a:xfrm>
+          <a:prstGeom prst="rect">
+            <a:avLst/>
+          </a:prstGeom>
+        </p:spPr>
         <p:txBody>
           <a:bodyPr/>
           <a:lstStyle/>
@@ -1082,7 +1210,17 @@
             <p:ph type="sldNum" sz="quarter" idx="12"/>
           </p:nvPr>
         </p:nvSpPr>
-        <p:spPr/>
+        <p:spPr>
+          <a:xfrm>
+            <a:off x="8531788" y="5648960"/>
+            <a:ext cx="548640" cy="396240"/>
+          </a:xfrm>
+          <a:prstGeom prst="bracketPair">
+            <a:avLst>
+              <a:gd name="adj" fmla="val 17949"/>
+            </a:avLst>
+          </a:prstGeom>
+        </p:spPr>
         <p:txBody>
           <a:bodyPr/>
           <a:lstStyle/>
@@ -1323,7 +1461,15 @@
             <p:ph type="dt" sz="half" idx="10"/>
           </p:nvPr>
         </p:nvSpPr>
-        <p:spPr/>
+        <p:spPr>
+          <a:xfrm rot="16200000">
+            <a:off x="7551351" y="1645920"/>
+            <a:ext cx="2438399" cy="365760"/>
+          </a:xfrm>
+          <a:prstGeom prst="rect">
+            <a:avLst/>
+          </a:prstGeom>
+        </p:spPr>
         <p:txBody>
           <a:bodyPr/>
           <a:lstStyle/>
@@ -1346,7 +1492,15 @@
             <p:ph type="ftr" sz="quarter" idx="11"/>
           </p:nvPr>
         </p:nvSpPr>
-        <p:spPr/>
+        <p:spPr>
+          <a:xfrm rot="16200000">
+            <a:off x="7586910" y="4048760"/>
+            <a:ext cx="2367281" cy="365760"/>
+          </a:xfrm>
+          <a:prstGeom prst="rect">
+            <a:avLst/>
+          </a:prstGeom>
+        </p:spPr>
         <p:txBody>
           <a:bodyPr/>
           <a:lstStyle/>
@@ -1365,7 +1519,17 @@
             <p:ph type="sldNum" sz="quarter" idx="12"/>
           </p:nvPr>
         </p:nvSpPr>
-        <p:spPr/>
+        <p:spPr>
+          <a:xfrm>
+            <a:off x="8531788" y="5648960"/>
+            <a:ext cx="548640" cy="396240"/>
+          </a:xfrm>
+          <a:prstGeom prst="bracketPair">
+            <a:avLst>
+              <a:gd name="adj" fmla="val 17949"/>
+            </a:avLst>
+          </a:prstGeom>
+        </p:spPr>
         <p:txBody>
           <a:bodyPr/>
           <a:lstStyle/>
@@ -1752,7 +1916,15 @@
             <p:ph type="dt" sz="half" idx="10"/>
           </p:nvPr>
         </p:nvSpPr>
-        <p:spPr/>
+        <p:spPr>
+          <a:xfrm rot="16200000">
+            <a:off x="7551351" y="1645920"/>
+            <a:ext cx="2438399" cy="365760"/>
+          </a:xfrm>
+          <a:prstGeom prst="rect">
+            <a:avLst/>
+          </a:prstGeom>
+        </p:spPr>
         <p:txBody>
           <a:bodyPr/>
           <a:lstStyle/>
@@ -1775,7 +1947,15 @@
             <p:ph type="ftr" sz="quarter" idx="11"/>
           </p:nvPr>
         </p:nvSpPr>
-        <p:spPr/>
+        <p:spPr>
+          <a:xfrm rot="16200000">
+            <a:off x="7586910" y="4048760"/>
+            <a:ext cx="2367281" cy="365760"/>
+          </a:xfrm>
+          <a:prstGeom prst="rect">
+            <a:avLst/>
+          </a:prstGeom>
+        </p:spPr>
         <p:txBody>
           <a:bodyPr/>
           <a:lstStyle/>
@@ -1794,7 +1974,17 @@
             <p:ph type="sldNum" sz="quarter" idx="12"/>
           </p:nvPr>
         </p:nvSpPr>
-        <p:spPr/>
+        <p:spPr>
+          <a:xfrm>
+            <a:off x="8531788" y="5648960"/>
+            <a:ext cx="548640" cy="396240"/>
+          </a:xfrm>
+          <a:prstGeom prst="bracketPair">
+            <a:avLst>
+              <a:gd name="adj" fmla="val 17949"/>
+            </a:avLst>
+          </a:prstGeom>
+        </p:spPr>
         <p:txBody>
           <a:bodyPr/>
           <a:lstStyle/>
@@ -1865,7 +2055,15 @@
             <p:ph type="dt" sz="half" idx="10"/>
           </p:nvPr>
         </p:nvSpPr>
-        <p:spPr/>
+        <p:spPr>
+          <a:xfrm rot="16200000">
+            <a:off x="7551351" y="1645920"/>
+            <a:ext cx="2438399" cy="365760"/>
+          </a:xfrm>
+          <a:prstGeom prst="rect">
+            <a:avLst/>
+          </a:prstGeom>
+        </p:spPr>
         <p:txBody>
           <a:bodyPr/>
           <a:lstStyle/>
@@ -1888,7 +2086,15 @@
             <p:ph type="ftr" sz="quarter" idx="11"/>
           </p:nvPr>
         </p:nvSpPr>
-        <p:spPr/>
+        <p:spPr>
+          <a:xfrm rot="16200000">
+            <a:off x="7586910" y="4048760"/>
+            <a:ext cx="2367281" cy="365760"/>
+          </a:xfrm>
+          <a:prstGeom prst="rect">
+            <a:avLst/>
+          </a:prstGeom>
+        </p:spPr>
         <p:txBody>
           <a:bodyPr/>
           <a:lstStyle/>
@@ -1907,7 +2113,17 @@
             <p:ph type="sldNum" sz="quarter" idx="12"/>
           </p:nvPr>
         </p:nvSpPr>
-        <p:spPr/>
+        <p:spPr>
+          <a:xfrm>
+            <a:off x="8531788" y="5648960"/>
+            <a:ext cx="548640" cy="396240"/>
+          </a:xfrm>
+          <a:prstGeom prst="bracketPair">
+            <a:avLst>
+              <a:gd name="adj" fmla="val 17949"/>
+            </a:avLst>
+          </a:prstGeom>
+        </p:spPr>
         <p:txBody>
           <a:bodyPr/>
           <a:lstStyle/>
@@ -1955,7 +2171,15 @@
             <p:ph type="dt" sz="half" idx="10"/>
           </p:nvPr>
         </p:nvSpPr>
-        <p:spPr/>
+        <p:spPr>
+          <a:xfrm rot="16200000">
+            <a:off x="7551351" y="1645920"/>
+            <a:ext cx="2438399" cy="365760"/>
+          </a:xfrm>
+          <a:prstGeom prst="rect">
+            <a:avLst/>
+          </a:prstGeom>
+        </p:spPr>
         <p:txBody>
           <a:bodyPr/>
           <a:lstStyle/>
@@ -1978,7 +2202,15 @@
             <p:ph type="ftr" sz="quarter" idx="11"/>
           </p:nvPr>
         </p:nvSpPr>
-        <p:spPr/>
+        <p:spPr>
+          <a:xfrm rot="16200000">
+            <a:off x="7586910" y="4048760"/>
+            <a:ext cx="2367281" cy="365760"/>
+          </a:xfrm>
+          <a:prstGeom prst="rect">
+            <a:avLst/>
+          </a:prstGeom>
+        </p:spPr>
         <p:txBody>
           <a:bodyPr/>
           <a:lstStyle/>
@@ -1997,7 +2229,17 @@
             <p:ph type="sldNum" sz="quarter" idx="12"/>
           </p:nvPr>
         </p:nvSpPr>
-        <p:spPr/>
+        <p:spPr>
+          <a:xfrm>
+            <a:off x="8531788" y="5648960"/>
+            <a:ext cx="548640" cy="396240"/>
+          </a:xfrm>
+          <a:prstGeom prst="bracketPair">
+            <a:avLst>
+              <a:gd name="adj" fmla="val 17949"/>
+            </a:avLst>
+          </a:prstGeom>
+        </p:spPr>
         <p:txBody>
           <a:bodyPr/>
           <a:lstStyle/>
@@ -2144,7 +2386,15 @@
             <p:ph type="dt" sz="half" idx="10"/>
           </p:nvPr>
         </p:nvSpPr>
-        <p:spPr/>
+        <p:spPr>
+          <a:xfrm rot="16200000">
+            <a:off x="7551351" y="1645920"/>
+            <a:ext cx="2438399" cy="365760"/>
+          </a:xfrm>
+          <a:prstGeom prst="rect">
+            <a:avLst/>
+          </a:prstGeom>
+        </p:spPr>
         <p:txBody>
           <a:bodyPr/>
           <a:lstStyle/>
@@ -2167,7 +2417,15 @@
             <p:ph type="ftr" sz="quarter" idx="11"/>
           </p:nvPr>
         </p:nvSpPr>
-        <p:spPr/>
+        <p:spPr>
+          <a:xfrm rot="16200000">
+            <a:off x="7586910" y="4048760"/>
+            <a:ext cx="2367281" cy="365760"/>
+          </a:xfrm>
+          <a:prstGeom prst="rect">
+            <a:avLst/>
+          </a:prstGeom>
+        </p:spPr>
         <p:txBody>
           <a:bodyPr/>
           <a:lstStyle/>
@@ -2186,7 +2444,17 @@
             <p:ph type="sldNum" sz="quarter" idx="12"/>
           </p:nvPr>
         </p:nvSpPr>
-        <p:spPr/>
+        <p:spPr>
+          <a:xfrm>
+            <a:off x="8531788" y="5648960"/>
+            <a:ext cx="548640" cy="396240"/>
+          </a:xfrm>
+          <a:prstGeom prst="bracketPair">
+            <a:avLst>
+              <a:gd name="adj" fmla="val 17949"/>
+            </a:avLst>
+          </a:prstGeom>
+        </p:spPr>
         <p:txBody>
           <a:bodyPr/>
           <a:lstStyle/>
@@ -2462,7 +2730,15 @@
             <p:ph type="dt" sz="half" idx="10"/>
           </p:nvPr>
         </p:nvSpPr>
-        <p:spPr/>
+        <p:spPr>
+          <a:xfrm rot="16200000">
+            <a:off x="7551351" y="1645920"/>
+            <a:ext cx="2438399" cy="365760"/>
+          </a:xfrm>
+          <a:prstGeom prst="rect">
+            <a:avLst/>
+          </a:prstGeom>
+        </p:spPr>
         <p:txBody>
           <a:bodyPr/>
           <a:lstStyle/>
@@ -2485,7 +2761,17 @@
             <p:ph type="sldNum" sz="quarter" idx="11"/>
           </p:nvPr>
         </p:nvSpPr>
-        <p:spPr/>
+        <p:spPr>
+          <a:xfrm>
+            <a:off x="8531788" y="5648960"/>
+            <a:ext cx="548640" cy="396240"/>
+          </a:xfrm>
+          <a:prstGeom prst="bracketPair">
+            <a:avLst>
+              <a:gd name="adj" fmla="val 17949"/>
+            </a:avLst>
+          </a:prstGeom>
+        </p:spPr>
         <p:txBody>
           <a:bodyPr/>
           <a:lstStyle/>
@@ -2508,7 +2794,15 @@
             <p:ph type="ftr" sz="quarter" idx="12"/>
           </p:nvPr>
         </p:nvSpPr>
-        <p:spPr/>
+        <p:spPr>
+          <a:xfrm rot="16200000">
+            <a:off x="7586910" y="4048760"/>
+            <a:ext cx="2367281" cy="365760"/>
+          </a:xfrm>
+          <a:prstGeom prst="rect">
+            <a:avLst/>
+          </a:prstGeom>
+        </p:spPr>
         <p:txBody>
           <a:bodyPr/>
           <a:lstStyle/>
@@ -2642,218 +2936,6 @@
           </a:p>
         </p:txBody>
       </p:sp>
-      <p:sp>
-        <p:nvSpPr>
-          <p:cNvPr id="7" name="Rectangle 6"/>
-          <p:cNvSpPr/>
-          <p:nvPr/>
-        </p:nvSpPr>
-        <p:spPr>
-          <a:xfrm>
-            <a:off x="8458200" y="0"/>
-            <a:ext cx="685800" cy="6858000"/>
-          </a:xfrm>
-          <a:prstGeom prst="rect">
-            <a:avLst/>
-          </a:prstGeom>
-          <a:solidFill>
-            <a:schemeClr val="tx2"/>
-          </a:solidFill>
-          <a:ln>
-            <a:noFill/>
-          </a:ln>
-        </p:spPr>
-        <p:style>
-          <a:lnRef idx="2">
-            <a:schemeClr val="accent1">
-              <a:shade val="50000"/>
-            </a:schemeClr>
-          </a:lnRef>
-          <a:fillRef idx="1">
-            <a:schemeClr val="accent1"/>
-          </a:fillRef>
-          <a:effectRef idx="0">
-            <a:schemeClr val="accent1"/>
-          </a:effectRef>
-          <a:fontRef idx="minor">
-            <a:schemeClr val="lt1"/>
-          </a:fontRef>
-        </p:style>
-        <p:txBody>
-          <a:bodyPr rtlCol="0" anchor="ctr"/>
-          <a:lstStyle/>
-          <a:p>
-            <a:pPr algn="ctr"/>
-            <a:endParaRPr lang="en-US"/>
-          </a:p>
-        </p:txBody>
-      </p:sp>
-      <p:sp>
-        <p:nvSpPr>
-          <p:cNvPr id="8" name="Rectangle 7"/>
-          <p:cNvSpPr/>
-          <p:nvPr/>
-        </p:nvSpPr>
-        <p:spPr>
-          <a:xfrm>
-            <a:off x="8458200" y="5486400"/>
-            <a:ext cx="685800" cy="685800"/>
-          </a:xfrm>
-          <a:prstGeom prst="rect">
-            <a:avLst/>
-          </a:prstGeom>
-          <a:solidFill>
-            <a:schemeClr val="accent1"/>
-          </a:solidFill>
-          <a:ln>
-            <a:noFill/>
-          </a:ln>
-        </p:spPr>
-        <p:style>
-          <a:lnRef idx="2">
-            <a:schemeClr val="accent1">
-              <a:shade val="50000"/>
-            </a:schemeClr>
-          </a:lnRef>
-          <a:fillRef idx="1">
-            <a:schemeClr val="accent1"/>
-          </a:fillRef>
-          <a:effectRef idx="0">
-            <a:schemeClr val="accent1"/>
-          </a:effectRef>
-          <a:fontRef idx="minor">
-            <a:schemeClr val="lt1"/>
-          </a:fontRef>
-        </p:style>
-        <p:txBody>
-          <a:bodyPr rtlCol="0" anchor="ctr"/>
-          <a:lstStyle/>
-          <a:p>
-            <a:pPr algn="ctr"/>
-            <a:endParaRPr lang="en-US"/>
-          </a:p>
-        </p:txBody>
-      </p:sp>
-      <p:sp>
-        <p:nvSpPr>
-          <p:cNvPr id="6" name="Slide Number Placeholder 5"/>
-          <p:cNvSpPr>
-            <a:spLocks noGrp="1"/>
-          </p:cNvSpPr>
-          <p:nvPr>
-            <p:ph type="sldNum" sz="quarter" idx="4"/>
-          </p:nvPr>
-        </p:nvSpPr>
-        <p:spPr>
-          <a:xfrm>
-            <a:off x="8531788" y="5648960"/>
-            <a:ext cx="548640" cy="396240"/>
-          </a:xfrm>
-          <a:prstGeom prst="bracketPair">
-            <a:avLst>
-              <a:gd name="adj" fmla="val 17949"/>
-            </a:avLst>
-          </a:prstGeom>
-          <a:ln w="19050">
-            <a:solidFill>
-              <a:srgbClr val="FFFFFF"/>
-            </a:solidFill>
-          </a:ln>
-        </p:spPr>
-        <p:txBody>
-          <a:bodyPr vert="horz" lIns="0" tIns="0" rIns="0" bIns="0" rtlCol="0" anchor="ctr"/>
-          <a:lstStyle>
-            <a:lvl1pPr algn="ctr">
-              <a:defRPr sz="1800">
-                <a:solidFill>
-                  <a:srgbClr val="FFFFFF"/>
-                </a:solidFill>
-              </a:defRPr>
-            </a:lvl1pPr>
-          </a:lstStyle>
-          <a:p>
-            <a:fld id="{80BBCAA0-10EA-43EC-B1E5-362E7404C6DC}" type="slidenum">
-              <a:rPr lang="en-US" smtClean="0"/>
-              <a:t>‹#›</a:t>
-            </a:fld>
-            <a:endParaRPr lang="en-US"/>
-          </a:p>
-        </p:txBody>
-      </p:sp>
-      <p:sp>
-        <p:nvSpPr>
-          <p:cNvPr id="5" name="Footer Placeholder 4"/>
-          <p:cNvSpPr>
-            <a:spLocks noGrp="1"/>
-          </p:cNvSpPr>
-          <p:nvPr>
-            <p:ph type="ftr" sz="quarter" idx="3"/>
-          </p:nvPr>
-        </p:nvSpPr>
-        <p:spPr>
-          <a:xfrm rot="16200000">
-            <a:off x="7586910" y="4048760"/>
-            <a:ext cx="2367281" cy="365760"/>
-          </a:xfrm>
-          <a:prstGeom prst="rect">
-            <a:avLst/>
-          </a:prstGeom>
-        </p:spPr>
-        <p:txBody>
-          <a:bodyPr vert="horz" lIns="91440" tIns="45720" rIns="91440" bIns="45720" rtlCol="0" anchor="ctr"/>
-          <a:lstStyle>
-            <a:lvl1pPr algn="r">
-              <a:defRPr sz="1200">
-                <a:solidFill>
-                  <a:schemeClr val="bg2"/>
-                </a:solidFill>
-              </a:defRPr>
-            </a:lvl1pPr>
-          </a:lstStyle>
-          <a:p>
-            <a:endParaRPr lang="en-US"/>
-          </a:p>
-        </p:txBody>
-      </p:sp>
-      <p:sp>
-        <p:nvSpPr>
-          <p:cNvPr id="4" name="Date Placeholder 3"/>
-          <p:cNvSpPr>
-            <a:spLocks noGrp="1"/>
-          </p:cNvSpPr>
-          <p:nvPr>
-            <p:ph type="dt" sz="half" idx="2"/>
-          </p:nvPr>
-        </p:nvSpPr>
-        <p:spPr>
-          <a:xfrm rot="16200000">
-            <a:off x="7551351" y="1645920"/>
-            <a:ext cx="2438399" cy="365760"/>
-          </a:xfrm>
-          <a:prstGeom prst="rect">
-            <a:avLst/>
-          </a:prstGeom>
-        </p:spPr>
-        <p:txBody>
-          <a:bodyPr vert="horz" lIns="91440" tIns="45720" rIns="91440" bIns="45720" rtlCol="0" anchor="ctr"/>
-          <a:lstStyle>
-            <a:lvl1pPr algn="l">
-              <a:defRPr sz="1200">
-                <a:solidFill>
-                  <a:schemeClr val="bg2"/>
-                </a:solidFill>
-              </a:defRPr>
-            </a:lvl1pPr>
-          </a:lstStyle>
-          <a:p>
-            <a:fld id="{FF0A1386-C782-4065-B3C1-FE215C0780CC}" type="datetimeFigureOut">
-              <a:rPr lang="en-US" smtClean="0"/>
-              <a:t>10/26/2020</a:t>
-            </a:fld>
-            <a:endParaRPr lang="en-US"/>
-          </a:p>
-        </p:txBody>
-      </p:sp>
     </p:spTree>
   </p:cSld>
   <p:clrMap bg1="lt1" tx1="dk1" bg2="lt2" tx2="dk2" accent1="accent1" accent2="accent2" accent3="accent3" accent4="accent4" accent5="accent5" accent6="accent6" hlink="hlink" folHlink="folHlink"/>
@@ -2870,6 +2952,13 @@
     <p:sldLayoutId id="2147483670" r:id="rId10"/>
     <p:sldLayoutId id="2147483671" r:id="rId11"/>
   </p:sldLayoutIdLst>
+  <p:timing>
+    <p:tnLst>
+      <p:par>
+        <p:cTn id="1" dur="indefinite" restart="never" nodeType="tmRoot"/>
+      </p:par>
+    </p:tnLst>
+  </p:timing>
   <p:txStyles>
     <p:titleStyle>
       <a:lvl1pPr algn="l" defTabSz="914400" rtl="0" eaLnBrk="1" latinLnBrk="0" hangingPunct="1">
@@ -3277,7 +3366,7 @@
         </p:nvCxnSpPr>
         <p:spPr>
           <a:xfrm flipH="1" flipV="1">
-            <a:off x="6667500" y="3626931"/>
+            <a:off x="6781800" y="2621608"/>
             <a:ext cx="457200" cy="1"/>
           </a:xfrm>
           <a:prstGeom prst="straightConnector1">
@@ -5172,13 +5261,7 @@
                   <a:rPr lang="en-US" sz="1000" dirty="0" smtClean="0">
                     <a:latin typeface="Raleway Medium" pitchFamily="34" charset="0"/>
                   </a:rPr>
-                  <a:t>Interrup</a:t>
-                </a:r>
-                <a:r>
-                  <a:rPr lang="en-US" sz="1000" dirty="0" smtClean="0">
-                    <a:latin typeface="Raleway Medium" pitchFamily="34" charset="0"/>
-                  </a:rPr>
-                  <a:t>t Ctrl.</a:t>
+                  <a:t>Interrupt Ctrl.</a:t>
                 </a:r>
                 <a:endParaRPr lang="en-US" sz="1000" dirty="0">
                   <a:latin typeface="Raleway Medium" pitchFamily="34" charset="0"/>
@@ -5368,8 +5451,8 @@
               </a:fontRef>
             </p:style>
           </p:cxnSp>
-          <mc:AlternateContent xmlns:mc="http://schemas.openxmlformats.org/markup-compatibility/2006">
-            <mc:Choice xmlns:a14="http://schemas.microsoft.com/office/drawing/2010/main" Requires="a14">
+          <mc:AlternateContent xmlns:mc="http://schemas.openxmlformats.org/markup-compatibility/2006" xmlns:a14="http://schemas.microsoft.com/office/drawing/2010/main">
+            <mc:Choice Requires="a14">
               <p:sp>
                 <p:nvSpPr>
                   <p:cNvPr id="6" name="Rectangle 5"/>
@@ -5451,7 +5534,7 @@
                 </p:txBody>
               </p:sp>
             </mc:Choice>
-            <mc:Fallback>
+            <mc:Fallback xmlns="">
               <p:sp>
                 <p:nvSpPr>
                   <p:cNvPr id="6" name="Rectangle 5"/>
@@ -5493,8 +5576,8 @@
               </p:sp>
             </mc:Fallback>
           </mc:AlternateContent>
-          <mc:AlternateContent xmlns:mc="http://schemas.openxmlformats.org/markup-compatibility/2006">
-            <mc:Choice xmlns:a14="http://schemas.microsoft.com/office/drawing/2010/main" Requires="a14">
+          <mc:AlternateContent xmlns:mc="http://schemas.openxmlformats.org/markup-compatibility/2006" xmlns:a14="http://schemas.microsoft.com/office/drawing/2010/main">
+            <mc:Choice Requires="a14">
               <p:sp>
                 <p:nvSpPr>
                   <p:cNvPr id="7" name="Rectangle 6"/>
@@ -5576,7 +5659,7 @@
                 </p:txBody>
               </p:sp>
             </mc:Choice>
-            <mc:Fallback>
+            <mc:Fallback xmlns="">
               <p:sp>
                 <p:nvSpPr>
                   <p:cNvPr id="7" name="Rectangle 6"/>
@@ -5618,8 +5701,8 @@
               </p:sp>
             </mc:Fallback>
           </mc:AlternateContent>
-          <mc:AlternateContent xmlns:mc="http://schemas.openxmlformats.org/markup-compatibility/2006">
-            <mc:Choice xmlns:a14="http://schemas.microsoft.com/office/drawing/2010/main" Requires="a14">
+          <mc:AlternateContent xmlns:mc="http://schemas.openxmlformats.org/markup-compatibility/2006" xmlns:a14="http://schemas.microsoft.com/office/drawing/2010/main">
+            <mc:Choice Requires="a14">
               <p:sp>
                 <p:nvSpPr>
                   <p:cNvPr id="8" name="Rectangle 7"/>
@@ -5701,7 +5784,7 @@
                 </p:txBody>
               </p:sp>
             </mc:Choice>
-            <mc:Fallback>
+            <mc:Fallback xmlns="">
               <p:sp>
                 <p:nvSpPr>
                   <p:cNvPr id="8" name="Rectangle 7"/>
@@ -5743,8 +5826,8 @@
               </p:sp>
             </mc:Fallback>
           </mc:AlternateContent>
-          <mc:AlternateContent xmlns:mc="http://schemas.openxmlformats.org/markup-compatibility/2006">
-            <mc:Choice xmlns:a14="http://schemas.microsoft.com/office/drawing/2010/main" Requires="a14">
+          <mc:AlternateContent xmlns:mc="http://schemas.openxmlformats.org/markup-compatibility/2006" xmlns:a14="http://schemas.microsoft.com/office/drawing/2010/main">
+            <mc:Choice Requires="a14">
               <p:sp>
                 <p:nvSpPr>
                   <p:cNvPr id="9" name="Rectangle 8"/>
@@ -5826,7 +5909,7 @@
                 </p:txBody>
               </p:sp>
             </mc:Choice>
-            <mc:Fallback>
+            <mc:Fallback xmlns="">
               <p:sp>
                 <p:nvSpPr>
                   <p:cNvPr id="9" name="Rectangle 8"/>
@@ -6840,6 +6923,6373 @@
     <p:extLst>
       <p:ext uri="{BB962C8B-B14F-4D97-AF65-F5344CB8AC3E}">
         <p14:creationId xmlns:p14="http://schemas.microsoft.com/office/powerpoint/2010/main" val="288496266"/>
+      </p:ext>
+    </p:extLst>
+  </p:cSld>
+  <p:clrMapOvr>
+    <a:masterClrMapping/>
+  </p:clrMapOvr>
+  <p:timing>
+    <p:tnLst>
+      <p:par>
+        <p:cTn id="1" dur="indefinite" restart="never" nodeType="tmRoot"/>
+      </p:par>
+    </p:tnLst>
+  </p:timing>
+</p:sld>
+</file>
+
+<file path=ppt/slides/slide2.xml><?xml version="1.0" encoding="utf-8"?>
+<p:sld xmlns:a="http://schemas.openxmlformats.org/drawingml/2006/main" xmlns:r="http://schemas.openxmlformats.org/officeDocument/2006/relationships" xmlns:p="http://schemas.openxmlformats.org/presentationml/2006/main">
+  <p:cSld>
+    <p:spTree>
+      <p:nvGrpSpPr>
+        <p:cNvPr id="1" name=""/>
+        <p:cNvGrpSpPr/>
+        <p:nvPr/>
+      </p:nvGrpSpPr>
+      <p:grpSpPr>
+        <a:xfrm>
+          <a:off x="0" y="0"/>
+          <a:ext cx="0" cy="0"/>
+          <a:chOff x="0" y="0"/>
+          <a:chExt cx="0" cy="0"/>
+        </a:xfrm>
+      </p:grpSpPr>
+      <p:grpSp>
+        <p:nvGrpSpPr>
+          <p:cNvPr id="34" name="Group 33"/>
+          <p:cNvGrpSpPr/>
+          <p:nvPr/>
+        </p:nvGrpSpPr>
+        <p:grpSpPr>
+          <a:xfrm>
+            <a:off x="-76200" y="698500"/>
+            <a:ext cx="10011448" cy="3035300"/>
+            <a:chOff x="-76200" y="698500"/>
+            <a:chExt cx="10011448" cy="3035300"/>
+          </a:xfrm>
+        </p:grpSpPr>
+        <p:sp>
+          <p:nvSpPr>
+            <p:cNvPr id="152" name="Rectangle 151"/>
+            <p:cNvSpPr/>
+            <p:nvPr/>
+          </p:nvSpPr>
+          <p:spPr>
+            <a:xfrm>
+              <a:off x="5276818" y="698500"/>
+              <a:ext cx="2571782" cy="2425701"/>
+            </a:xfrm>
+            <a:prstGeom prst="rect">
+              <a:avLst/>
+            </a:prstGeom>
+            <a:solidFill>
+              <a:srgbClr val="92D050">
+                <a:alpha val="16000"/>
+              </a:srgbClr>
+            </a:solidFill>
+            <a:ln>
+              <a:noFill/>
+            </a:ln>
+          </p:spPr>
+          <p:style>
+            <a:lnRef idx="2">
+              <a:schemeClr val="accent1">
+                <a:shade val="50000"/>
+              </a:schemeClr>
+            </a:lnRef>
+            <a:fillRef idx="1">
+              <a:schemeClr val="accent1"/>
+            </a:fillRef>
+            <a:effectRef idx="0">
+              <a:schemeClr val="accent1"/>
+            </a:effectRef>
+            <a:fontRef idx="minor">
+              <a:schemeClr val="lt1"/>
+            </a:fontRef>
+          </p:style>
+          <p:txBody>
+            <a:bodyPr rtlCol="0" anchor="ctr"/>
+            <a:lstStyle/>
+            <a:p>
+              <a:pPr algn="ctr"/>
+              <a:endParaRPr lang="en-US"/>
+            </a:p>
+          </p:txBody>
+        </p:sp>
+        <p:cxnSp>
+          <p:nvCxnSpPr>
+            <p:cNvPr id="147" name="Straight Connector 146"/>
+            <p:cNvCxnSpPr/>
+            <p:nvPr/>
+          </p:nvCxnSpPr>
+          <p:spPr>
+            <a:xfrm flipH="1" flipV="1">
+              <a:off x="6014415" y="2605720"/>
+              <a:ext cx="1" cy="243309"/>
+            </a:xfrm>
+            <a:prstGeom prst="line">
+              <a:avLst/>
+            </a:prstGeom>
+            <a:ln>
+              <a:solidFill>
+                <a:schemeClr val="tx1"/>
+              </a:solidFill>
+              <a:prstDash val="sysDash"/>
+              <a:headEnd type="none" w="med" len="med"/>
+              <a:tailEnd type="arrow" w="med" len="med"/>
+            </a:ln>
+          </p:spPr>
+          <p:style>
+            <a:lnRef idx="1">
+              <a:schemeClr val="accent1"/>
+            </a:lnRef>
+            <a:fillRef idx="0">
+              <a:schemeClr val="accent1"/>
+            </a:fillRef>
+            <a:effectRef idx="0">
+              <a:schemeClr val="accent1"/>
+            </a:effectRef>
+            <a:fontRef idx="minor">
+              <a:schemeClr val="tx1"/>
+            </a:fontRef>
+          </p:style>
+        </p:cxnSp>
+        <p:cxnSp>
+          <p:nvCxnSpPr>
+            <p:cNvPr id="148" name="Straight Connector 147"/>
+            <p:cNvCxnSpPr/>
+            <p:nvPr/>
+          </p:nvCxnSpPr>
+          <p:spPr>
+            <a:xfrm flipH="1" flipV="1">
+              <a:off x="6667368" y="2605720"/>
+              <a:ext cx="1" cy="243309"/>
+            </a:xfrm>
+            <a:prstGeom prst="line">
+              <a:avLst/>
+            </a:prstGeom>
+            <a:ln>
+              <a:solidFill>
+                <a:schemeClr val="tx1"/>
+              </a:solidFill>
+              <a:prstDash val="sysDash"/>
+              <a:headEnd type="none" w="med" len="med"/>
+              <a:tailEnd type="arrow" w="med" len="med"/>
+            </a:ln>
+          </p:spPr>
+          <p:style>
+            <a:lnRef idx="1">
+              <a:schemeClr val="accent1"/>
+            </a:lnRef>
+            <a:fillRef idx="0">
+              <a:schemeClr val="accent1"/>
+            </a:fillRef>
+            <a:effectRef idx="0">
+              <a:schemeClr val="accent1"/>
+            </a:effectRef>
+            <a:fontRef idx="minor">
+              <a:schemeClr val="tx1"/>
+            </a:fontRef>
+          </p:style>
+        </p:cxnSp>
+        <p:cxnSp>
+          <p:nvCxnSpPr>
+            <p:cNvPr id="149" name="Straight Connector 148"/>
+            <p:cNvCxnSpPr/>
+            <p:nvPr/>
+          </p:nvCxnSpPr>
+          <p:spPr>
+            <a:xfrm flipH="1" flipV="1">
+              <a:off x="7305543" y="2605720"/>
+              <a:ext cx="1" cy="243309"/>
+            </a:xfrm>
+            <a:prstGeom prst="line">
+              <a:avLst/>
+            </a:prstGeom>
+            <a:ln>
+              <a:solidFill>
+                <a:schemeClr val="tx1"/>
+              </a:solidFill>
+              <a:prstDash val="sysDash"/>
+              <a:headEnd type="none" w="med" len="med"/>
+              <a:tailEnd type="arrow" w="med" len="med"/>
+            </a:ln>
+          </p:spPr>
+          <p:style>
+            <a:lnRef idx="1">
+              <a:schemeClr val="accent1"/>
+            </a:lnRef>
+            <a:fillRef idx="0">
+              <a:schemeClr val="accent1"/>
+            </a:fillRef>
+            <a:effectRef idx="0">
+              <a:schemeClr val="accent1"/>
+            </a:effectRef>
+            <a:fontRef idx="minor">
+              <a:schemeClr val="tx1"/>
+            </a:fontRef>
+          </p:style>
+        </p:cxnSp>
+        <p:sp>
+          <p:nvSpPr>
+            <p:cNvPr id="120" name="Rectangle 119"/>
+            <p:cNvSpPr/>
+            <p:nvPr/>
+          </p:nvSpPr>
+          <p:spPr>
+            <a:xfrm>
+              <a:off x="3143217" y="698500"/>
+              <a:ext cx="2133600" cy="2425701"/>
+            </a:xfrm>
+            <a:prstGeom prst="rect">
+              <a:avLst/>
+            </a:prstGeom>
+            <a:solidFill>
+              <a:srgbClr val="002060">
+                <a:alpha val="16000"/>
+              </a:srgbClr>
+            </a:solidFill>
+            <a:ln>
+              <a:noFill/>
+            </a:ln>
+          </p:spPr>
+          <p:style>
+            <a:lnRef idx="2">
+              <a:schemeClr val="accent1">
+                <a:shade val="50000"/>
+              </a:schemeClr>
+            </a:lnRef>
+            <a:fillRef idx="1">
+              <a:schemeClr val="accent1"/>
+            </a:fillRef>
+            <a:effectRef idx="0">
+              <a:schemeClr val="accent1"/>
+            </a:effectRef>
+            <a:fontRef idx="minor">
+              <a:schemeClr val="lt1"/>
+            </a:fontRef>
+          </p:style>
+          <p:txBody>
+            <a:bodyPr rtlCol="0" anchor="ctr"/>
+            <a:lstStyle/>
+            <a:p>
+              <a:pPr algn="ctr"/>
+              <a:endParaRPr lang="en-US"/>
+            </a:p>
+          </p:txBody>
+        </p:sp>
+        <p:sp>
+          <p:nvSpPr>
+            <p:cNvPr id="95" name="Rectangle 94"/>
+            <p:cNvSpPr/>
+            <p:nvPr/>
+          </p:nvSpPr>
+          <p:spPr>
+            <a:xfrm>
+              <a:off x="844331" y="698501"/>
+              <a:ext cx="1284909" cy="2425700"/>
+            </a:xfrm>
+            <a:prstGeom prst="rect">
+              <a:avLst/>
+            </a:prstGeom>
+            <a:solidFill>
+              <a:srgbClr val="C00000">
+                <a:alpha val="16000"/>
+              </a:srgbClr>
+            </a:solidFill>
+            <a:ln>
+              <a:noFill/>
+            </a:ln>
+          </p:spPr>
+          <p:style>
+            <a:lnRef idx="2">
+              <a:schemeClr val="accent1">
+                <a:shade val="50000"/>
+              </a:schemeClr>
+            </a:lnRef>
+            <a:fillRef idx="1">
+              <a:schemeClr val="accent1"/>
+            </a:fillRef>
+            <a:effectRef idx="0">
+              <a:schemeClr val="accent1"/>
+            </a:effectRef>
+            <a:fontRef idx="minor">
+              <a:schemeClr val="lt1"/>
+            </a:fontRef>
+          </p:style>
+          <p:txBody>
+            <a:bodyPr rtlCol="0" anchor="ctr"/>
+            <a:lstStyle/>
+            <a:p>
+              <a:pPr algn="ctr"/>
+              <a:endParaRPr lang="en-US"/>
+            </a:p>
+          </p:txBody>
+        </p:sp>
+        <p:sp>
+          <p:nvSpPr>
+            <p:cNvPr id="103" name="Rectangle 102"/>
+            <p:cNvSpPr/>
+            <p:nvPr/>
+          </p:nvSpPr>
+          <p:spPr>
+            <a:xfrm>
+              <a:off x="2129240" y="698500"/>
+              <a:ext cx="1013977" cy="2425701"/>
+            </a:xfrm>
+            <a:prstGeom prst="rect">
+              <a:avLst/>
+            </a:prstGeom>
+            <a:solidFill>
+              <a:srgbClr val="FFC000">
+                <a:alpha val="16000"/>
+              </a:srgbClr>
+            </a:solidFill>
+            <a:ln>
+              <a:noFill/>
+            </a:ln>
+          </p:spPr>
+          <p:style>
+            <a:lnRef idx="2">
+              <a:schemeClr val="accent1">
+                <a:shade val="50000"/>
+              </a:schemeClr>
+            </a:lnRef>
+            <a:fillRef idx="1">
+              <a:schemeClr val="accent1"/>
+            </a:fillRef>
+            <a:effectRef idx="0">
+              <a:schemeClr val="accent1"/>
+            </a:effectRef>
+            <a:fontRef idx="minor">
+              <a:schemeClr val="lt1"/>
+            </a:fontRef>
+          </p:style>
+          <p:txBody>
+            <a:bodyPr rtlCol="0" anchor="ctr"/>
+            <a:lstStyle/>
+            <a:p>
+              <a:pPr algn="ctr"/>
+              <a:endParaRPr lang="en-US"/>
+            </a:p>
+          </p:txBody>
+        </p:sp>
+        <p:cxnSp>
+          <p:nvCxnSpPr>
+            <p:cNvPr id="8" name="Straight Connector 7"/>
+            <p:cNvCxnSpPr/>
+            <p:nvPr/>
+          </p:nvCxnSpPr>
+          <p:spPr>
+            <a:xfrm>
+              <a:off x="476217" y="698500"/>
+              <a:ext cx="0" cy="3035300"/>
+            </a:xfrm>
+            <a:prstGeom prst="line">
+              <a:avLst/>
+            </a:prstGeom>
+            <a:ln w="57150">
+              <a:solidFill>
+                <a:schemeClr val="accent2"/>
+              </a:solidFill>
+            </a:ln>
+          </p:spPr>
+          <p:style>
+            <a:lnRef idx="1">
+              <a:schemeClr val="accent1"/>
+            </a:lnRef>
+            <a:fillRef idx="0">
+              <a:schemeClr val="accent1"/>
+            </a:fillRef>
+            <a:effectRef idx="0">
+              <a:schemeClr val="accent1"/>
+            </a:effectRef>
+            <a:fontRef idx="minor">
+              <a:schemeClr val="tx1"/>
+            </a:fontRef>
+          </p:style>
+        </p:cxnSp>
+        <p:sp>
+          <p:nvSpPr>
+            <p:cNvPr id="4" name="Oval 3"/>
+            <p:cNvSpPr/>
+            <p:nvPr/>
+          </p:nvSpPr>
+          <p:spPr>
+            <a:xfrm>
+              <a:off x="438117" y="1335143"/>
+              <a:ext cx="76200" cy="76200"/>
+            </a:xfrm>
+            <a:prstGeom prst="ellipse">
+              <a:avLst/>
+            </a:prstGeom>
+            <a:solidFill>
+              <a:schemeClr val="tx1"/>
+            </a:solidFill>
+            <a:ln>
+              <a:solidFill>
+                <a:schemeClr val="tx1"/>
+              </a:solidFill>
+            </a:ln>
+          </p:spPr>
+          <p:style>
+            <a:lnRef idx="2">
+              <a:schemeClr val="accent1">
+                <a:shade val="50000"/>
+              </a:schemeClr>
+            </a:lnRef>
+            <a:fillRef idx="1">
+              <a:schemeClr val="accent1"/>
+            </a:fillRef>
+            <a:effectRef idx="0">
+              <a:schemeClr val="accent1"/>
+            </a:effectRef>
+            <a:fontRef idx="minor">
+              <a:schemeClr val="lt1"/>
+            </a:fontRef>
+          </p:style>
+          <p:txBody>
+            <a:bodyPr rtlCol="0" anchor="ctr"/>
+            <a:lstStyle/>
+            <a:p>
+              <a:pPr algn="ctr"/>
+              <a:endParaRPr lang="en-US"/>
+            </a:p>
+          </p:txBody>
+        </p:sp>
+        <p:sp>
+          <p:nvSpPr>
+            <p:cNvPr id="5" name="Cross 4"/>
+            <p:cNvSpPr/>
+            <p:nvPr/>
+          </p:nvSpPr>
+          <p:spPr>
+            <a:xfrm rot="2700000">
+              <a:off x="799881" y="1335143"/>
+              <a:ext cx="76200" cy="76200"/>
+            </a:xfrm>
+            <a:prstGeom prst="plus">
+              <a:avLst>
+                <a:gd name="adj" fmla="val 49999"/>
+              </a:avLst>
+            </a:prstGeom>
+            <a:solidFill>
+              <a:schemeClr val="tx1"/>
+            </a:solidFill>
+            <a:ln>
+              <a:solidFill>
+                <a:schemeClr val="tx1"/>
+              </a:solidFill>
+            </a:ln>
+          </p:spPr>
+          <p:style>
+            <a:lnRef idx="2">
+              <a:schemeClr val="accent1">
+                <a:shade val="50000"/>
+              </a:schemeClr>
+            </a:lnRef>
+            <a:fillRef idx="1">
+              <a:schemeClr val="accent1"/>
+            </a:fillRef>
+            <a:effectRef idx="0">
+              <a:schemeClr val="accent1"/>
+            </a:effectRef>
+            <a:fontRef idx="minor">
+              <a:schemeClr val="lt1"/>
+            </a:fontRef>
+          </p:style>
+          <p:txBody>
+            <a:bodyPr rtlCol="0" anchor="ctr"/>
+            <a:lstStyle/>
+            <a:p>
+              <a:pPr algn="ctr"/>
+              <a:endParaRPr lang="en-US"/>
+            </a:p>
+          </p:txBody>
+        </p:sp>
+        <p:sp>
+          <p:nvSpPr>
+            <p:cNvPr id="9" name="Oval 8"/>
+            <p:cNvSpPr/>
+            <p:nvPr/>
+          </p:nvSpPr>
+          <p:spPr>
+            <a:xfrm>
+              <a:off x="438117" y="2413091"/>
+              <a:ext cx="76200" cy="76200"/>
+            </a:xfrm>
+            <a:prstGeom prst="ellipse">
+              <a:avLst/>
+            </a:prstGeom>
+            <a:solidFill>
+              <a:schemeClr val="tx1"/>
+            </a:solidFill>
+            <a:ln>
+              <a:solidFill>
+                <a:schemeClr val="tx1"/>
+              </a:solidFill>
+            </a:ln>
+          </p:spPr>
+          <p:style>
+            <a:lnRef idx="2">
+              <a:schemeClr val="accent1">
+                <a:shade val="50000"/>
+              </a:schemeClr>
+            </a:lnRef>
+            <a:fillRef idx="1">
+              <a:schemeClr val="accent1"/>
+            </a:fillRef>
+            <a:effectRef idx="0">
+              <a:schemeClr val="accent1"/>
+            </a:effectRef>
+            <a:fontRef idx="minor">
+              <a:schemeClr val="lt1"/>
+            </a:fontRef>
+          </p:style>
+          <p:txBody>
+            <a:bodyPr rtlCol="0" anchor="ctr"/>
+            <a:lstStyle/>
+            <a:p>
+              <a:pPr algn="ctr"/>
+              <a:endParaRPr lang="en-US"/>
+            </a:p>
+          </p:txBody>
+        </p:sp>
+        <p:cxnSp>
+          <p:nvCxnSpPr>
+            <p:cNvPr id="6" name="Straight Arrow Connector 5"/>
+            <p:cNvCxnSpPr/>
+            <p:nvPr/>
+          </p:nvCxnSpPr>
+          <p:spPr>
+            <a:xfrm flipH="1" flipV="1">
+              <a:off x="438117" y="1373241"/>
+              <a:ext cx="342900" cy="1"/>
+            </a:xfrm>
+            <a:prstGeom prst="straightConnector1">
+              <a:avLst/>
+            </a:prstGeom>
+            <a:ln>
+              <a:solidFill>
+                <a:schemeClr val="tx1"/>
+              </a:solidFill>
+              <a:headEnd type="triangle" w="med" len="med"/>
+              <a:tailEnd type="none" w="med" len="med"/>
+            </a:ln>
+          </p:spPr>
+          <p:style>
+            <a:lnRef idx="1">
+              <a:schemeClr val="accent1"/>
+            </a:lnRef>
+            <a:fillRef idx="0">
+              <a:schemeClr val="accent1"/>
+            </a:fillRef>
+            <a:effectRef idx="0">
+              <a:schemeClr val="accent1"/>
+            </a:effectRef>
+            <a:fontRef idx="minor">
+              <a:schemeClr val="tx1"/>
+            </a:fontRef>
+          </p:style>
+        </p:cxnSp>
+        <p:cxnSp>
+          <p:nvCxnSpPr>
+            <p:cNvPr id="10" name="Straight Arrow Connector 9"/>
+            <p:cNvCxnSpPr/>
+            <p:nvPr/>
+          </p:nvCxnSpPr>
+          <p:spPr>
+            <a:xfrm flipH="1" flipV="1">
+              <a:off x="438117" y="2451190"/>
+              <a:ext cx="342900" cy="1"/>
+            </a:xfrm>
+            <a:prstGeom prst="straightConnector1">
+              <a:avLst/>
+            </a:prstGeom>
+            <a:ln>
+              <a:solidFill>
+                <a:schemeClr val="tx1"/>
+              </a:solidFill>
+              <a:headEnd type="triangle" w="med" len="med"/>
+              <a:tailEnd type="none" w="med" len="med"/>
+            </a:ln>
+          </p:spPr>
+          <p:style>
+            <a:lnRef idx="1">
+              <a:schemeClr val="accent1"/>
+            </a:lnRef>
+            <a:fillRef idx="0">
+              <a:schemeClr val="accent1"/>
+            </a:fillRef>
+            <a:effectRef idx="0">
+              <a:schemeClr val="accent1"/>
+            </a:effectRef>
+            <a:fontRef idx="minor">
+              <a:schemeClr val="tx1"/>
+            </a:fontRef>
+          </p:style>
+        </p:cxnSp>
+        <p:sp>
+          <p:nvSpPr>
+            <p:cNvPr id="12" name="Rectangle 11"/>
+            <p:cNvSpPr/>
+            <p:nvPr/>
+          </p:nvSpPr>
+          <p:spPr>
+            <a:xfrm>
+              <a:off x="-70589" y="1242438"/>
+              <a:ext cx="564578" cy="261610"/>
+            </a:xfrm>
+            <a:prstGeom prst="rect">
+              <a:avLst/>
+            </a:prstGeom>
+          </p:spPr>
+          <p:txBody>
+            <a:bodyPr wrap="none">
+              <a:spAutoFit/>
+            </a:bodyPr>
+            <a:lstStyle/>
+            <a:p>
+              <a:pPr algn="ctr"/>
+              <a:r>
+                <a:rPr lang="en-US" sz="1100" dirty="0" smtClean="0">
+                  <a:latin typeface="Raleway Medium" pitchFamily="34" charset="0"/>
+                </a:rPr>
+                <a:t>HPM1</a:t>
+              </a:r>
+              <a:endParaRPr lang="en-US" sz="1100" dirty="0">
+                <a:latin typeface="Raleway Medium" pitchFamily="34" charset="0"/>
+              </a:endParaRPr>
+            </a:p>
+          </p:txBody>
+        </p:sp>
+        <p:sp>
+          <p:nvSpPr>
+            <p:cNvPr id="13" name="Rectangle 12"/>
+            <p:cNvSpPr/>
+            <p:nvPr/>
+          </p:nvSpPr>
+          <p:spPr>
+            <a:xfrm>
+              <a:off x="-76200" y="2320387"/>
+              <a:ext cx="575799" cy="261610"/>
+            </a:xfrm>
+            <a:prstGeom prst="rect">
+              <a:avLst/>
+            </a:prstGeom>
+          </p:spPr>
+          <p:txBody>
+            <a:bodyPr wrap="none">
+              <a:spAutoFit/>
+            </a:bodyPr>
+            <a:lstStyle/>
+            <a:p>
+              <a:pPr algn="ctr"/>
+              <a:r>
+                <a:rPr lang="en-US" sz="1100" dirty="0" smtClean="0">
+                  <a:latin typeface="Raleway Medium" pitchFamily="34" charset="0"/>
+                </a:rPr>
+                <a:t>HPM2</a:t>
+              </a:r>
+              <a:endParaRPr lang="en-US" sz="1100" dirty="0">
+                <a:latin typeface="Raleway Medium" pitchFamily="34" charset="0"/>
+              </a:endParaRPr>
+            </a:p>
+          </p:txBody>
+        </p:sp>
+        <p:sp>
+          <p:nvSpPr>
+            <p:cNvPr id="15" name="Cross 14"/>
+            <p:cNvSpPr/>
+            <p:nvPr/>
+          </p:nvSpPr>
+          <p:spPr>
+            <a:xfrm rot="2700000">
+              <a:off x="799881" y="2413089"/>
+              <a:ext cx="76200" cy="76200"/>
+            </a:xfrm>
+            <a:prstGeom prst="plus">
+              <a:avLst>
+                <a:gd name="adj" fmla="val 49999"/>
+              </a:avLst>
+            </a:prstGeom>
+            <a:solidFill>
+              <a:schemeClr val="tx1"/>
+            </a:solidFill>
+            <a:ln>
+              <a:solidFill>
+                <a:schemeClr val="tx1"/>
+              </a:solidFill>
+            </a:ln>
+          </p:spPr>
+          <p:style>
+            <a:lnRef idx="2">
+              <a:schemeClr val="accent1">
+                <a:shade val="50000"/>
+              </a:schemeClr>
+            </a:lnRef>
+            <a:fillRef idx="1">
+              <a:schemeClr val="accent1"/>
+            </a:fillRef>
+            <a:effectRef idx="0">
+              <a:schemeClr val="accent1"/>
+            </a:effectRef>
+            <a:fontRef idx="minor">
+              <a:schemeClr val="lt1"/>
+            </a:fontRef>
+          </p:style>
+          <p:txBody>
+            <a:bodyPr rtlCol="0" anchor="ctr"/>
+            <a:lstStyle/>
+            <a:p>
+              <a:pPr algn="ctr"/>
+              <a:endParaRPr lang="en-US"/>
+            </a:p>
+          </p:txBody>
+        </p:sp>
+        <p:cxnSp>
+          <p:nvCxnSpPr>
+            <p:cNvPr id="17" name="Straight Connector 16"/>
+            <p:cNvCxnSpPr/>
+            <p:nvPr/>
+          </p:nvCxnSpPr>
+          <p:spPr>
+            <a:xfrm>
+              <a:off x="844331" y="1022350"/>
+              <a:ext cx="0" cy="699555"/>
+            </a:xfrm>
+            <a:prstGeom prst="line">
+              <a:avLst/>
+            </a:prstGeom>
+            <a:ln>
+              <a:solidFill>
+                <a:schemeClr val="tx1"/>
+              </a:solidFill>
+            </a:ln>
+          </p:spPr>
+          <p:style>
+            <a:lnRef idx="1">
+              <a:schemeClr val="accent1"/>
+            </a:lnRef>
+            <a:fillRef idx="0">
+              <a:schemeClr val="accent1"/>
+            </a:fillRef>
+            <a:effectRef idx="0">
+              <a:schemeClr val="accent1"/>
+            </a:effectRef>
+            <a:fontRef idx="minor">
+              <a:schemeClr val="tx1"/>
+            </a:fontRef>
+          </p:style>
+        </p:cxnSp>
+        <p:grpSp>
+          <p:nvGrpSpPr>
+            <p:cNvPr id="22" name="Group 21"/>
+            <p:cNvGrpSpPr/>
+            <p:nvPr/>
+          </p:nvGrpSpPr>
+          <p:grpSpPr>
+            <a:xfrm>
+              <a:off x="947692" y="1053334"/>
+              <a:ext cx="569925" cy="628214"/>
+              <a:chOff x="1335075" y="1034751"/>
+              <a:chExt cx="758850" cy="760138"/>
+            </a:xfrm>
+          </p:grpSpPr>
+          <p:sp>
+            <p:nvSpPr>
+              <p:cNvPr id="14" name="Rectangle 13"/>
+              <p:cNvSpPr/>
+              <p:nvPr/>
+            </p:nvSpPr>
+            <p:spPr>
+              <a:xfrm>
+                <a:off x="1335075" y="1034751"/>
+                <a:ext cx="188925" cy="188925"/>
+              </a:xfrm>
+              <a:prstGeom prst="rect">
+                <a:avLst/>
+              </a:prstGeom>
+              <a:solidFill>
+                <a:schemeClr val="bg1"/>
+              </a:solidFill>
+              <a:ln w="12700">
+                <a:solidFill>
+                  <a:schemeClr val="tx1"/>
+                </a:solidFill>
+              </a:ln>
+            </p:spPr>
+            <p:style>
+              <a:lnRef idx="2">
+                <a:schemeClr val="accent1">
+                  <a:shade val="50000"/>
+                </a:schemeClr>
+              </a:lnRef>
+              <a:fillRef idx="1">
+                <a:schemeClr val="accent1"/>
+              </a:fillRef>
+              <a:effectRef idx="0">
+                <a:schemeClr val="accent1"/>
+              </a:effectRef>
+              <a:fontRef idx="minor">
+                <a:schemeClr val="lt1"/>
+              </a:fontRef>
+            </p:style>
+            <p:txBody>
+              <a:bodyPr rtlCol="0" anchor="ctr"/>
+              <a:lstStyle/>
+              <a:p>
+                <a:pPr algn="ctr"/>
+                <a:r>
+                  <a:rPr lang="en-US" sz="1050" dirty="0" smtClean="0">
+                    <a:solidFill>
+                      <a:schemeClr val="tx1"/>
+                    </a:solidFill>
+                  </a:rPr>
+                  <a:t>0</a:t>
+                </a:r>
+                <a:endParaRPr lang="en-US" dirty="0">
+                  <a:solidFill>
+                    <a:schemeClr val="tx1"/>
+                  </a:solidFill>
+                </a:endParaRPr>
+              </a:p>
+            </p:txBody>
+          </p:sp>
+          <p:sp>
+            <p:nvSpPr>
+              <p:cNvPr id="18" name="Rectangle 17"/>
+              <p:cNvSpPr/>
+              <p:nvPr/>
+            </p:nvSpPr>
+            <p:spPr>
+              <a:xfrm>
+                <a:off x="1524000" y="1224898"/>
+                <a:ext cx="188925" cy="188925"/>
+              </a:xfrm>
+              <a:prstGeom prst="rect">
+                <a:avLst/>
+              </a:prstGeom>
+              <a:solidFill>
+                <a:schemeClr val="bg1"/>
+              </a:solidFill>
+              <a:ln w="12700">
+                <a:solidFill>
+                  <a:schemeClr val="tx1"/>
+                </a:solidFill>
+              </a:ln>
+            </p:spPr>
+            <p:style>
+              <a:lnRef idx="2">
+                <a:schemeClr val="accent1">
+                  <a:shade val="50000"/>
+                </a:schemeClr>
+              </a:lnRef>
+              <a:fillRef idx="1">
+                <a:schemeClr val="accent1"/>
+              </a:fillRef>
+              <a:effectRef idx="0">
+                <a:schemeClr val="accent1"/>
+              </a:effectRef>
+              <a:fontRef idx="minor">
+                <a:schemeClr val="lt1"/>
+              </a:fontRef>
+            </p:style>
+            <p:txBody>
+              <a:bodyPr rtlCol="0" anchor="ctr"/>
+              <a:lstStyle/>
+              <a:p>
+                <a:pPr algn="ctr"/>
+                <a:r>
+                  <a:rPr lang="en-US" sz="1050" dirty="0">
+                    <a:solidFill>
+                      <a:schemeClr val="tx1"/>
+                    </a:solidFill>
+                  </a:rPr>
+                  <a:t>1</a:t>
+                </a:r>
+                <a:endParaRPr lang="en-US" dirty="0">
+                  <a:solidFill>
+                    <a:schemeClr val="tx1"/>
+                  </a:solidFill>
+                </a:endParaRPr>
+              </a:p>
+            </p:txBody>
+          </p:sp>
+          <p:sp>
+            <p:nvSpPr>
+              <p:cNvPr id="19" name="Rectangle 18"/>
+              <p:cNvSpPr/>
+              <p:nvPr/>
+            </p:nvSpPr>
+            <p:spPr>
+              <a:xfrm>
+                <a:off x="1716075" y="1415817"/>
+                <a:ext cx="188925" cy="188925"/>
+              </a:xfrm>
+              <a:prstGeom prst="rect">
+                <a:avLst/>
+              </a:prstGeom>
+              <a:solidFill>
+                <a:schemeClr val="bg1"/>
+              </a:solidFill>
+              <a:ln w="12700">
+                <a:solidFill>
+                  <a:schemeClr val="tx1"/>
+                </a:solidFill>
+              </a:ln>
+            </p:spPr>
+            <p:style>
+              <a:lnRef idx="2">
+                <a:schemeClr val="accent1">
+                  <a:shade val="50000"/>
+                </a:schemeClr>
+              </a:lnRef>
+              <a:fillRef idx="1">
+                <a:schemeClr val="accent1"/>
+              </a:fillRef>
+              <a:effectRef idx="0">
+                <a:schemeClr val="accent1"/>
+              </a:effectRef>
+              <a:fontRef idx="minor">
+                <a:schemeClr val="lt1"/>
+              </a:fontRef>
+            </p:style>
+            <p:txBody>
+              <a:bodyPr rtlCol="0" anchor="ctr"/>
+              <a:lstStyle/>
+              <a:p>
+                <a:pPr algn="ctr"/>
+                <a:r>
+                  <a:rPr lang="en-US" sz="1050" dirty="0">
+                    <a:solidFill>
+                      <a:schemeClr val="tx1"/>
+                    </a:solidFill>
+                  </a:rPr>
+                  <a:t>2</a:t>
+                </a:r>
+                <a:endParaRPr lang="en-US" dirty="0">
+                  <a:solidFill>
+                    <a:schemeClr val="tx1"/>
+                  </a:solidFill>
+                </a:endParaRPr>
+              </a:p>
+            </p:txBody>
+          </p:sp>
+          <p:sp>
+            <p:nvSpPr>
+              <p:cNvPr id="20" name="Rectangle 19"/>
+              <p:cNvSpPr/>
+              <p:nvPr/>
+            </p:nvSpPr>
+            <p:spPr>
+              <a:xfrm>
+                <a:off x="1905000" y="1605964"/>
+                <a:ext cx="188925" cy="188925"/>
+              </a:xfrm>
+              <a:prstGeom prst="rect">
+                <a:avLst/>
+              </a:prstGeom>
+              <a:solidFill>
+                <a:schemeClr val="bg1"/>
+              </a:solidFill>
+              <a:ln w="12700">
+                <a:solidFill>
+                  <a:schemeClr val="tx1"/>
+                </a:solidFill>
+              </a:ln>
+            </p:spPr>
+            <p:style>
+              <a:lnRef idx="2">
+                <a:schemeClr val="accent1">
+                  <a:shade val="50000"/>
+                </a:schemeClr>
+              </a:lnRef>
+              <a:fillRef idx="1">
+                <a:schemeClr val="accent1"/>
+              </a:fillRef>
+              <a:effectRef idx="0">
+                <a:schemeClr val="accent1"/>
+              </a:effectRef>
+              <a:fontRef idx="minor">
+                <a:schemeClr val="lt1"/>
+              </a:fontRef>
+            </p:style>
+            <p:txBody>
+              <a:bodyPr rtlCol="0" anchor="ctr"/>
+              <a:lstStyle/>
+              <a:p>
+                <a:pPr algn="ctr"/>
+                <a:r>
+                  <a:rPr lang="en-US" sz="1050" dirty="0" smtClean="0">
+                    <a:solidFill>
+                      <a:schemeClr val="tx1"/>
+                    </a:solidFill>
+                  </a:rPr>
+                  <a:t>3</a:t>
+                </a:r>
+                <a:endParaRPr lang="en-US" dirty="0">
+                  <a:solidFill>
+                    <a:schemeClr val="tx1"/>
+                  </a:solidFill>
+                </a:endParaRPr>
+              </a:p>
+            </p:txBody>
+          </p:sp>
+        </p:grpSp>
+        <p:grpSp>
+          <p:nvGrpSpPr>
+            <p:cNvPr id="24" name="Group 23"/>
+            <p:cNvGrpSpPr/>
+            <p:nvPr/>
+          </p:nvGrpSpPr>
+          <p:grpSpPr>
+            <a:xfrm>
+              <a:off x="1695418" y="1053334"/>
+              <a:ext cx="141890" cy="628214"/>
+              <a:chOff x="1335075" y="1034751"/>
+              <a:chExt cx="188925" cy="760138"/>
+            </a:xfrm>
+          </p:grpSpPr>
+          <p:sp>
+            <p:nvSpPr>
+              <p:cNvPr id="25" name="Rectangle 24"/>
+              <p:cNvSpPr/>
+              <p:nvPr/>
+            </p:nvSpPr>
+            <p:spPr>
+              <a:xfrm>
+                <a:off x="1335075" y="1034751"/>
+                <a:ext cx="188925" cy="188925"/>
+              </a:xfrm>
+              <a:prstGeom prst="rect">
+                <a:avLst/>
+              </a:prstGeom>
+              <a:solidFill>
+                <a:schemeClr val="bg1"/>
+              </a:solidFill>
+              <a:ln w="12700">
+                <a:solidFill>
+                  <a:schemeClr val="tx1"/>
+                </a:solidFill>
+              </a:ln>
+            </p:spPr>
+            <p:style>
+              <a:lnRef idx="2">
+                <a:schemeClr val="accent1">
+                  <a:shade val="50000"/>
+                </a:schemeClr>
+              </a:lnRef>
+              <a:fillRef idx="1">
+                <a:schemeClr val="accent1"/>
+              </a:fillRef>
+              <a:effectRef idx="0">
+                <a:schemeClr val="accent1"/>
+              </a:effectRef>
+              <a:fontRef idx="minor">
+                <a:schemeClr val="lt1"/>
+              </a:fontRef>
+            </p:style>
+            <p:txBody>
+              <a:bodyPr rtlCol="0" anchor="ctr"/>
+              <a:lstStyle/>
+              <a:p>
+                <a:pPr algn="ctr"/>
+                <a:r>
+                  <a:rPr lang="en-US" sz="1050" dirty="0" smtClean="0">
+                    <a:solidFill>
+                      <a:schemeClr val="tx1"/>
+                    </a:solidFill>
+                  </a:rPr>
+                  <a:t>0</a:t>
+                </a:r>
+                <a:endParaRPr lang="en-US" dirty="0">
+                  <a:solidFill>
+                    <a:schemeClr val="tx1"/>
+                  </a:solidFill>
+                </a:endParaRPr>
+              </a:p>
+            </p:txBody>
+          </p:sp>
+          <p:sp>
+            <p:nvSpPr>
+              <p:cNvPr id="26" name="Rectangle 25"/>
+              <p:cNvSpPr/>
+              <p:nvPr/>
+            </p:nvSpPr>
+            <p:spPr>
+              <a:xfrm>
+                <a:off x="1335075" y="1224897"/>
+                <a:ext cx="188925" cy="188926"/>
+              </a:xfrm>
+              <a:prstGeom prst="rect">
+                <a:avLst/>
+              </a:prstGeom>
+              <a:solidFill>
+                <a:schemeClr val="bg1"/>
+              </a:solidFill>
+              <a:ln w="12700">
+                <a:solidFill>
+                  <a:schemeClr val="tx1"/>
+                </a:solidFill>
+              </a:ln>
+            </p:spPr>
+            <p:style>
+              <a:lnRef idx="2">
+                <a:schemeClr val="accent1">
+                  <a:shade val="50000"/>
+                </a:schemeClr>
+              </a:lnRef>
+              <a:fillRef idx="1">
+                <a:schemeClr val="accent1"/>
+              </a:fillRef>
+              <a:effectRef idx="0">
+                <a:schemeClr val="accent1"/>
+              </a:effectRef>
+              <a:fontRef idx="minor">
+                <a:schemeClr val="lt1"/>
+              </a:fontRef>
+            </p:style>
+            <p:txBody>
+              <a:bodyPr rtlCol="0" anchor="ctr"/>
+              <a:lstStyle/>
+              <a:p>
+                <a:pPr algn="ctr"/>
+                <a:r>
+                  <a:rPr lang="en-US" sz="1050" dirty="0">
+                    <a:solidFill>
+                      <a:schemeClr val="tx1"/>
+                    </a:solidFill>
+                  </a:rPr>
+                  <a:t>1</a:t>
+                </a:r>
+                <a:endParaRPr lang="en-US" dirty="0">
+                  <a:solidFill>
+                    <a:schemeClr val="tx1"/>
+                  </a:solidFill>
+                </a:endParaRPr>
+              </a:p>
+            </p:txBody>
+          </p:sp>
+          <p:sp>
+            <p:nvSpPr>
+              <p:cNvPr id="27" name="Rectangle 26"/>
+              <p:cNvSpPr/>
+              <p:nvPr/>
+            </p:nvSpPr>
+            <p:spPr>
+              <a:xfrm>
+                <a:off x="1335075" y="1415817"/>
+                <a:ext cx="188925" cy="188926"/>
+              </a:xfrm>
+              <a:prstGeom prst="rect">
+                <a:avLst/>
+              </a:prstGeom>
+              <a:solidFill>
+                <a:schemeClr val="bg1"/>
+              </a:solidFill>
+              <a:ln w="12700">
+                <a:solidFill>
+                  <a:schemeClr val="tx1"/>
+                </a:solidFill>
+              </a:ln>
+            </p:spPr>
+            <p:style>
+              <a:lnRef idx="2">
+                <a:schemeClr val="accent1">
+                  <a:shade val="50000"/>
+                </a:schemeClr>
+              </a:lnRef>
+              <a:fillRef idx="1">
+                <a:schemeClr val="accent1"/>
+              </a:fillRef>
+              <a:effectRef idx="0">
+                <a:schemeClr val="accent1"/>
+              </a:effectRef>
+              <a:fontRef idx="minor">
+                <a:schemeClr val="lt1"/>
+              </a:fontRef>
+            </p:style>
+            <p:txBody>
+              <a:bodyPr rtlCol="0" anchor="ctr"/>
+              <a:lstStyle/>
+              <a:p>
+                <a:pPr algn="ctr"/>
+                <a:r>
+                  <a:rPr lang="en-US" sz="1050" dirty="0">
+                    <a:solidFill>
+                      <a:schemeClr val="tx1"/>
+                    </a:solidFill>
+                  </a:rPr>
+                  <a:t>2</a:t>
+                </a:r>
+                <a:endParaRPr lang="en-US" dirty="0">
+                  <a:solidFill>
+                    <a:schemeClr val="tx1"/>
+                  </a:solidFill>
+                </a:endParaRPr>
+              </a:p>
+            </p:txBody>
+          </p:sp>
+          <p:sp>
+            <p:nvSpPr>
+              <p:cNvPr id="28" name="Rectangle 27"/>
+              <p:cNvSpPr/>
+              <p:nvPr/>
+            </p:nvSpPr>
+            <p:spPr>
+              <a:xfrm>
+                <a:off x="1335075" y="1605963"/>
+                <a:ext cx="188925" cy="188926"/>
+              </a:xfrm>
+              <a:prstGeom prst="rect">
+                <a:avLst/>
+              </a:prstGeom>
+              <a:solidFill>
+                <a:schemeClr val="bg1"/>
+              </a:solidFill>
+              <a:ln w="12700">
+                <a:solidFill>
+                  <a:schemeClr val="tx1"/>
+                </a:solidFill>
+              </a:ln>
+            </p:spPr>
+            <p:style>
+              <a:lnRef idx="2">
+                <a:schemeClr val="accent1">
+                  <a:shade val="50000"/>
+                </a:schemeClr>
+              </a:lnRef>
+              <a:fillRef idx="1">
+                <a:schemeClr val="accent1"/>
+              </a:fillRef>
+              <a:effectRef idx="0">
+                <a:schemeClr val="accent1"/>
+              </a:effectRef>
+              <a:fontRef idx="minor">
+                <a:schemeClr val="lt1"/>
+              </a:fontRef>
+            </p:style>
+            <p:txBody>
+              <a:bodyPr rtlCol="0" anchor="ctr"/>
+              <a:lstStyle/>
+              <a:p>
+                <a:pPr algn="ctr"/>
+                <a:r>
+                  <a:rPr lang="en-US" sz="1050" dirty="0" smtClean="0">
+                    <a:solidFill>
+                      <a:schemeClr val="tx1"/>
+                    </a:solidFill>
+                  </a:rPr>
+                  <a:t>3</a:t>
+                </a:r>
+                <a:endParaRPr lang="en-US" dirty="0">
+                  <a:solidFill>
+                    <a:schemeClr val="tx1"/>
+                  </a:solidFill>
+                </a:endParaRPr>
+              </a:p>
+            </p:txBody>
+          </p:sp>
+        </p:grpSp>
+        <p:grpSp>
+          <p:nvGrpSpPr>
+            <p:cNvPr id="23" name="Group 22"/>
+            <p:cNvGrpSpPr/>
+            <p:nvPr/>
+          </p:nvGrpSpPr>
+          <p:grpSpPr>
+            <a:xfrm>
+              <a:off x="844331" y="2105593"/>
+              <a:ext cx="992977" cy="699555"/>
+              <a:chOff x="1282514" y="1789645"/>
+              <a:chExt cx="992977" cy="699555"/>
+            </a:xfrm>
+          </p:grpSpPr>
+          <p:cxnSp>
+            <p:nvCxnSpPr>
+              <p:cNvPr id="40" name="Straight Connector 39"/>
+              <p:cNvCxnSpPr/>
+              <p:nvPr/>
+            </p:nvCxnSpPr>
+            <p:spPr>
+              <a:xfrm>
+                <a:off x="1282514" y="1789645"/>
+                <a:ext cx="0" cy="699555"/>
+              </a:xfrm>
+              <a:prstGeom prst="line">
+                <a:avLst/>
+              </a:prstGeom>
+              <a:ln>
+                <a:solidFill>
+                  <a:schemeClr val="tx1"/>
+                </a:solidFill>
+              </a:ln>
+            </p:spPr>
+            <p:style>
+              <a:lnRef idx="1">
+                <a:schemeClr val="accent1"/>
+              </a:lnRef>
+              <a:fillRef idx="0">
+                <a:schemeClr val="accent1"/>
+              </a:fillRef>
+              <a:effectRef idx="0">
+                <a:schemeClr val="accent1"/>
+              </a:effectRef>
+              <a:fontRef idx="minor">
+                <a:schemeClr val="tx1"/>
+              </a:fontRef>
+            </p:style>
+          </p:cxnSp>
+          <p:grpSp>
+            <p:nvGrpSpPr>
+              <p:cNvPr id="41" name="Group 40"/>
+              <p:cNvGrpSpPr/>
+              <p:nvPr/>
+            </p:nvGrpSpPr>
+            <p:grpSpPr>
+              <a:xfrm>
+                <a:off x="1385875" y="1820629"/>
+                <a:ext cx="569925" cy="628214"/>
+                <a:chOff x="1335075" y="1034751"/>
+                <a:chExt cx="758850" cy="760138"/>
+              </a:xfrm>
+            </p:grpSpPr>
+            <p:sp>
+              <p:nvSpPr>
+                <p:cNvPr id="42" name="Rectangle 41"/>
+                <p:cNvSpPr/>
+                <p:nvPr/>
+              </p:nvSpPr>
+              <p:spPr>
+                <a:xfrm>
+                  <a:off x="1335075" y="1034751"/>
+                  <a:ext cx="188925" cy="188925"/>
+                </a:xfrm>
+                <a:prstGeom prst="rect">
+                  <a:avLst/>
+                </a:prstGeom>
+                <a:solidFill>
+                  <a:schemeClr val="bg1"/>
+                </a:solidFill>
+                <a:ln w="12700">
+                  <a:solidFill>
+                    <a:schemeClr val="tx1"/>
+                  </a:solidFill>
+                </a:ln>
+              </p:spPr>
+              <p:style>
+                <a:lnRef idx="2">
+                  <a:schemeClr val="accent1">
+                    <a:shade val="50000"/>
+                  </a:schemeClr>
+                </a:lnRef>
+                <a:fillRef idx="1">
+                  <a:schemeClr val="accent1"/>
+                </a:fillRef>
+                <a:effectRef idx="0">
+                  <a:schemeClr val="accent1"/>
+                </a:effectRef>
+                <a:fontRef idx="minor">
+                  <a:schemeClr val="lt1"/>
+                </a:fontRef>
+              </p:style>
+              <p:txBody>
+                <a:bodyPr rtlCol="0" anchor="ctr"/>
+                <a:lstStyle/>
+                <a:p>
+                  <a:pPr algn="ctr"/>
+                  <a:r>
+                    <a:rPr lang="en-US" sz="1050" dirty="0" smtClean="0">
+                      <a:solidFill>
+                        <a:schemeClr val="tx1"/>
+                      </a:solidFill>
+                    </a:rPr>
+                    <a:t>0</a:t>
+                  </a:r>
+                  <a:endParaRPr lang="en-US" dirty="0">
+                    <a:solidFill>
+                      <a:schemeClr val="tx1"/>
+                    </a:solidFill>
+                  </a:endParaRPr>
+                </a:p>
+              </p:txBody>
+            </p:sp>
+            <p:sp>
+              <p:nvSpPr>
+                <p:cNvPr id="43" name="Rectangle 42"/>
+                <p:cNvSpPr/>
+                <p:nvPr/>
+              </p:nvSpPr>
+              <p:spPr>
+                <a:xfrm>
+                  <a:off x="1524000" y="1224898"/>
+                  <a:ext cx="188925" cy="188925"/>
+                </a:xfrm>
+                <a:prstGeom prst="rect">
+                  <a:avLst/>
+                </a:prstGeom>
+                <a:solidFill>
+                  <a:schemeClr val="bg1"/>
+                </a:solidFill>
+                <a:ln w="12700">
+                  <a:solidFill>
+                    <a:schemeClr val="tx1"/>
+                  </a:solidFill>
+                </a:ln>
+              </p:spPr>
+              <p:style>
+                <a:lnRef idx="2">
+                  <a:schemeClr val="accent1">
+                    <a:shade val="50000"/>
+                  </a:schemeClr>
+                </a:lnRef>
+                <a:fillRef idx="1">
+                  <a:schemeClr val="accent1"/>
+                </a:fillRef>
+                <a:effectRef idx="0">
+                  <a:schemeClr val="accent1"/>
+                </a:effectRef>
+                <a:fontRef idx="minor">
+                  <a:schemeClr val="lt1"/>
+                </a:fontRef>
+              </p:style>
+              <p:txBody>
+                <a:bodyPr rtlCol="0" anchor="ctr"/>
+                <a:lstStyle/>
+                <a:p>
+                  <a:pPr algn="ctr"/>
+                  <a:r>
+                    <a:rPr lang="en-US" sz="1050" dirty="0">
+                      <a:solidFill>
+                        <a:schemeClr val="tx1"/>
+                      </a:solidFill>
+                    </a:rPr>
+                    <a:t>1</a:t>
+                  </a:r>
+                  <a:endParaRPr lang="en-US" dirty="0">
+                    <a:solidFill>
+                      <a:schemeClr val="tx1"/>
+                    </a:solidFill>
+                  </a:endParaRPr>
+                </a:p>
+              </p:txBody>
+            </p:sp>
+            <p:sp>
+              <p:nvSpPr>
+                <p:cNvPr id="44" name="Rectangle 43"/>
+                <p:cNvSpPr/>
+                <p:nvPr/>
+              </p:nvSpPr>
+              <p:spPr>
+                <a:xfrm>
+                  <a:off x="1716075" y="1415817"/>
+                  <a:ext cx="188925" cy="188925"/>
+                </a:xfrm>
+                <a:prstGeom prst="rect">
+                  <a:avLst/>
+                </a:prstGeom>
+                <a:solidFill>
+                  <a:schemeClr val="bg1"/>
+                </a:solidFill>
+                <a:ln w="12700">
+                  <a:solidFill>
+                    <a:schemeClr val="tx1"/>
+                  </a:solidFill>
+                </a:ln>
+              </p:spPr>
+              <p:style>
+                <a:lnRef idx="2">
+                  <a:schemeClr val="accent1">
+                    <a:shade val="50000"/>
+                  </a:schemeClr>
+                </a:lnRef>
+                <a:fillRef idx="1">
+                  <a:schemeClr val="accent1"/>
+                </a:fillRef>
+                <a:effectRef idx="0">
+                  <a:schemeClr val="accent1"/>
+                </a:effectRef>
+                <a:fontRef idx="minor">
+                  <a:schemeClr val="lt1"/>
+                </a:fontRef>
+              </p:style>
+              <p:txBody>
+                <a:bodyPr rtlCol="0" anchor="ctr"/>
+                <a:lstStyle/>
+                <a:p>
+                  <a:pPr algn="ctr"/>
+                  <a:r>
+                    <a:rPr lang="en-US" sz="1050" dirty="0">
+                      <a:solidFill>
+                        <a:schemeClr val="tx1"/>
+                      </a:solidFill>
+                    </a:rPr>
+                    <a:t>2</a:t>
+                  </a:r>
+                  <a:endParaRPr lang="en-US" dirty="0">
+                    <a:solidFill>
+                      <a:schemeClr val="tx1"/>
+                    </a:solidFill>
+                  </a:endParaRPr>
+                </a:p>
+              </p:txBody>
+            </p:sp>
+            <p:sp>
+              <p:nvSpPr>
+                <p:cNvPr id="45" name="Rectangle 44"/>
+                <p:cNvSpPr/>
+                <p:nvPr/>
+              </p:nvSpPr>
+              <p:spPr>
+                <a:xfrm>
+                  <a:off x="1905000" y="1605964"/>
+                  <a:ext cx="188925" cy="188925"/>
+                </a:xfrm>
+                <a:prstGeom prst="rect">
+                  <a:avLst/>
+                </a:prstGeom>
+                <a:solidFill>
+                  <a:schemeClr val="bg1"/>
+                </a:solidFill>
+                <a:ln w="12700">
+                  <a:solidFill>
+                    <a:schemeClr val="tx1"/>
+                  </a:solidFill>
+                </a:ln>
+              </p:spPr>
+              <p:style>
+                <a:lnRef idx="2">
+                  <a:schemeClr val="accent1">
+                    <a:shade val="50000"/>
+                  </a:schemeClr>
+                </a:lnRef>
+                <a:fillRef idx="1">
+                  <a:schemeClr val="accent1"/>
+                </a:fillRef>
+                <a:effectRef idx="0">
+                  <a:schemeClr val="accent1"/>
+                </a:effectRef>
+                <a:fontRef idx="minor">
+                  <a:schemeClr val="lt1"/>
+                </a:fontRef>
+              </p:style>
+              <p:txBody>
+                <a:bodyPr rtlCol="0" anchor="ctr"/>
+                <a:lstStyle/>
+                <a:p>
+                  <a:pPr algn="ctr"/>
+                  <a:r>
+                    <a:rPr lang="en-US" sz="1050" dirty="0" smtClean="0">
+                      <a:solidFill>
+                        <a:schemeClr val="tx1"/>
+                      </a:solidFill>
+                    </a:rPr>
+                    <a:t>3</a:t>
+                  </a:r>
+                  <a:endParaRPr lang="en-US" dirty="0">
+                    <a:solidFill>
+                      <a:schemeClr val="tx1"/>
+                    </a:solidFill>
+                  </a:endParaRPr>
+                </a:p>
+              </p:txBody>
+            </p:sp>
+          </p:grpSp>
+          <p:grpSp>
+            <p:nvGrpSpPr>
+              <p:cNvPr id="46" name="Group 45"/>
+              <p:cNvGrpSpPr/>
+              <p:nvPr/>
+            </p:nvGrpSpPr>
+            <p:grpSpPr>
+              <a:xfrm>
+                <a:off x="2133601" y="1820629"/>
+                <a:ext cx="141890" cy="628214"/>
+                <a:chOff x="1335075" y="1034751"/>
+                <a:chExt cx="188925" cy="760138"/>
+              </a:xfrm>
+            </p:grpSpPr>
+            <p:sp>
+              <p:nvSpPr>
+                <p:cNvPr id="47" name="Rectangle 46"/>
+                <p:cNvSpPr/>
+                <p:nvPr/>
+              </p:nvSpPr>
+              <p:spPr>
+                <a:xfrm>
+                  <a:off x="1335075" y="1034751"/>
+                  <a:ext cx="188925" cy="188925"/>
+                </a:xfrm>
+                <a:prstGeom prst="rect">
+                  <a:avLst/>
+                </a:prstGeom>
+                <a:solidFill>
+                  <a:schemeClr val="bg1"/>
+                </a:solidFill>
+                <a:ln w="12700">
+                  <a:solidFill>
+                    <a:schemeClr val="tx1"/>
+                  </a:solidFill>
+                </a:ln>
+              </p:spPr>
+              <p:style>
+                <a:lnRef idx="2">
+                  <a:schemeClr val="accent1">
+                    <a:shade val="50000"/>
+                  </a:schemeClr>
+                </a:lnRef>
+                <a:fillRef idx="1">
+                  <a:schemeClr val="accent1"/>
+                </a:fillRef>
+                <a:effectRef idx="0">
+                  <a:schemeClr val="accent1"/>
+                </a:effectRef>
+                <a:fontRef idx="minor">
+                  <a:schemeClr val="lt1"/>
+                </a:fontRef>
+              </p:style>
+              <p:txBody>
+                <a:bodyPr rtlCol="0" anchor="ctr"/>
+                <a:lstStyle/>
+                <a:p>
+                  <a:pPr algn="ctr"/>
+                  <a:r>
+                    <a:rPr lang="en-US" sz="1050" dirty="0" smtClean="0">
+                      <a:solidFill>
+                        <a:schemeClr val="tx1"/>
+                      </a:solidFill>
+                    </a:rPr>
+                    <a:t>0</a:t>
+                  </a:r>
+                  <a:endParaRPr lang="en-US" dirty="0">
+                    <a:solidFill>
+                      <a:schemeClr val="tx1"/>
+                    </a:solidFill>
+                  </a:endParaRPr>
+                </a:p>
+              </p:txBody>
+            </p:sp>
+            <p:sp>
+              <p:nvSpPr>
+                <p:cNvPr id="48" name="Rectangle 47"/>
+                <p:cNvSpPr/>
+                <p:nvPr/>
+              </p:nvSpPr>
+              <p:spPr>
+                <a:xfrm>
+                  <a:off x="1335075" y="1224897"/>
+                  <a:ext cx="188925" cy="188926"/>
+                </a:xfrm>
+                <a:prstGeom prst="rect">
+                  <a:avLst/>
+                </a:prstGeom>
+                <a:solidFill>
+                  <a:schemeClr val="bg1"/>
+                </a:solidFill>
+                <a:ln w="12700">
+                  <a:solidFill>
+                    <a:schemeClr val="tx1"/>
+                  </a:solidFill>
+                </a:ln>
+              </p:spPr>
+              <p:style>
+                <a:lnRef idx="2">
+                  <a:schemeClr val="accent1">
+                    <a:shade val="50000"/>
+                  </a:schemeClr>
+                </a:lnRef>
+                <a:fillRef idx="1">
+                  <a:schemeClr val="accent1"/>
+                </a:fillRef>
+                <a:effectRef idx="0">
+                  <a:schemeClr val="accent1"/>
+                </a:effectRef>
+                <a:fontRef idx="minor">
+                  <a:schemeClr val="lt1"/>
+                </a:fontRef>
+              </p:style>
+              <p:txBody>
+                <a:bodyPr rtlCol="0" anchor="ctr"/>
+                <a:lstStyle/>
+                <a:p>
+                  <a:pPr algn="ctr"/>
+                  <a:r>
+                    <a:rPr lang="en-US" sz="1050" dirty="0">
+                      <a:solidFill>
+                        <a:schemeClr val="tx1"/>
+                      </a:solidFill>
+                    </a:rPr>
+                    <a:t>1</a:t>
+                  </a:r>
+                  <a:endParaRPr lang="en-US" dirty="0">
+                    <a:solidFill>
+                      <a:schemeClr val="tx1"/>
+                    </a:solidFill>
+                  </a:endParaRPr>
+                </a:p>
+              </p:txBody>
+            </p:sp>
+            <p:sp>
+              <p:nvSpPr>
+                <p:cNvPr id="49" name="Rectangle 48"/>
+                <p:cNvSpPr/>
+                <p:nvPr/>
+              </p:nvSpPr>
+              <p:spPr>
+                <a:xfrm>
+                  <a:off x="1335075" y="1415817"/>
+                  <a:ext cx="188925" cy="188926"/>
+                </a:xfrm>
+                <a:prstGeom prst="rect">
+                  <a:avLst/>
+                </a:prstGeom>
+                <a:solidFill>
+                  <a:schemeClr val="bg1"/>
+                </a:solidFill>
+                <a:ln w="12700">
+                  <a:solidFill>
+                    <a:schemeClr val="tx1"/>
+                  </a:solidFill>
+                </a:ln>
+              </p:spPr>
+              <p:style>
+                <a:lnRef idx="2">
+                  <a:schemeClr val="accent1">
+                    <a:shade val="50000"/>
+                  </a:schemeClr>
+                </a:lnRef>
+                <a:fillRef idx="1">
+                  <a:schemeClr val="accent1"/>
+                </a:fillRef>
+                <a:effectRef idx="0">
+                  <a:schemeClr val="accent1"/>
+                </a:effectRef>
+                <a:fontRef idx="minor">
+                  <a:schemeClr val="lt1"/>
+                </a:fontRef>
+              </p:style>
+              <p:txBody>
+                <a:bodyPr rtlCol="0" anchor="ctr"/>
+                <a:lstStyle/>
+                <a:p>
+                  <a:pPr algn="ctr"/>
+                  <a:r>
+                    <a:rPr lang="en-US" sz="1050" dirty="0">
+                      <a:solidFill>
+                        <a:schemeClr val="tx1"/>
+                      </a:solidFill>
+                    </a:rPr>
+                    <a:t>2</a:t>
+                  </a:r>
+                  <a:endParaRPr lang="en-US" dirty="0">
+                    <a:solidFill>
+                      <a:schemeClr val="tx1"/>
+                    </a:solidFill>
+                  </a:endParaRPr>
+                </a:p>
+              </p:txBody>
+            </p:sp>
+            <p:sp>
+              <p:nvSpPr>
+                <p:cNvPr id="50" name="Rectangle 49"/>
+                <p:cNvSpPr/>
+                <p:nvPr/>
+              </p:nvSpPr>
+              <p:spPr>
+                <a:xfrm>
+                  <a:off x="1335075" y="1605963"/>
+                  <a:ext cx="188925" cy="188926"/>
+                </a:xfrm>
+                <a:prstGeom prst="rect">
+                  <a:avLst/>
+                </a:prstGeom>
+                <a:solidFill>
+                  <a:schemeClr val="bg1"/>
+                </a:solidFill>
+                <a:ln w="12700">
+                  <a:solidFill>
+                    <a:schemeClr val="tx1"/>
+                  </a:solidFill>
+                </a:ln>
+              </p:spPr>
+              <p:style>
+                <a:lnRef idx="2">
+                  <a:schemeClr val="accent1">
+                    <a:shade val="50000"/>
+                  </a:schemeClr>
+                </a:lnRef>
+                <a:fillRef idx="1">
+                  <a:schemeClr val="accent1"/>
+                </a:fillRef>
+                <a:effectRef idx="0">
+                  <a:schemeClr val="accent1"/>
+                </a:effectRef>
+                <a:fontRef idx="minor">
+                  <a:schemeClr val="lt1"/>
+                </a:fontRef>
+              </p:style>
+              <p:txBody>
+                <a:bodyPr rtlCol="0" anchor="ctr"/>
+                <a:lstStyle/>
+                <a:p>
+                  <a:pPr algn="ctr"/>
+                  <a:r>
+                    <a:rPr lang="en-US" sz="1050" dirty="0" smtClean="0">
+                      <a:solidFill>
+                        <a:schemeClr val="tx1"/>
+                      </a:solidFill>
+                    </a:rPr>
+                    <a:t>3</a:t>
+                  </a:r>
+                  <a:endParaRPr lang="en-US" dirty="0">
+                    <a:solidFill>
+                      <a:schemeClr val="tx1"/>
+                    </a:solidFill>
+                  </a:endParaRPr>
+                </a:p>
+              </p:txBody>
+            </p:sp>
+          </p:grpSp>
+        </p:grpSp>
+        <p:grpSp>
+          <p:nvGrpSpPr>
+            <p:cNvPr id="61" name="Group 60"/>
+            <p:cNvGrpSpPr/>
+            <p:nvPr/>
+          </p:nvGrpSpPr>
+          <p:grpSpPr>
+            <a:xfrm>
+              <a:off x="1137147" y="1131402"/>
+              <a:ext cx="511561" cy="468798"/>
+              <a:chOff x="1575330" y="1131402"/>
+              <a:chExt cx="511561" cy="468798"/>
+            </a:xfrm>
+          </p:grpSpPr>
+          <p:cxnSp>
+            <p:nvCxnSpPr>
+              <p:cNvPr id="53" name="Straight Connector 52"/>
+              <p:cNvCxnSpPr/>
+              <p:nvPr/>
+            </p:nvCxnSpPr>
+            <p:spPr>
+              <a:xfrm>
+                <a:off x="1575330" y="1131402"/>
+                <a:ext cx="510706" cy="0"/>
+              </a:xfrm>
+              <a:prstGeom prst="line">
+                <a:avLst/>
+              </a:prstGeom>
+              <a:ln>
+                <a:prstDash val="sysDash"/>
+                <a:headEnd type="oval" w="sm" len="sm"/>
+                <a:tailEnd type="oval" w="sm" len="sm"/>
+              </a:ln>
+            </p:spPr>
+            <p:style>
+              <a:lnRef idx="1">
+                <a:schemeClr val="accent1"/>
+              </a:lnRef>
+              <a:fillRef idx="0">
+                <a:schemeClr val="accent1"/>
+              </a:fillRef>
+              <a:effectRef idx="0">
+                <a:schemeClr val="accent1"/>
+              </a:effectRef>
+              <a:fontRef idx="minor">
+                <a:schemeClr val="tx1"/>
+              </a:fontRef>
+            </p:style>
+          </p:cxnSp>
+          <p:cxnSp>
+            <p:nvCxnSpPr>
+              <p:cNvPr id="55" name="Straight Connector 54"/>
+              <p:cNvCxnSpPr/>
+              <p:nvPr/>
+            </p:nvCxnSpPr>
+            <p:spPr>
+              <a:xfrm>
+                <a:off x="1727200" y="1288548"/>
+                <a:ext cx="358836" cy="0"/>
+              </a:xfrm>
+              <a:prstGeom prst="line">
+                <a:avLst/>
+              </a:prstGeom>
+              <a:ln>
+                <a:prstDash val="sysDash"/>
+                <a:headEnd type="oval" w="sm" len="sm"/>
+                <a:tailEnd type="oval" w="sm" len="sm"/>
+              </a:ln>
+            </p:spPr>
+            <p:style>
+              <a:lnRef idx="1">
+                <a:schemeClr val="accent1"/>
+              </a:lnRef>
+              <a:fillRef idx="0">
+                <a:schemeClr val="accent1"/>
+              </a:fillRef>
+              <a:effectRef idx="0">
+                <a:schemeClr val="accent1"/>
+              </a:effectRef>
+              <a:fontRef idx="minor">
+                <a:schemeClr val="tx1"/>
+              </a:fontRef>
+            </p:style>
+          </p:cxnSp>
+          <p:cxnSp>
+            <p:nvCxnSpPr>
+              <p:cNvPr id="56" name="Straight Connector 55"/>
+              <p:cNvCxnSpPr/>
+              <p:nvPr/>
+            </p:nvCxnSpPr>
+            <p:spPr>
+              <a:xfrm>
+                <a:off x="1863725" y="1446333"/>
+                <a:ext cx="222311" cy="0"/>
+              </a:xfrm>
+              <a:prstGeom prst="line">
+                <a:avLst/>
+              </a:prstGeom>
+              <a:ln>
+                <a:prstDash val="sysDash"/>
+                <a:headEnd type="oval" w="sm" len="sm"/>
+                <a:tailEnd type="oval" w="sm" len="sm"/>
+              </a:ln>
+            </p:spPr>
+            <p:style>
+              <a:lnRef idx="1">
+                <a:schemeClr val="accent1"/>
+              </a:lnRef>
+              <a:fillRef idx="0">
+                <a:schemeClr val="accent1"/>
+              </a:fillRef>
+              <a:effectRef idx="0">
+                <a:schemeClr val="accent1"/>
+              </a:effectRef>
+              <a:fontRef idx="minor">
+                <a:schemeClr val="tx1"/>
+              </a:fontRef>
+            </p:style>
+          </p:cxnSp>
+          <p:cxnSp>
+            <p:nvCxnSpPr>
+              <p:cNvPr id="57" name="Straight Connector 56"/>
+              <p:cNvCxnSpPr/>
+              <p:nvPr/>
+            </p:nvCxnSpPr>
+            <p:spPr>
+              <a:xfrm>
+                <a:off x="2000250" y="1600200"/>
+                <a:ext cx="86641" cy="0"/>
+              </a:xfrm>
+              <a:prstGeom prst="line">
+                <a:avLst/>
+              </a:prstGeom>
+              <a:ln>
+                <a:prstDash val="sysDash"/>
+                <a:headEnd type="oval" w="sm" len="sm"/>
+                <a:tailEnd type="oval" w="sm" len="sm"/>
+              </a:ln>
+            </p:spPr>
+            <p:style>
+              <a:lnRef idx="1">
+                <a:schemeClr val="accent1"/>
+              </a:lnRef>
+              <a:fillRef idx="0">
+                <a:schemeClr val="accent1"/>
+              </a:fillRef>
+              <a:effectRef idx="0">
+                <a:schemeClr val="accent1"/>
+              </a:effectRef>
+              <a:fontRef idx="minor">
+                <a:schemeClr val="tx1"/>
+              </a:fontRef>
+            </p:style>
+          </p:cxnSp>
+        </p:grpSp>
+        <p:grpSp>
+          <p:nvGrpSpPr>
+            <p:cNvPr id="63" name="Group 62"/>
+            <p:cNvGrpSpPr/>
+            <p:nvPr/>
+          </p:nvGrpSpPr>
+          <p:grpSpPr>
+            <a:xfrm>
+              <a:off x="1137147" y="2214645"/>
+              <a:ext cx="511561" cy="468798"/>
+              <a:chOff x="1575330" y="1131402"/>
+              <a:chExt cx="511561" cy="468798"/>
+            </a:xfrm>
+          </p:grpSpPr>
+          <p:cxnSp>
+            <p:nvCxnSpPr>
+              <p:cNvPr id="64" name="Straight Connector 63"/>
+              <p:cNvCxnSpPr/>
+              <p:nvPr/>
+            </p:nvCxnSpPr>
+            <p:spPr>
+              <a:xfrm>
+                <a:off x="1575330" y="1131402"/>
+                <a:ext cx="510706" cy="0"/>
+              </a:xfrm>
+              <a:prstGeom prst="line">
+                <a:avLst/>
+              </a:prstGeom>
+              <a:ln>
+                <a:prstDash val="sysDash"/>
+                <a:headEnd type="oval" w="sm" len="sm"/>
+                <a:tailEnd type="oval" w="sm" len="sm"/>
+              </a:ln>
+            </p:spPr>
+            <p:style>
+              <a:lnRef idx="1">
+                <a:schemeClr val="accent1"/>
+              </a:lnRef>
+              <a:fillRef idx="0">
+                <a:schemeClr val="accent1"/>
+              </a:fillRef>
+              <a:effectRef idx="0">
+                <a:schemeClr val="accent1"/>
+              </a:effectRef>
+              <a:fontRef idx="minor">
+                <a:schemeClr val="tx1"/>
+              </a:fontRef>
+            </p:style>
+          </p:cxnSp>
+          <p:cxnSp>
+            <p:nvCxnSpPr>
+              <p:cNvPr id="65" name="Straight Connector 64"/>
+              <p:cNvCxnSpPr/>
+              <p:nvPr/>
+            </p:nvCxnSpPr>
+            <p:spPr>
+              <a:xfrm>
+                <a:off x="1727200" y="1288548"/>
+                <a:ext cx="358836" cy="0"/>
+              </a:xfrm>
+              <a:prstGeom prst="line">
+                <a:avLst/>
+              </a:prstGeom>
+              <a:ln>
+                <a:prstDash val="sysDash"/>
+                <a:headEnd type="oval" w="sm" len="sm"/>
+                <a:tailEnd type="oval" w="sm" len="sm"/>
+              </a:ln>
+            </p:spPr>
+            <p:style>
+              <a:lnRef idx="1">
+                <a:schemeClr val="accent1"/>
+              </a:lnRef>
+              <a:fillRef idx="0">
+                <a:schemeClr val="accent1"/>
+              </a:fillRef>
+              <a:effectRef idx="0">
+                <a:schemeClr val="accent1"/>
+              </a:effectRef>
+              <a:fontRef idx="minor">
+                <a:schemeClr val="tx1"/>
+              </a:fontRef>
+            </p:style>
+          </p:cxnSp>
+          <p:cxnSp>
+            <p:nvCxnSpPr>
+              <p:cNvPr id="66" name="Straight Connector 65"/>
+              <p:cNvCxnSpPr/>
+              <p:nvPr/>
+            </p:nvCxnSpPr>
+            <p:spPr>
+              <a:xfrm>
+                <a:off x="1863725" y="1446333"/>
+                <a:ext cx="222311" cy="0"/>
+              </a:xfrm>
+              <a:prstGeom prst="line">
+                <a:avLst/>
+              </a:prstGeom>
+              <a:ln>
+                <a:prstDash val="sysDash"/>
+                <a:headEnd type="oval" w="sm" len="sm"/>
+                <a:tailEnd type="oval" w="sm" len="sm"/>
+              </a:ln>
+            </p:spPr>
+            <p:style>
+              <a:lnRef idx="1">
+                <a:schemeClr val="accent1"/>
+              </a:lnRef>
+              <a:fillRef idx="0">
+                <a:schemeClr val="accent1"/>
+              </a:fillRef>
+              <a:effectRef idx="0">
+                <a:schemeClr val="accent1"/>
+              </a:effectRef>
+              <a:fontRef idx="minor">
+                <a:schemeClr val="tx1"/>
+              </a:fontRef>
+            </p:style>
+          </p:cxnSp>
+          <p:cxnSp>
+            <p:nvCxnSpPr>
+              <p:cNvPr id="67" name="Straight Connector 66"/>
+              <p:cNvCxnSpPr/>
+              <p:nvPr/>
+            </p:nvCxnSpPr>
+            <p:spPr>
+              <a:xfrm>
+                <a:off x="2000250" y="1600200"/>
+                <a:ext cx="86641" cy="0"/>
+              </a:xfrm>
+              <a:prstGeom prst="line">
+                <a:avLst/>
+              </a:prstGeom>
+              <a:ln>
+                <a:prstDash val="sysDash"/>
+                <a:headEnd type="oval" w="sm" len="sm"/>
+                <a:tailEnd type="oval" w="sm" len="sm"/>
+              </a:ln>
+            </p:spPr>
+            <p:style>
+              <a:lnRef idx="1">
+                <a:schemeClr val="accent1"/>
+              </a:lnRef>
+              <a:fillRef idx="0">
+                <a:schemeClr val="accent1"/>
+              </a:fillRef>
+              <a:effectRef idx="0">
+                <a:schemeClr val="accent1"/>
+              </a:effectRef>
+              <a:fontRef idx="minor">
+                <a:schemeClr val="tx1"/>
+              </a:fontRef>
+            </p:style>
+          </p:cxnSp>
+        </p:grpSp>
+        <p:sp>
+          <p:nvSpPr>
+            <p:cNvPr id="70" name="TextBox 69"/>
+            <p:cNvSpPr txBox="1"/>
+            <p:nvPr/>
+          </p:nvSpPr>
+          <p:spPr>
+            <a:xfrm>
+              <a:off x="844331" y="698500"/>
+              <a:ext cx="1284909" cy="276999"/>
+            </a:xfrm>
+            <a:prstGeom prst="rect">
+              <a:avLst/>
+            </a:prstGeom>
+            <a:noFill/>
+          </p:spPr>
+          <p:txBody>
+            <a:bodyPr wrap="square" rtlCol="0">
+              <a:spAutoFit/>
+            </a:bodyPr>
+            <a:lstStyle/>
+            <a:p>
+              <a:pPr algn="ctr"/>
+              <a:r>
+                <a:rPr lang="en-US" sz="1200" dirty="0" err="1" smtClean="0">
+                  <a:latin typeface="Raleway Medium" pitchFamily="34" charset="0"/>
+                </a:rPr>
+                <a:t>Packetizer</a:t>
+              </a:r>
+              <a:r>
+                <a:rPr lang="en-US" sz="1200" dirty="0" smtClean="0">
+                  <a:latin typeface="Raleway Medium" pitchFamily="34" charset="0"/>
+                </a:rPr>
+                <a:t> 1</a:t>
+              </a:r>
+              <a:endParaRPr lang="en-US" sz="1200" dirty="0">
+                <a:latin typeface="Raleway Medium" pitchFamily="34" charset="0"/>
+              </a:endParaRPr>
+            </a:p>
+          </p:txBody>
+        </p:sp>
+        <p:sp>
+          <p:nvSpPr>
+            <p:cNvPr id="71" name="TextBox 70"/>
+            <p:cNvSpPr txBox="1"/>
+            <p:nvPr/>
+          </p:nvSpPr>
+          <p:spPr>
+            <a:xfrm>
+              <a:off x="844331" y="1774627"/>
+              <a:ext cx="1284909" cy="276999"/>
+            </a:xfrm>
+            <a:prstGeom prst="rect">
+              <a:avLst/>
+            </a:prstGeom>
+            <a:noFill/>
+          </p:spPr>
+          <p:txBody>
+            <a:bodyPr wrap="square" rtlCol="0">
+              <a:spAutoFit/>
+            </a:bodyPr>
+            <a:lstStyle/>
+            <a:p>
+              <a:pPr algn="ctr"/>
+              <a:r>
+                <a:rPr lang="en-US" sz="1200" dirty="0" err="1" smtClean="0">
+                  <a:latin typeface="Raleway Medium" pitchFamily="34" charset="0"/>
+                </a:rPr>
+                <a:t>Packetizer</a:t>
+              </a:r>
+              <a:r>
+                <a:rPr lang="en-US" sz="1200" dirty="0" smtClean="0">
+                  <a:latin typeface="Raleway Medium" pitchFamily="34" charset="0"/>
+                </a:rPr>
+                <a:t> 2</a:t>
+              </a:r>
+              <a:endParaRPr lang="en-US" sz="1200" dirty="0">
+                <a:latin typeface="Raleway Medium" pitchFamily="34" charset="0"/>
+              </a:endParaRPr>
+            </a:p>
+          </p:txBody>
+        </p:sp>
+        <p:cxnSp>
+          <p:nvCxnSpPr>
+            <p:cNvPr id="73" name="Straight Connector 72"/>
+            <p:cNvCxnSpPr/>
+            <p:nvPr/>
+          </p:nvCxnSpPr>
+          <p:spPr>
+            <a:xfrm>
+              <a:off x="1018637" y="3048000"/>
+              <a:ext cx="797602" cy="0"/>
+            </a:xfrm>
+            <a:prstGeom prst="line">
+              <a:avLst/>
+            </a:prstGeom>
+            <a:ln>
+              <a:prstDash val="sysDash"/>
+              <a:headEnd type="oval" w="sm" len="sm"/>
+              <a:tailEnd type="oval" w="sm" len="sm"/>
+            </a:ln>
+          </p:spPr>
+          <p:style>
+            <a:lnRef idx="1">
+              <a:schemeClr val="accent1"/>
+            </a:lnRef>
+            <a:fillRef idx="0">
+              <a:schemeClr val="accent1"/>
+            </a:fillRef>
+            <a:effectRef idx="0">
+              <a:schemeClr val="accent1"/>
+            </a:effectRef>
+            <a:fontRef idx="minor">
+              <a:schemeClr val="tx1"/>
+            </a:fontRef>
+          </p:style>
+        </p:cxnSp>
+        <p:sp>
+          <p:nvSpPr>
+            <p:cNvPr id="74" name="TextBox 73"/>
+            <p:cNvSpPr txBox="1"/>
+            <p:nvPr/>
+          </p:nvSpPr>
+          <p:spPr>
+            <a:xfrm>
+              <a:off x="788637" y="2827175"/>
+              <a:ext cx="463521" cy="261610"/>
+            </a:xfrm>
+            <a:prstGeom prst="rect">
+              <a:avLst/>
+            </a:prstGeom>
+            <a:noFill/>
+          </p:spPr>
+          <p:txBody>
+            <a:bodyPr wrap="square" rtlCol="0">
+              <a:spAutoFit/>
+            </a:bodyPr>
+            <a:lstStyle/>
+            <a:p>
+              <a:pPr algn="ctr"/>
+              <a:r>
+                <a:rPr lang="en-US" sz="1050" dirty="0" smtClean="0">
+                  <a:latin typeface="Raleway Medium" pitchFamily="34" charset="0"/>
+                </a:rPr>
+                <a:t>AXI</a:t>
+              </a:r>
+              <a:endParaRPr lang="en-US" sz="1050" dirty="0">
+                <a:latin typeface="Raleway Medium" pitchFamily="34" charset="0"/>
+              </a:endParaRPr>
+            </a:p>
+          </p:txBody>
+        </p:sp>
+        <p:sp>
+          <p:nvSpPr>
+            <p:cNvPr id="75" name="TextBox 74"/>
+            <p:cNvSpPr txBox="1"/>
+            <p:nvPr/>
+          </p:nvSpPr>
+          <p:spPr>
+            <a:xfrm>
+              <a:off x="1512294" y="2827175"/>
+              <a:ext cx="616946" cy="253916"/>
+            </a:xfrm>
+            <a:prstGeom prst="rect">
+              <a:avLst/>
+            </a:prstGeom>
+            <a:noFill/>
+          </p:spPr>
+          <p:txBody>
+            <a:bodyPr wrap="square" rtlCol="0">
+              <a:spAutoFit/>
+            </a:bodyPr>
+            <a:lstStyle/>
+            <a:p>
+              <a:pPr algn="ctr"/>
+              <a:r>
+                <a:rPr lang="en-US" sz="1050" dirty="0" smtClean="0">
+                  <a:latin typeface="Raleway Medium" pitchFamily="34" charset="0"/>
+                </a:rPr>
+                <a:t>Pkt.</a:t>
+              </a:r>
+              <a:endParaRPr lang="en-US" sz="1050" dirty="0">
+                <a:latin typeface="Raleway Medium" pitchFamily="34" charset="0"/>
+              </a:endParaRPr>
+            </a:p>
+          </p:txBody>
+        </p:sp>
+        <p:sp>
+          <p:nvSpPr>
+            <p:cNvPr id="78" name="Oval 77"/>
+            <p:cNvSpPr/>
+            <p:nvPr/>
+          </p:nvSpPr>
+          <p:spPr>
+            <a:xfrm>
+              <a:off x="438117" y="3470904"/>
+              <a:ext cx="76200" cy="76200"/>
+            </a:xfrm>
+            <a:prstGeom prst="ellipse">
+              <a:avLst/>
+            </a:prstGeom>
+            <a:solidFill>
+              <a:schemeClr val="tx1"/>
+            </a:solidFill>
+            <a:ln>
+              <a:solidFill>
+                <a:schemeClr val="tx1"/>
+              </a:solidFill>
+            </a:ln>
+          </p:spPr>
+          <p:style>
+            <a:lnRef idx="2">
+              <a:schemeClr val="accent1">
+                <a:shade val="50000"/>
+              </a:schemeClr>
+            </a:lnRef>
+            <a:fillRef idx="1">
+              <a:schemeClr val="accent1"/>
+            </a:fillRef>
+            <a:effectRef idx="0">
+              <a:schemeClr val="accent1"/>
+            </a:effectRef>
+            <a:fontRef idx="minor">
+              <a:schemeClr val="lt1"/>
+            </a:fontRef>
+          </p:style>
+          <p:txBody>
+            <a:bodyPr rtlCol="0" anchor="ctr"/>
+            <a:lstStyle/>
+            <a:p>
+              <a:pPr algn="ctr"/>
+              <a:endParaRPr lang="en-US"/>
+            </a:p>
+          </p:txBody>
+        </p:sp>
+        <p:cxnSp>
+          <p:nvCxnSpPr>
+            <p:cNvPr id="79" name="Straight Arrow Connector 78"/>
+            <p:cNvCxnSpPr/>
+            <p:nvPr/>
+          </p:nvCxnSpPr>
+          <p:spPr>
+            <a:xfrm flipH="1" flipV="1">
+              <a:off x="438117" y="3509003"/>
+              <a:ext cx="342900" cy="1"/>
+            </a:xfrm>
+            <a:prstGeom prst="straightConnector1">
+              <a:avLst/>
+            </a:prstGeom>
+            <a:ln>
+              <a:solidFill>
+                <a:schemeClr val="tx1"/>
+              </a:solidFill>
+              <a:headEnd type="triangle" w="med" len="med"/>
+              <a:tailEnd type="none" w="med" len="med"/>
+            </a:ln>
+          </p:spPr>
+          <p:style>
+            <a:lnRef idx="1">
+              <a:schemeClr val="accent1"/>
+            </a:lnRef>
+            <a:fillRef idx="0">
+              <a:schemeClr val="accent1"/>
+            </a:fillRef>
+            <a:effectRef idx="0">
+              <a:schemeClr val="accent1"/>
+            </a:effectRef>
+            <a:fontRef idx="minor">
+              <a:schemeClr val="tx1"/>
+            </a:fontRef>
+          </p:style>
+        </p:cxnSp>
+        <p:sp>
+          <p:nvSpPr>
+            <p:cNvPr id="80" name="Rectangle 79"/>
+            <p:cNvSpPr/>
+            <p:nvPr/>
+          </p:nvSpPr>
+          <p:spPr>
+            <a:xfrm>
+              <a:off x="-27308" y="3378200"/>
+              <a:ext cx="478015" cy="261610"/>
+            </a:xfrm>
+            <a:prstGeom prst="rect">
+              <a:avLst/>
+            </a:prstGeom>
+          </p:spPr>
+          <p:txBody>
+            <a:bodyPr wrap="none">
+              <a:spAutoFit/>
+            </a:bodyPr>
+            <a:lstStyle/>
+            <a:p>
+              <a:pPr algn="ctr"/>
+              <a:r>
+                <a:rPr lang="en-US" sz="1100" dirty="0" smtClean="0">
+                  <a:latin typeface="Raleway Medium" pitchFamily="34" charset="0"/>
+                </a:rPr>
+                <a:t>LPM</a:t>
+              </a:r>
+              <a:endParaRPr lang="en-US" sz="1100" dirty="0">
+                <a:latin typeface="Raleway Medium" pitchFamily="34" charset="0"/>
+              </a:endParaRPr>
+            </a:p>
+          </p:txBody>
+        </p:sp>
+        <p:sp>
+          <p:nvSpPr>
+            <p:cNvPr id="81" name="Cross 80"/>
+            <p:cNvSpPr/>
+            <p:nvPr/>
+          </p:nvSpPr>
+          <p:spPr>
+            <a:xfrm rot="2700000">
+              <a:off x="799881" y="3470902"/>
+              <a:ext cx="76200" cy="76200"/>
+            </a:xfrm>
+            <a:prstGeom prst="plus">
+              <a:avLst>
+                <a:gd name="adj" fmla="val 49999"/>
+              </a:avLst>
+            </a:prstGeom>
+            <a:solidFill>
+              <a:schemeClr val="tx1"/>
+            </a:solidFill>
+            <a:ln>
+              <a:solidFill>
+                <a:schemeClr val="tx1"/>
+              </a:solidFill>
+            </a:ln>
+          </p:spPr>
+          <p:style>
+            <a:lnRef idx="2">
+              <a:schemeClr val="accent1">
+                <a:shade val="50000"/>
+              </a:schemeClr>
+            </a:lnRef>
+            <a:fillRef idx="1">
+              <a:schemeClr val="accent1"/>
+            </a:fillRef>
+            <a:effectRef idx="0">
+              <a:schemeClr val="accent1"/>
+            </a:effectRef>
+            <a:fontRef idx="minor">
+              <a:schemeClr val="lt1"/>
+            </a:fontRef>
+          </p:style>
+          <p:txBody>
+            <a:bodyPr rtlCol="0" anchor="ctr"/>
+            <a:lstStyle/>
+            <a:p>
+              <a:pPr algn="ctr"/>
+              <a:endParaRPr lang="en-US"/>
+            </a:p>
+          </p:txBody>
+        </p:sp>
+        <p:sp>
+          <p:nvSpPr>
+            <p:cNvPr id="72" name="Right Bracket 71"/>
+            <p:cNvSpPr/>
+            <p:nvPr/>
+          </p:nvSpPr>
+          <p:spPr>
+            <a:xfrm>
+              <a:off x="1787492" y="984552"/>
+              <a:ext cx="152400" cy="770479"/>
+            </a:xfrm>
+            <a:prstGeom prst="rightBracket">
+              <a:avLst>
+                <a:gd name="adj" fmla="val 0"/>
+              </a:avLst>
+            </a:prstGeom>
+            <a:ln>
+              <a:solidFill>
+                <a:schemeClr val="tx1"/>
+              </a:solidFill>
+            </a:ln>
+          </p:spPr>
+          <p:style>
+            <a:lnRef idx="1">
+              <a:schemeClr val="accent1"/>
+            </a:lnRef>
+            <a:fillRef idx="0">
+              <a:schemeClr val="accent1"/>
+            </a:fillRef>
+            <a:effectRef idx="0">
+              <a:schemeClr val="accent1"/>
+            </a:effectRef>
+            <a:fontRef idx="minor">
+              <a:schemeClr val="tx1"/>
+            </a:fontRef>
+          </p:style>
+          <p:txBody>
+            <a:bodyPr rtlCol="0" anchor="ctr"/>
+            <a:lstStyle/>
+            <a:p>
+              <a:pPr algn="ctr"/>
+              <a:endParaRPr lang="en-US"/>
+            </a:p>
+          </p:txBody>
+        </p:sp>
+        <p:sp>
+          <p:nvSpPr>
+            <p:cNvPr id="83" name="Right Bracket 82"/>
+            <p:cNvSpPr/>
+            <p:nvPr/>
+          </p:nvSpPr>
+          <p:spPr>
+            <a:xfrm>
+              <a:off x="1787492" y="2056696"/>
+              <a:ext cx="152400" cy="770479"/>
+            </a:xfrm>
+            <a:prstGeom prst="rightBracket">
+              <a:avLst>
+                <a:gd name="adj" fmla="val 0"/>
+              </a:avLst>
+            </a:prstGeom>
+            <a:ln>
+              <a:solidFill>
+                <a:schemeClr val="tx1"/>
+              </a:solidFill>
+            </a:ln>
+          </p:spPr>
+          <p:style>
+            <a:lnRef idx="1">
+              <a:schemeClr val="accent1"/>
+            </a:lnRef>
+            <a:fillRef idx="0">
+              <a:schemeClr val="accent1"/>
+            </a:fillRef>
+            <a:effectRef idx="0">
+              <a:schemeClr val="accent1"/>
+            </a:effectRef>
+            <a:fontRef idx="minor">
+              <a:schemeClr val="tx1"/>
+            </a:fontRef>
+          </p:style>
+          <p:txBody>
+            <a:bodyPr rtlCol="0" anchor="ctr"/>
+            <a:lstStyle/>
+            <a:p>
+              <a:pPr algn="ctr"/>
+              <a:endParaRPr lang="en-US"/>
+            </a:p>
+          </p:txBody>
+        </p:sp>
+        <p:sp>
+          <p:nvSpPr>
+            <p:cNvPr id="76" name="Trapezoid 75"/>
+            <p:cNvSpPr/>
+            <p:nvPr/>
+          </p:nvSpPr>
+          <p:spPr>
+            <a:xfrm rot="16200000">
+              <a:off x="2142888" y="1443676"/>
+              <a:ext cx="1246909" cy="313049"/>
+            </a:xfrm>
+            <a:prstGeom prst="trapezoid">
+              <a:avLst>
+                <a:gd name="adj" fmla="val 73682"/>
+              </a:avLst>
+            </a:prstGeom>
+            <a:solidFill>
+              <a:schemeClr val="bg1"/>
+            </a:solidFill>
+            <a:ln w="12700">
+              <a:solidFill>
+                <a:schemeClr val="tx1"/>
+              </a:solidFill>
+            </a:ln>
+          </p:spPr>
+          <p:style>
+            <a:lnRef idx="2">
+              <a:schemeClr val="accent1">
+                <a:shade val="50000"/>
+              </a:schemeClr>
+            </a:lnRef>
+            <a:fillRef idx="1">
+              <a:schemeClr val="accent1"/>
+            </a:fillRef>
+            <a:effectRef idx="0">
+              <a:schemeClr val="accent1"/>
+            </a:effectRef>
+            <a:fontRef idx="minor">
+              <a:schemeClr val="lt1"/>
+            </a:fontRef>
+          </p:style>
+          <p:txBody>
+            <a:bodyPr rtlCol="0" anchor="ctr"/>
+            <a:lstStyle/>
+            <a:p>
+              <a:pPr algn="ctr"/>
+              <a:endParaRPr lang="en-US"/>
+            </a:p>
+          </p:txBody>
+        </p:sp>
+        <p:sp>
+          <p:nvSpPr>
+            <p:cNvPr id="85" name="TextBox 84"/>
+            <p:cNvSpPr txBox="1"/>
+            <p:nvPr/>
+          </p:nvSpPr>
+          <p:spPr>
+            <a:xfrm>
+              <a:off x="2129239" y="698500"/>
+              <a:ext cx="1013978" cy="276999"/>
+            </a:xfrm>
+            <a:prstGeom prst="rect">
+              <a:avLst/>
+            </a:prstGeom>
+            <a:noFill/>
+          </p:spPr>
+          <p:txBody>
+            <a:bodyPr wrap="square" rtlCol="0">
+              <a:spAutoFit/>
+            </a:bodyPr>
+            <a:lstStyle/>
+            <a:p>
+              <a:pPr algn="ctr"/>
+              <a:r>
+                <a:rPr lang="en-US" sz="1200" dirty="0" smtClean="0">
+                  <a:latin typeface="Raleway Medium" pitchFamily="34" charset="0"/>
+                </a:rPr>
+                <a:t>Dispatcher</a:t>
+              </a:r>
+              <a:endParaRPr lang="en-US" sz="1200" dirty="0">
+                <a:latin typeface="Raleway Medium" pitchFamily="34" charset="0"/>
+              </a:endParaRPr>
+            </a:p>
+          </p:txBody>
+        </p:sp>
+        <p:cxnSp>
+          <p:nvCxnSpPr>
+            <p:cNvPr id="82" name="Straight Connector 81"/>
+            <p:cNvCxnSpPr/>
+            <p:nvPr/>
+          </p:nvCxnSpPr>
+          <p:spPr>
+            <a:xfrm>
+              <a:off x="1936717" y="1447800"/>
+              <a:ext cx="673100" cy="0"/>
+            </a:xfrm>
+            <a:prstGeom prst="line">
+              <a:avLst/>
+            </a:prstGeom>
+            <a:ln>
+              <a:solidFill>
+                <a:schemeClr val="tx1"/>
+              </a:solidFill>
+              <a:headEnd type="none" w="med" len="med"/>
+              <a:tailEnd type="triangle" w="med" len="med"/>
+            </a:ln>
+          </p:spPr>
+          <p:style>
+            <a:lnRef idx="1">
+              <a:schemeClr val="accent1"/>
+            </a:lnRef>
+            <a:fillRef idx="0">
+              <a:schemeClr val="accent1"/>
+            </a:fillRef>
+            <a:effectRef idx="0">
+              <a:schemeClr val="accent1"/>
+            </a:effectRef>
+            <a:fontRef idx="minor">
+              <a:schemeClr val="tx1"/>
+            </a:fontRef>
+          </p:style>
+        </p:cxnSp>
+        <p:cxnSp>
+          <p:nvCxnSpPr>
+            <p:cNvPr id="89" name="Straight Connector 88"/>
+            <p:cNvCxnSpPr/>
+            <p:nvPr/>
+          </p:nvCxnSpPr>
+          <p:spPr>
+            <a:xfrm>
+              <a:off x="2273267" y="1752600"/>
+              <a:ext cx="336550" cy="0"/>
+            </a:xfrm>
+            <a:prstGeom prst="line">
+              <a:avLst/>
+            </a:prstGeom>
+            <a:ln>
+              <a:solidFill>
+                <a:schemeClr val="tx1"/>
+              </a:solidFill>
+              <a:headEnd type="none" w="med" len="med"/>
+              <a:tailEnd type="triangle" w="med" len="med"/>
+            </a:ln>
+          </p:spPr>
+          <p:style>
+            <a:lnRef idx="1">
+              <a:schemeClr val="accent1"/>
+            </a:lnRef>
+            <a:fillRef idx="0">
+              <a:schemeClr val="accent1"/>
+            </a:fillRef>
+            <a:effectRef idx="0">
+              <a:schemeClr val="accent1"/>
+            </a:effectRef>
+            <a:fontRef idx="minor">
+              <a:schemeClr val="tx1"/>
+            </a:fontRef>
+          </p:style>
+        </p:cxnSp>
+        <p:cxnSp>
+          <p:nvCxnSpPr>
+            <p:cNvPr id="91" name="Straight Connector 90"/>
+            <p:cNvCxnSpPr/>
+            <p:nvPr/>
+          </p:nvCxnSpPr>
+          <p:spPr>
+            <a:xfrm>
+              <a:off x="1944654" y="2371791"/>
+              <a:ext cx="336550" cy="0"/>
+            </a:xfrm>
+            <a:prstGeom prst="line">
+              <a:avLst/>
+            </a:prstGeom>
+            <a:ln>
+              <a:solidFill>
+                <a:schemeClr val="tx1"/>
+              </a:solidFill>
+              <a:headEnd type="none" w="med" len="med"/>
+              <a:tailEnd type="none" w="med" len="med"/>
+            </a:ln>
+          </p:spPr>
+          <p:style>
+            <a:lnRef idx="1">
+              <a:schemeClr val="accent1"/>
+            </a:lnRef>
+            <a:fillRef idx="0">
+              <a:schemeClr val="accent1"/>
+            </a:fillRef>
+            <a:effectRef idx="0">
+              <a:schemeClr val="accent1"/>
+            </a:effectRef>
+            <a:fontRef idx="minor">
+              <a:schemeClr val="tx1"/>
+            </a:fontRef>
+          </p:style>
+        </p:cxnSp>
+        <p:cxnSp>
+          <p:nvCxnSpPr>
+            <p:cNvPr id="93" name="Straight Connector 92"/>
+            <p:cNvCxnSpPr/>
+            <p:nvPr/>
+          </p:nvCxnSpPr>
+          <p:spPr>
+            <a:xfrm flipV="1">
+              <a:off x="2276442" y="1748434"/>
+              <a:ext cx="0" cy="623357"/>
+            </a:xfrm>
+            <a:prstGeom prst="line">
+              <a:avLst/>
+            </a:prstGeom>
+            <a:ln>
+              <a:solidFill>
+                <a:schemeClr val="tx1"/>
+              </a:solidFill>
+              <a:headEnd type="none" w="med" len="med"/>
+              <a:tailEnd type="none" w="med" len="med"/>
+            </a:ln>
+          </p:spPr>
+          <p:style>
+            <a:lnRef idx="1">
+              <a:schemeClr val="accent1"/>
+            </a:lnRef>
+            <a:fillRef idx="0">
+              <a:schemeClr val="accent1"/>
+            </a:fillRef>
+            <a:effectRef idx="0">
+              <a:schemeClr val="accent1"/>
+            </a:effectRef>
+            <a:fontRef idx="minor">
+              <a:schemeClr val="tx1"/>
+            </a:fontRef>
+          </p:style>
+        </p:cxnSp>
+        <p:sp>
+          <p:nvSpPr>
+            <p:cNvPr id="97" name="Rectangle 96"/>
+            <p:cNvSpPr/>
+            <p:nvPr/>
+          </p:nvSpPr>
+          <p:spPr>
+            <a:xfrm>
+              <a:off x="2305017" y="2530197"/>
+              <a:ext cx="541650" cy="313049"/>
+            </a:xfrm>
+            <a:prstGeom prst="rect">
+              <a:avLst/>
+            </a:prstGeom>
+            <a:solidFill>
+              <a:schemeClr val="bg1"/>
+            </a:solidFill>
+            <a:ln w="12700">
+              <a:solidFill>
+                <a:schemeClr val="tx1"/>
+              </a:solidFill>
+            </a:ln>
+          </p:spPr>
+          <p:style>
+            <a:lnRef idx="2">
+              <a:schemeClr val="accent1">
+                <a:shade val="50000"/>
+              </a:schemeClr>
+            </a:lnRef>
+            <a:fillRef idx="1">
+              <a:schemeClr val="accent1"/>
+            </a:fillRef>
+            <a:effectRef idx="0">
+              <a:schemeClr val="accent1"/>
+            </a:effectRef>
+            <a:fontRef idx="minor">
+              <a:schemeClr val="lt1"/>
+            </a:fontRef>
+          </p:style>
+          <p:txBody>
+            <a:bodyPr rtlCol="0" anchor="ctr"/>
+            <a:lstStyle/>
+            <a:p>
+              <a:pPr algn="ctr"/>
+              <a:r>
+                <a:rPr lang="en-US" sz="1200" dirty="0" smtClean="0">
+                  <a:solidFill>
+                    <a:schemeClr val="tx1"/>
+                  </a:solidFill>
+                  <a:latin typeface="Raleway Medium" pitchFamily="34" charset="0"/>
+                </a:rPr>
+                <a:t>ID</a:t>
+              </a:r>
+              <a:endParaRPr lang="en-US" sz="1050" dirty="0">
+                <a:solidFill>
+                  <a:schemeClr val="tx1"/>
+                </a:solidFill>
+                <a:latin typeface="Raleway Medium" pitchFamily="34" charset="0"/>
+              </a:endParaRPr>
+            </a:p>
+          </p:txBody>
+        </p:sp>
+        <p:cxnSp>
+          <p:nvCxnSpPr>
+            <p:cNvPr id="98" name="Straight Connector 97"/>
+            <p:cNvCxnSpPr/>
+            <p:nvPr/>
+          </p:nvCxnSpPr>
+          <p:spPr>
+            <a:xfrm flipV="1">
+              <a:off x="2747292" y="1906840"/>
+              <a:ext cx="0" cy="623357"/>
+            </a:xfrm>
+            <a:prstGeom prst="line">
+              <a:avLst/>
+            </a:prstGeom>
+            <a:ln>
+              <a:solidFill>
+                <a:schemeClr val="tx1"/>
+              </a:solidFill>
+              <a:prstDash val="sysDash"/>
+              <a:headEnd type="none" w="med" len="med"/>
+              <a:tailEnd type="arrow" w="med" len="med"/>
+            </a:ln>
+          </p:spPr>
+          <p:style>
+            <a:lnRef idx="1">
+              <a:schemeClr val="accent1"/>
+            </a:lnRef>
+            <a:fillRef idx="0">
+              <a:schemeClr val="accent1"/>
+            </a:fillRef>
+            <a:effectRef idx="0">
+              <a:schemeClr val="accent1"/>
+            </a:effectRef>
+            <a:fontRef idx="minor">
+              <a:schemeClr val="tx1"/>
+            </a:fontRef>
+          </p:style>
+        </p:cxnSp>
+        <p:sp>
+          <p:nvSpPr>
+            <p:cNvPr id="94" name="Oval 93"/>
+            <p:cNvSpPr/>
+            <p:nvPr/>
+          </p:nvSpPr>
+          <p:spPr>
+            <a:xfrm>
+              <a:off x="2382803" y="1298549"/>
+              <a:ext cx="60325" cy="597325"/>
+            </a:xfrm>
+            <a:prstGeom prst="ellipse">
+              <a:avLst/>
+            </a:prstGeom>
+            <a:solidFill>
+              <a:schemeClr val="tx1">
+                <a:alpha val="34000"/>
+              </a:schemeClr>
+            </a:solidFill>
+            <a:ln w="12700">
+              <a:solidFill>
+                <a:schemeClr val="tx1"/>
+              </a:solidFill>
+            </a:ln>
+          </p:spPr>
+          <p:style>
+            <a:lnRef idx="2">
+              <a:schemeClr val="accent1">
+                <a:shade val="50000"/>
+              </a:schemeClr>
+            </a:lnRef>
+            <a:fillRef idx="1">
+              <a:schemeClr val="accent1"/>
+            </a:fillRef>
+            <a:effectRef idx="0">
+              <a:schemeClr val="accent1"/>
+            </a:effectRef>
+            <a:fontRef idx="minor">
+              <a:schemeClr val="lt1"/>
+            </a:fontRef>
+          </p:style>
+          <p:txBody>
+            <a:bodyPr rtlCol="0" anchor="ctr"/>
+            <a:lstStyle/>
+            <a:p>
+              <a:pPr algn="ctr"/>
+              <a:endParaRPr lang="en-US"/>
+            </a:p>
+          </p:txBody>
+        </p:sp>
+        <p:cxnSp>
+          <p:nvCxnSpPr>
+            <p:cNvPr id="100" name="Straight Connector 99"/>
+            <p:cNvCxnSpPr/>
+            <p:nvPr/>
+          </p:nvCxnSpPr>
+          <p:spPr>
+            <a:xfrm flipV="1">
+              <a:off x="2410742" y="1891243"/>
+              <a:ext cx="0" cy="623357"/>
+            </a:xfrm>
+            <a:prstGeom prst="line">
+              <a:avLst/>
+            </a:prstGeom>
+            <a:ln>
+              <a:solidFill>
+                <a:schemeClr val="tx1"/>
+              </a:solidFill>
+              <a:prstDash val="sysDash"/>
+              <a:headEnd type="arrow" w="med" len="med"/>
+              <a:tailEnd type="none" w="med" len="med"/>
+            </a:ln>
+          </p:spPr>
+          <p:style>
+            <a:lnRef idx="1">
+              <a:schemeClr val="accent1"/>
+            </a:lnRef>
+            <a:fillRef idx="0">
+              <a:schemeClr val="accent1"/>
+            </a:fillRef>
+            <a:effectRef idx="0">
+              <a:schemeClr val="accent1"/>
+            </a:effectRef>
+            <a:fontRef idx="minor">
+              <a:schemeClr val="tx1"/>
+            </a:fontRef>
+          </p:style>
+        </p:cxnSp>
+        <p:sp>
+          <p:nvSpPr>
+            <p:cNvPr id="105" name="Rectangle 104"/>
+            <p:cNvSpPr/>
+            <p:nvPr/>
+          </p:nvSpPr>
+          <p:spPr>
+            <a:xfrm>
+              <a:off x="3524217" y="975499"/>
+              <a:ext cx="1524000" cy="251647"/>
+            </a:xfrm>
+            <a:prstGeom prst="rect">
+              <a:avLst/>
+            </a:prstGeom>
+            <a:solidFill>
+              <a:schemeClr val="bg1"/>
+            </a:solidFill>
+            <a:ln w="12700">
+              <a:solidFill>
+                <a:schemeClr val="tx1"/>
+              </a:solidFill>
+            </a:ln>
+          </p:spPr>
+          <p:style>
+            <a:lnRef idx="2">
+              <a:schemeClr val="accent1">
+                <a:shade val="50000"/>
+              </a:schemeClr>
+            </a:lnRef>
+            <a:fillRef idx="1">
+              <a:schemeClr val="accent1"/>
+            </a:fillRef>
+            <a:effectRef idx="0">
+              <a:schemeClr val="accent1"/>
+            </a:effectRef>
+            <a:fontRef idx="minor">
+              <a:schemeClr val="lt1"/>
+            </a:fontRef>
+          </p:style>
+          <p:txBody>
+            <a:bodyPr rtlCol="0" anchor="ctr"/>
+            <a:lstStyle/>
+            <a:p>
+              <a:pPr algn="r"/>
+              <a:r>
+                <a:rPr lang="en-US" sz="1400" dirty="0" smtClean="0">
+                  <a:solidFill>
+                    <a:schemeClr val="tx1"/>
+                  </a:solidFill>
+                  <a:latin typeface="Raleway Medium" pitchFamily="34" charset="0"/>
+                </a:rPr>
+                <a:t>Queue 0</a:t>
+              </a:r>
+              <a:endParaRPr lang="en-US" sz="1400" dirty="0">
+                <a:solidFill>
+                  <a:schemeClr val="tx1"/>
+                </a:solidFill>
+                <a:latin typeface="Raleway Medium" pitchFamily="34" charset="0"/>
+              </a:endParaRPr>
+            </a:p>
+          </p:txBody>
+        </p:sp>
+        <p:sp>
+          <p:nvSpPr>
+            <p:cNvPr id="106" name="Rectangle 105"/>
+            <p:cNvSpPr/>
+            <p:nvPr/>
+          </p:nvSpPr>
+          <p:spPr>
+            <a:xfrm>
+              <a:off x="3524217" y="1972007"/>
+              <a:ext cx="1524000" cy="251647"/>
+            </a:xfrm>
+            <a:prstGeom prst="rect">
+              <a:avLst/>
+            </a:prstGeom>
+            <a:solidFill>
+              <a:schemeClr val="bg1"/>
+            </a:solidFill>
+            <a:ln w="12700">
+              <a:solidFill>
+                <a:schemeClr val="tx1"/>
+              </a:solidFill>
+            </a:ln>
+          </p:spPr>
+          <p:style>
+            <a:lnRef idx="2">
+              <a:schemeClr val="accent1">
+                <a:shade val="50000"/>
+              </a:schemeClr>
+            </a:lnRef>
+            <a:fillRef idx="1">
+              <a:schemeClr val="accent1"/>
+            </a:fillRef>
+            <a:effectRef idx="0">
+              <a:schemeClr val="accent1"/>
+            </a:effectRef>
+            <a:fontRef idx="minor">
+              <a:schemeClr val="lt1"/>
+            </a:fontRef>
+          </p:style>
+          <p:txBody>
+            <a:bodyPr rtlCol="0" anchor="ctr"/>
+            <a:lstStyle/>
+            <a:p>
+              <a:pPr algn="r"/>
+              <a:r>
+                <a:rPr lang="en-US" sz="1400" dirty="0" smtClean="0">
+                  <a:solidFill>
+                    <a:schemeClr val="tx1"/>
+                  </a:solidFill>
+                  <a:latin typeface="Raleway Medium" pitchFamily="34" charset="0"/>
+                </a:rPr>
+                <a:t>Queue 3</a:t>
+              </a:r>
+              <a:endParaRPr lang="en-US" sz="1400" dirty="0">
+                <a:solidFill>
+                  <a:schemeClr val="tx1"/>
+                </a:solidFill>
+                <a:latin typeface="Raleway Medium" pitchFamily="34" charset="0"/>
+              </a:endParaRPr>
+            </a:p>
+          </p:txBody>
+        </p:sp>
+        <p:sp>
+          <p:nvSpPr>
+            <p:cNvPr id="107" name="Rectangle 106"/>
+            <p:cNvSpPr/>
+            <p:nvPr/>
+          </p:nvSpPr>
+          <p:spPr>
+            <a:xfrm>
+              <a:off x="3524217" y="1313655"/>
+              <a:ext cx="1524000" cy="251647"/>
+            </a:xfrm>
+            <a:prstGeom prst="rect">
+              <a:avLst/>
+            </a:prstGeom>
+            <a:solidFill>
+              <a:schemeClr val="bg1"/>
+            </a:solidFill>
+            <a:ln w="12700">
+              <a:solidFill>
+                <a:schemeClr val="tx1"/>
+              </a:solidFill>
+            </a:ln>
+          </p:spPr>
+          <p:style>
+            <a:lnRef idx="2">
+              <a:schemeClr val="accent1">
+                <a:shade val="50000"/>
+              </a:schemeClr>
+            </a:lnRef>
+            <a:fillRef idx="1">
+              <a:schemeClr val="accent1"/>
+            </a:fillRef>
+            <a:effectRef idx="0">
+              <a:schemeClr val="accent1"/>
+            </a:effectRef>
+            <a:fontRef idx="minor">
+              <a:schemeClr val="lt1"/>
+            </a:fontRef>
+          </p:style>
+          <p:txBody>
+            <a:bodyPr rtlCol="0" anchor="ctr"/>
+            <a:lstStyle/>
+            <a:p>
+              <a:pPr algn="r"/>
+              <a:r>
+                <a:rPr lang="en-US" sz="1400" dirty="0" smtClean="0">
+                  <a:solidFill>
+                    <a:schemeClr val="tx1"/>
+                  </a:solidFill>
+                  <a:latin typeface="Raleway Medium" pitchFamily="34" charset="0"/>
+                </a:rPr>
+                <a:t>Queue 1</a:t>
+              </a:r>
+              <a:endParaRPr lang="en-US" sz="1400" dirty="0">
+                <a:solidFill>
+                  <a:schemeClr val="tx1"/>
+                </a:solidFill>
+                <a:latin typeface="Raleway Medium" pitchFamily="34" charset="0"/>
+              </a:endParaRPr>
+            </a:p>
+          </p:txBody>
+        </p:sp>
+        <p:sp>
+          <p:nvSpPr>
+            <p:cNvPr id="108" name="Rectangle 107"/>
+            <p:cNvSpPr/>
+            <p:nvPr/>
+          </p:nvSpPr>
+          <p:spPr>
+            <a:xfrm>
+              <a:off x="3524217" y="1631989"/>
+              <a:ext cx="1524000" cy="251647"/>
+            </a:xfrm>
+            <a:prstGeom prst="rect">
+              <a:avLst/>
+            </a:prstGeom>
+            <a:solidFill>
+              <a:schemeClr val="bg1"/>
+            </a:solidFill>
+            <a:ln w="12700">
+              <a:solidFill>
+                <a:schemeClr val="tx1"/>
+              </a:solidFill>
+            </a:ln>
+          </p:spPr>
+          <p:style>
+            <a:lnRef idx="2">
+              <a:schemeClr val="accent1">
+                <a:shade val="50000"/>
+              </a:schemeClr>
+            </a:lnRef>
+            <a:fillRef idx="1">
+              <a:schemeClr val="accent1"/>
+            </a:fillRef>
+            <a:effectRef idx="0">
+              <a:schemeClr val="accent1"/>
+            </a:effectRef>
+            <a:fontRef idx="minor">
+              <a:schemeClr val="lt1"/>
+            </a:fontRef>
+          </p:style>
+          <p:txBody>
+            <a:bodyPr rtlCol="0" anchor="ctr"/>
+            <a:lstStyle/>
+            <a:p>
+              <a:pPr algn="r"/>
+              <a:r>
+                <a:rPr lang="en-US" sz="1400" dirty="0" smtClean="0">
+                  <a:solidFill>
+                    <a:schemeClr val="tx1"/>
+                  </a:solidFill>
+                  <a:latin typeface="Raleway Medium" pitchFamily="34" charset="0"/>
+                </a:rPr>
+                <a:t>Queue 2</a:t>
+              </a:r>
+              <a:endParaRPr lang="en-US" sz="1400" dirty="0">
+                <a:solidFill>
+                  <a:schemeClr val="tx1"/>
+                </a:solidFill>
+                <a:latin typeface="Raleway Medium" pitchFamily="34" charset="0"/>
+              </a:endParaRPr>
+            </a:p>
+          </p:txBody>
+        </p:sp>
+        <p:grpSp>
+          <p:nvGrpSpPr>
+            <p:cNvPr id="109" name="Group 108"/>
+            <p:cNvGrpSpPr/>
+            <p:nvPr/>
+          </p:nvGrpSpPr>
+          <p:grpSpPr>
+            <a:xfrm>
+              <a:off x="2922867" y="1139422"/>
+              <a:ext cx="601350" cy="996508"/>
+              <a:chOff x="3361050" y="1139422"/>
+              <a:chExt cx="448950" cy="996508"/>
+            </a:xfrm>
+          </p:grpSpPr>
+          <p:cxnSp>
+            <p:nvCxnSpPr>
+              <p:cNvPr id="110" name="Straight Connector 109"/>
+              <p:cNvCxnSpPr/>
+              <p:nvPr/>
+            </p:nvCxnSpPr>
+            <p:spPr>
+              <a:xfrm>
+                <a:off x="3361050" y="1139422"/>
+                <a:ext cx="448950" cy="0"/>
+              </a:xfrm>
+              <a:prstGeom prst="line">
+                <a:avLst/>
+              </a:prstGeom>
+              <a:ln>
+                <a:solidFill>
+                  <a:schemeClr val="tx1"/>
+                </a:solidFill>
+                <a:headEnd type="none" w="med" len="med"/>
+                <a:tailEnd type="triangle" w="med" len="med"/>
+              </a:ln>
+            </p:spPr>
+            <p:style>
+              <a:lnRef idx="1">
+                <a:schemeClr val="accent1"/>
+              </a:lnRef>
+              <a:fillRef idx="0">
+                <a:schemeClr val="accent1"/>
+              </a:fillRef>
+              <a:effectRef idx="0">
+                <a:schemeClr val="accent1"/>
+              </a:effectRef>
+              <a:fontRef idx="minor">
+                <a:schemeClr val="tx1"/>
+              </a:fontRef>
+            </p:style>
+          </p:cxnSp>
+          <p:cxnSp>
+            <p:nvCxnSpPr>
+              <p:cNvPr id="112" name="Straight Connector 111"/>
+              <p:cNvCxnSpPr/>
+              <p:nvPr/>
+            </p:nvCxnSpPr>
+            <p:spPr>
+              <a:xfrm>
+                <a:off x="3361050" y="1477578"/>
+                <a:ext cx="448950" cy="0"/>
+              </a:xfrm>
+              <a:prstGeom prst="line">
+                <a:avLst/>
+              </a:prstGeom>
+              <a:ln>
+                <a:solidFill>
+                  <a:schemeClr val="tx1"/>
+                </a:solidFill>
+                <a:headEnd type="none" w="med" len="med"/>
+                <a:tailEnd type="triangle" w="med" len="med"/>
+              </a:ln>
+            </p:spPr>
+            <p:style>
+              <a:lnRef idx="1">
+                <a:schemeClr val="accent1"/>
+              </a:lnRef>
+              <a:fillRef idx="0">
+                <a:schemeClr val="accent1"/>
+              </a:fillRef>
+              <a:effectRef idx="0">
+                <a:schemeClr val="accent1"/>
+              </a:effectRef>
+              <a:fontRef idx="minor">
+                <a:schemeClr val="tx1"/>
+              </a:fontRef>
+            </p:style>
+          </p:cxnSp>
+          <p:cxnSp>
+            <p:nvCxnSpPr>
+              <p:cNvPr id="113" name="Straight Connector 112"/>
+              <p:cNvCxnSpPr/>
+              <p:nvPr/>
+            </p:nvCxnSpPr>
+            <p:spPr>
+              <a:xfrm>
+                <a:off x="3361050" y="1797114"/>
+                <a:ext cx="448950" cy="0"/>
+              </a:xfrm>
+              <a:prstGeom prst="line">
+                <a:avLst/>
+              </a:prstGeom>
+              <a:ln>
+                <a:solidFill>
+                  <a:schemeClr val="tx1"/>
+                </a:solidFill>
+                <a:headEnd type="none" w="med" len="med"/>
+                <a:tailEnd type="triangle" w="med" len="med"/>
+              </a:ln>
+            </p:spPr>
+            <p:style>
+              <a:lnRef idx="1">
+                <a:schemeClr val="accent1"/>
+              </a:lnRef>
+              <a:fillRef idx="0">
+                <a:schemeClr val="accent1"/>
+              </a:fillRef>
+              <a:effectRef idx="0">
+                <a:schemeClr val="accent1"/>
+              </a:effectRef>
+              <a:fontRef idx="minor">
+                <a:schemeClr val="tx1"/>
+              </a:fontRef>
+            </p:style>
+          </p:cxnSp>
+          <p:cxnSp>
+            <p:nvCxnSpPr>
+              <p:cNvPr id="114" name="Straight Connector 113"/>
+              <p:cNvCxnSpPr/>
+              <p:nvPr/>
+            </p:nvCxnSpPr>
+            <p:spPr>
+              <a:xfrm>
+                <a:off x="3361050" y="2135930"/>
+                <a:ext cx="448950" cy="0"/>
+              </a:xfrm>
+              <a:prstGeom prst="line">
+                <a:avLst/>
+              </a:prstGeom>
+              <a:ln>
+                <a:solidFill>
+                  <a:schemeClr val="tx1"/>
+                </a:solidFill>
+                <a:headEnd type="none" w="med" len="med"/>
+                <a:tailEnd type="triangle" w="med" len="med"/>
+              </a:ln>
+            </p:spPr>
+            <p:style>
+              <a:lnRef idx="1">
+                <a:schemeClr val="accent1"/>
+              </a:lnRef>
+              <a:fillRef idx="0">
+                <a:schemeClr val="accent1"/>
+              </a:fillRef>
+              <a:effectRef idx="0">
+                <a:schemeClr val="accent1"/>
+              </a:effectRef>
+              <a:fontRef idx="minor">
+                <a:schemeClr val="tx1"/>
+              </a:fontRef>
+            </p:style>
+          </p:cxnSp>
+        </p:grpSp>
+        <p:grpSp>
+          <p:nvGrpSpPr>
+            <p:cNvPr id="111" name="Group 110"/>
+            <p:cNvGrpSpPr/>
+            <p:nvPr/>
+          </p:nvGrpSpPr>
+          <p:grpSpPr>
+            <a:xfrm>
+              <a:off x="2928775" y="919833"/>
+              <a:ext cx="527710" cy="1242413"/>
+              <a:chOff x="3310674" y="919833"/>
+              <a:chExt cx="540533" cy="1242413"/>
+            </a:xfrm>
+          </p:grpSpPr>
+          <p:sp>
+            <p:nvSpPr>
+              <p:cNvPr id="104" name="Rectangle 103"/>
+              <p:cNvSpPr/>
+              <p:nvPr/>
+            </p:nvSpPr>
+            <p:spPr>
+              <a:xfrm>
+                <a:off x="3310674" y="919833"/>
+                <a:ext cx="540533" cy="261610"/>
+              </a:xfrm>
+              <a:prstGeom prst="rect">
+                <a:avLst/>
+              </a:prstGeom>
+            </p:spPr>
+            <p:txBody>
+              <a:bodyPr wrap="none">
+                <a:spAutoFit/>
+              </a:bodyPr>
+              <a:lstStyle/>
+              <a:p>
+                <a:pPr algn="ctr"/>
+                <a:r>
+                  <a:rPr lang="en-US" sz="1050" i="1" dirty="0" smtClean="0">
+                    <a:latin typeface="Raleway Medium" pitchFamily="34" charset="0"/>
+                  </a:rPr>
+                  <a:t>ID = 0</a:t>
+                </a:r>
+                <a:endParaRPr lang="en-US" sz="900" i="1" dirty="0">
+                  <a:latin typeface="Raleway Medium" pitchFamily="34" charset="0"/>
+                </a:endParaRPr>
+              </a:p>
+            </p:txBody>
+          </p:sp>
+          <p:sp>
+            <p:nvSpPr>
+              <p:cNvPr id="117" name="Rectangle 116"/>
+              <p:cNvSpPr/>
+              <p:nvPr/>
+            </p:nvSpPr>
+            <p:spPr>
+              <a:xfrm>
+                <a:off x="3321235" y="1240113"/>
+                <a:ext cx="502062" cy="253916"/>
+              </a:xfrm>
+              <a:prstGeom prst="rect">
+                <a:avLst/>
+              </a:prstGeom>
+            </p:spPr>
+            <p:txBody>
+              <a:bodyPr wrap="none">
+                <a:spAutoFit/>
+              </a:bodyPr>
+              <a:lstStyle/>
+              <a:p>
+                <a:pPr algn="ctr"/>
+                <a:r>
+                  <a:rPr lang="en-US" sz="1050" i="1" dirty="0" smtClean="0">
+                    <a:latin typeface="Raleway Medium" pitchFamily="34" charset="0"/>
+                  </a:rPr>
+                  <a:t>ID = 1</a:t>
+                </a:r>
+                <a:endParaRPr lang="en-US" sz="900" i="1" dirty="0">
+                  <a:latin typeface="Raleway Medium" pitchFamily="34" charset="0"/>
+                </a:endParaRPr>
+              </a:p>
+            </p:txBody>
+          </p:sp>
+          <p:sp>
+            <p:nvSpPr>
+              <p:cNvPr id="118" name="Rectangle 117"/>
+              <p:cNvSpPr/>
+              <p:nvPr/>
+            </p:nvSpPr>
+            <p:spPr>
+              <a:xfrm>
+                <a:off x="3315625" y="1566333"/>
+                <a:ext cx="513282" cy="253916"/>
+              </a:xfrm>
+              <a:prstGeom prst="rect">
+                <a:avLst/>
+              </a:prstGeom>
+            </p:spPr>
+            <p:txBody>
+              <a:bodyPr wrap="none">
+                <a:spAutoFit/>
+              </a:bodyPr>
+              <a:lstStyle/>
+              <a:p>
+                <a:pPr algn="ctr"/>
+                <a:r>
+                  <a:rPr lang="en-US" sz="1050" i="1" dirty="0" smtClean="0">
+                    <a:latin typeface="Raleway Medium" pitchFamily="34" charset="0"/>
+                  </a:rPr>
+                  <a:t>ID = 2</a:t>
+                </a:r>
+                <a:endParaRPr lang="en-US" sz="900" i="1" dirty="0">
+                  <a:latin typeface="Raleway Medium" pitchFamily="34" charset="0"/>
+                </a:endParaRPr>
+              </a:p>
+            </p:txBody>
+          </p:sp>
+          <p:sp>
+            <p:nvSpPr>
+              <p:cNvPr id="119" name="Rectangle 118"/>
+              <p:cNvSpPr/>
+              <p:nvPr/>
+            </p:nvSpPr>
+            <p:spPr>
+              <a:xfrm>
+                <a:off x="3314823" y="1908330"/>
+                <a:ext cx="514886" cy="253916"/>
+              </a:xfrm>
+              <a:prstGeom prst="rect">
+                <a:avLst/>
+              </a:prstGeom>
+            </p:spPr>
+            <p:txBody>
+              <a:bodyPr wrap="none">
+                <a:spAutoFit/>
+              </a:bodyPr>
+              <a:lstStyle/>
+              <a:p>
+                <a:pPr algn="ctr"/>
+                <a:r>
+                  <a:rPr lang="en-US" sz="1050" i="1" dirty="0" smtClean="0">
+                    <a:latin typeface="Raleway Medium" pitchFamily="34" charset="0"/>
+                  </a:rPr>
+                  <a:t>ID = 3</a:t>
+                </a:r>
+                <a:endParaRPr lang="en-US" sz="900" i="1" dirty="0">
+                  <a:latin typeface="Raleway Medium" pitchFamily="34" charset="0"/>
+                </a:endParaRPr>
+              </a:p>
+            </p:txBody>
+          </p:sp>
+        </p:grpSp>
+        <p:sp>
+          <p:nvSpPr>
+            <p:cNvPr id="121" name="TextBox 120"/>
+            <p:cNvSpPr txBox="1"/>
+            <p:nvPr/>
+          </p:nvSpPr>
+          <p:spPr>
+            <a:xfrm>
+              <a:off x="3143218" y="698500"/>
+              <a:ext cx="2133600" cy="276999"/>
+            </a:xfrm>
+            <a:prstGeom prst="rect">
+              <a:avLst/>
+            </a:prstGeom>
+            <a:noFill/>
+          </p:spPr>
+          <p:txBody>
+            <a:bodyPr wrap="square" rtlCol="0">
+              <a:spAutoFit/>
+            </a:bodyPr>
+            <a:lstStyle/>
+            <a:p>
+              <a:pPr algn="ctr"/>
+              <a:r>
+                <a:rPr lang="en-US" sz="1200" dirty="0" smtClean="0">
+                  <a:latin typeface="Raleway Medium" pitchFamily="34" charset="0"/>
+                </a:rPr>
+                <a:t>Queues</a:t>
+              </a:r>
+              <a:endParaRPr lang="en-US" sz="1200" dirty="0">
+                <a:latin typeface="Raleway Medium" pitchFamily="34" charset="0"/>
+              </a:endParaRPr>
+            </a:p>
+          </p:txBody>
+        </p:sp>
+        <p:sp>
+          <p:nvSpPr>
+            <p:cNvPr id="122" name="Trapezoid 121"/>
+            <p:cNvSpPr/>
+            <p:nvPr/>
+          </p:nvSpPr>
+          <p:spPr>
+            <a:xfrm rot="5400000">
+              <a:off x="6028048" y="1443676"/>
+              <a:ext cx="1246909" cy="313049"/>
+            </a:xfrm>
+            <a:prstGeom prst="trapezoid">
+              <a:avLst>
+                <a:gd name="adj" fmla="val 73682"/>
+              </a:avLst>
+            </a:prstGeom>
+            <a:solidFill>
+              <a:schemeClr val="bg1"/>
+            </a:solidFill>
+            <a:ln w="12700">
+              <a:solidFill>
+                <a:schemeClr val="tx1"/>
+              </a:solidFill>
+            </a:ln>
+          </p:spPr>
+          <p:style>
+            <a:lnRef idx="2">
+              <a:schemeClr val="accent1">
+                <a:shade val="50000"/>
+              </a:schemeClr>
+            </a:lnRef>
+            <a:fillRef idx="1">
+              <a:schemeClr val="accent1"/>
+            </a:fillRef>
+            <a:effectRef idx="0">
+              <a:schemeClr val="accent1"/>
+            </a:effectRef>
+            <a:fontRef idx="minor">
+              <a:schemeClr val="lt1"/>
+            </a:fontRef>
+          </p:style>
+          <p:txBody>
+            <a:bodyPr rtlCol="0" anchor="ctr"/>
+            <a:lstStyle/>
+            <a:p>
+              <a:pPr algn="ctr"/>
+              <a:endParaRPr lang="en-US"/>
+            </a:p>
+          </p:txBody>
+        </p:sp>
+        <p:sp>
+          <p:nvSpPr>
+            <p:cNvPr id="123" name="TextBox 122"/>
+            <p:cNvSpPr txBox="1"/>
+            <p:nvPr/>
+          </p:nvSpPr>
+          <p:spPr>
+            <a:xfrm>
+              <a:off x="6032173" y="698500"/>
+              <a:ext cx="1066800" cy="276999"/>
+            </a:xfrm>
+            <a:prstGeom prst="rect">
+              <a:avLst/>
+            </a:prstGeom>
+            <a:noFill/>
+          </p:spPr>
+          <p:txBody>
+            <a:bodyPr wrap="square" rtlCol="0">
+              <a:spAutoFit/>
+            </a:bodyPr>
+            <a:lstStyle/>
+            <a:p>
+              <a:pPr algn="ctr"/>
+              <a:r>
+                <a:rPr lang="en-US" sz="1200" dirty="0" smtClean="0">
+                  <a:latin typeface="Raleway Medium" pitchFamily="34" charset="0"/>
+                </a:rPr>
+                <a:t>Selector</a:t>
+              </a:r>
+              <a:endParaRPr lang="en-US" sz="1200" dirty="0">
+                <a:latin typeface="Raleway Medium" pitchFamily="34" charset="0"/>
+              </a:endParaRPr>
+            </a:p>
+          </p:txBody>
+        </p:sp>
+        <p:sp>
+          <p:nvSpPr>
+            <p:cNvPr id="127" name="Rectangle 126"/>
+            <p:cNvSpPr/>
+            <p:nvPr/>
+          </p:nvSpPr>
+          <p:spPr>
+            <a:xfrm>
+              <a:off x="3524217" y="2514600"/>
+              <a:ext cx="1524000" cy="313049"/>
+            </a:xfrm>
+            <a:prstGeom prst="rect">
+              <a:avLst/>
+            </a:prstGeom>
+            <a:solidFill>
+              <a:schemeClr val="bg1"/>
+            </a:solidFill>
+            <a:ln w="12700">
+              <a:solidFill>
+                <a:schemeClr val="tx1"/>
+              </a:solidFill>
+            </a:ln>
+          </p:spPr>
+          <p:style>
+            <a:lnRef idx="2">
+              <a:schemeClr val="accent1">
+                <a:shade val="50000"/>
+              </a:schemeClr>
+            </a:lnRef>
+            <a:fillRef idx="1">
+              <a:schemeClr val="accent1"/>
+            </a:fillRef>
+            <a:effectRef idx="0">
+              <a:schemeClr val="accent1"/>
+            </a:effectRef>
+            <a:fontRef idx="minor">
+              <a:schemeClr val="lt1"/>
+            </a:fontRef>
+          </p:style>
+          <p:txBody>
+            <a:bodyPr rtlCol="0" anchor="ctr"/>
+            <a:lstStyle/>
+            <a:p>
+              <a:pPr algn="ctr"/>
+              <a:r>
+                <a:rPr lang="en-US" sz="1100" dirty="0" smtClean="0">
+                  <a:solidFill>
+                    <a:schemeClr val="tx1"/>
+                  </a:solidFill>
+                  <a:latin typeface="Raleway Medium" pitchFamily="34" charset="0"/>
+                </a:rPr>
+                <a:t>Threshold detection</a:t>
+              </a:r>
+              <a:endParaRPr lang="en-US" sz="1000" dirty="0">
+                <a:solidFill>
+                  <a:schemeClr val="tx1"/>
+                </a:solidFill>
+                <a:latin typeface="Raleway Medium" pitchFamily="34" charset="0"/>
+              </a:endParaRPr>
+            </a:p>
+          </p:txBody>
+        </p:sp>
+        <p:sp>
+          <p:nvSpPr>
+            <p:cNvPr id="87" name="Oval 86"/>
+            <p:cNvSpPr/>
+            <p:nvPr/>
+          </p:nvSpPr>
+          <p:spPr>
+            <a:xfrm>
+              <a:off x="3621846" y="937077"/>
+              <a:ext cx="60325" cy="337175"/>
+            </a:xfrm>
+            <a:prstGeom prst="ellipse">
+              <a:avLst/>
+            </a:prstGeom>
+            <a:solidFill>
+              <a:schemeClr val="tx1">
+                <a:alpha val="34000"/>
+              </a:schemeClr>
+            </a:solidFill>
+            <a:ln w="12700">
+              <a:solidFill>
+                <a:schemeClr val="tx1"/>
+              </a:solidFill>
+            </a:ln>
+          </p:spPr>
+          <p:style>
+            <a:lnRef idx="2">
+              <a:schemeClr val="accent1">
+                <a:shade val="50000"/>
+              </a:schemeClr>
+            </a:lnRef>
+            <a:fillRef idx="1">
+              <a:schemeClr val="accent1"/>
+            </a:fillRef>
+            <a:effectRef idx="0">
+              <a:schemeClr val="accent1"/>
+            </a:effectRef>
+            <a:fontRef idx="minor">
+              <a:schemeClr val="lt1"/>
+            </a:fontRef>
+          </p:style>
+          <p:txBody>
+            <a:bodyPr rtlCol="0" anchor="ctr"/>
+            <a:lstStyle/>
+            <a:p>
+              <a:pPr algn="ctr"/>
+              <a:endParaRPr lang="en-US"/>
+            </a:p>
+          </p:txBody>
+        </p:sp>
+        <p:sp>
+          <p:nvSpPr>
+            <p:cNvPr id="88" name="Oval 87"/>
+            <p:cNvSpPr/>
+            <p:nvPr/>
+          </p:nvSpPr>
+          <p:spPr>
+            <a:xfrm>
+              <a:off x="3698050" y="1279212"/>
+              <a:ext cx="60325" cy="337175"/>
+            </a:xfrm>
+            <a:prstGeom prst="ellipse">
+              <a:avLst/>
+            </a:prstGeom>
+            <a:solidFill>
+              <a:schemeClr val="tx1">
+                <a:alpha val="34000"/>
+              </a:schemeClr>
+            </a:solidFill>
+            <a:ln w="12700">
+              <a:solidFill>
+                <a:schemeClr val="tx1"/>
+              </a:solidFill>
+            </a:ln>
+          </p:spPr>
+          <p:style>
+            <a:lnRef idx="2">
+              <a:schemeClr val="accent1">
+                <a:shade val="50000"/>
+              </a:schemeClr>
+            </a:lnRef>
+            <a:fillRef idx="1">
+              <a:schemeClr val="accent1"/>
+            </a:fillRef>
+            <a:effectRef idx="0">
+              <a:schemeClr val="accent1"/>
+            </a:effectRef>
+            <a:fontRef idx="minor">
+              <a:schemeClr val="lt1"/>
+            </a:fontRef>
+          </p:style>
+          <p:txBody>
+            <a:bodyPr rtlCol="0" anchor="ctr"/>
+            <a:lstStyle/>
+            <a:p>
+              <a:pPr algn="ctr"/>
+              <a:endParaRPr lang="en-US"/>
+            </a:p>
+          </p:txBody>
+        </p:sp>
+        <p:sp>
+          <p:nvSpPr>
+            <p:cNvPr id="90" name="Oval 89"/>
+            <p:cNvSpPr/>
+            <p:nvPr/>
+          </p:nvSpPr>
+          <p:spPr>
+            <a:xfrm>
+              <a:off x="3768692" y="1587107"/>
+              <a:ext cx="60325" cy="337175"/>
+            </a:xfrm>
+            <a:prstGeom prst="ellipse">
+              <a:avLst/>
+            </a:prstGeom>
+            <a:solidFill>
+              <a:schemeClr val="tx1">
+                <a:alpha val="34000"/>
+              </a:schemeClr>
+            </a:solidFill>
+            <a:ln w="12700">
+              <a:solidFill>
+                <a:schemeClr val="tx1"/>
+              </a:solidFill>
+            </a:ln>
+          </p:spPr>
+          <p:style>
+            <a:lnRef idx="2">
+              <a:schemeClr val="accent1">
+                <a:shade val="50000"/>
+              </a:schemeClr>
+            </a:lnRef>
+            <a:fillRef idx="1">
+              <a:schemeClr val="accent1"/>
+            </a:fillRef>
+            <a:effectRef idx="0">
+              <a:schemeClr val="accent1"/>
+            </a:effectRef>
+            <a:fontRef idx="minor">
+              <a:schemeClr val="lt1"/>
+            </a:fontRef>
+          </p:style>
+          <p:txBody>
+            <a:bodyPr rtlCol="0" anchor="ctr"/>
+            <a:lstStyle/>
+            <a:p>
+              <a:pPr algn="ctr"/>
+              <a:endParaRPr lang="en-US"/>
+            </a:p>
+          </p:txBody>
+        </p:sp>
+        <p:sp>
+          <p:nvSpPr>
+            <p:cNvPr id="92" name="Oval 91"/>
+            <p:cNvSpPr/>
+            <p:nvPr/>
+          </p:nvSpPr>
+          <p:spPr>
+            <a:xfrm>
+              <a:off x="3844892" y="1929242"/>
+              <a:ext cx="60325" cy="337175"/>
+            </a:xfrm>
+            <a:prstGeom prst="ellipse">
+              <a:avLst/>
+            </a:prstGeom>
+            <a:solidFill>
+              <a:schemeClr val="tx1">
+                <a:alpha val="34000"/>
+              </a:schemeClr>
+            </a:solidFill>
+            <a:ln w="12700">
+              <a:solidFill>
+                <a:schemeClr val="tx1"/>
+              </a:solidFill>
+            </a:ln>
+          </p:spPr>
+          <p:style>
+            <a:lnRef idx="2">
+              <a:schemeClr val="accent1">
+                <a:shade val="50000"/>
+              </a:schemeClr>
+            </a:lnRef>
+            <a:fillRef idx="1">
+              <a:schemeClr val="accent1"/>
+            </a:fillRef>
+            <a:effectRef idx="0">
+              <a:schemeClr val="accent1"/>
+            </a:effectRef>
+            <a:fontRef idx="minor">
+              <a:schemeClr val="lt1"/>
+            </a:fontRef>
+          </p:style>
+          <p:txBody>
+            <a:bodyPr rtlCol="0" anchor="ctr"/>
+            <a:lstStyle/>
+            <a:p>
+              <a:pPr algn="ctr"/>
+              <a:endParaRPr lang="en-US"/>
+            </a:p>
+          </p:txBody>
+        </p:sp>
+        <p:cxnSp>
+          <p:nvCxnSpPr>
+            <p:cNvPr id="99" name="Straight Connector 98"/>
+            <p:cNvCxnSpPr/>
+            <p:nvPr/>
+          </p:nvCxnSpPr>
+          <p:spPr>
+            <a:xfrm flipV="1">
+              <a:off x="3874417" y="2266417"/>
+              <a:ext cx="0" cy="248184"/>
+            </a:xfrm>
+            <a:prstGeom prst="line">
+              <a:avLst/>
+            </a:prstGeom>
+            <a:ln>
+              <a:solidFill>
+                <a:schemeClr val="tx1"/>
+              </a:solidFill>
+              <a:prstDash val="sysDash"/>
+              <a:headEnd type="arrow" w="sm" len="sm"/>
+              <a:tailEnd type="none" w="sm" len="sm"/>
+            </a:ln>
+          </p:spPr>
+          <p:style>
+            <a:lnRef idx="1">
+              <a:schemeClr val="accent1"/>
+            </a:lnRef>
+            <a:fillRef idx="0">
+              <a:schemeClr val="accent1"/>
+            </a:fillRef>
+            <a:effectRef idx="0">
+              <a:schemeClr val="accent1"/>
+            </a:effectRef>
+            <a:fontRef idx="minor">
+              <a:schemeClr val="tx1"/>
+            </a:fontRef>
+          </p:style>
+        </p:cxnSp>
+        <p:cxnSp>
+          <p:nvCxnSpPr>
+            <p:cNvPr id="101" name="Straight Connector 100"/>
+            <p:cNvCxnSpPr/>
+            <p:nvPr/>
+          </p:nvCxnSpPr>
+          <p:spPr>
+            <a:xfrm flipV="1">
+              <a:off x="3798854" y="1924282"/>
+              <a:ext cx="0" cy="590319"/>
+            </a:xfrm>
+            <a:prstGeom prst="line">
+              <a:avLst/>
+            </a:prstGeom>
+            <a:ln>
+              <a:solidFill>
+                <a:schemeClr val="tx1"/>
+              </a:solidFill>
+              <a:prstDash val="sysDash"/>
+              <a:headEnd type="arrow" w="sm" len="sm"/>
+              <a:tailEnd type="none" w="sm" len="sm"/>
+            </a:ln>
+          </p:spPr>
+          <p:style>
+            <a:lnRef idx="1">
+              <a:schemeClr val="accent1"/>
+            </a:lnRef>
+            <a:fillRef idx="0">
+              <a:schemeClr val="accent1"/>
+            </a:fillRef>
+            <a:effectRef idx="0">
+              <a:schemeClr val="accent1"/>
+            </a:effectRef>
+            <a:fontRef idx="minor">
+              <a:schemeClr val="tx1"/>
+            </a:fontRef>
+          </p:style>
+        </p:cxnSp>
+        <p:cxnSp>
+          <p:nvCxnSpPr>
+            <p:cNvPr id="102" name="Straight Connector 101"/>
+            <p:cNvCxnSpPr/>
+            <p:nvPr/>
+          </p:nvCxnSpPr>
+          <p:spPr>
+            <a:xfrm flipV="1">
+              <a:off x="3725831" y="1631989"/>
+              <a:ext cx="0" cy="882614"/>
+            </a:xfrm>
+            <a:prstGeom prst="line">
+              <a:avLst/>
+            </a:prstGeom>
+            <a:ln>
+              <a:solidFill>
+                <a:schemeClr val="tx1"/>
+              </a:solidFill>
+              <a:prstDash val="sysDash"/>
+              <a:headEnd type="arrow" w="sm" len="sm"/>
+              <a:tailEnd type="none" w="sm" len="sm"/>
+            </a:ln>
+          </p:spPr>
+          <p:style>
+            <a:lnRef idx="1">
+              <a:schemeClr val="accent1"/>
+            </a:lnRef>
+            <a:fillRef idx="0">
+              <a:schemeClr val="accent1"/>
+            </a:fillRef>
+            <a:effectRef idx="0">
+              <a:schemeClr val="accent1"/>
+            </a:effectRef>
+            <a:fontRef idx="minor">
+              <a:schemeClr val="tx1"/>
+            </a:fontRef>
+          </p:style>
+        </p:cxnSp>
+        <p:cxnSp>
+          <p:nvCxnSpPr>
+            <p:cNvPr id="115" name="Straight Connector 114"/>
+            <p:cNvCxnSpPr/>
+            <p:nvPr/>
+          </p:nvCxnSpPr>
+          <p:spPr>
+            <a:xfrm flipV="1">
+              <a:off x="3649631" y="1274252"/>
+              <a:ext cx="0" cy="1240351"/>
+            </a:xfrm>
+            <a:prstGeom prst="line">
+              <a:avLst/>
+            </a:prstGeom>
+            <a:ln>
+              <a:solidFill>
+                <a:schemeClr val="tx1"/>
+              </a:solidFill>
+              <a:prstDash val="sysDash"/>
+              <a:headEnd type="arrow" w="sm" len="sm"/>
+              <a:tailEnd type="none" w="sm" len="sm"/>
+            </a:ln>
+          </p:spPr>
+          <p:style>
+            <a:lnRef idx="1">
+              <a:schemeClr val="accent1"/>
+            </a:lnRef>
+            <a:fillRef idx="0">
+              <a:schemeClr val="accent1"/>
+            </a:fillRef>
+            <a:effectRef idx="0">
+              <a:schemeClr val="accent1"/>
+            </a:effectRef>
+            <a:fontRef idx="minor">
+              <a:schemeClr val="tx1"/>
+            </a:fontRef>
+          </p:style>
+        </p:cxnSp>
+        <p:cxnSp>
+          <p:nvCxnSpPr>
+            <p:cNvPr id="116" name="Straight Arrow Connector 115"/>
+            <p:cNvCxnSpPr/>
+            <p:nvPr/>
+          </p:nvCxnSpPr>
+          <p:spPr>
+            <a:xfrm flipH="1">
+              <a:off x="95217" y="3200400"/>
+              <a:ext cx="3675060" cy="0"/>
+            </a:xfrm>
+            <a:prstGeom prst="straightConnector1">
+              <a:avLst/>
+            </a:prstGeom>
+            <a:ln>
+              <a:solidFill>
+                <a:srgbClr val="C00000"/>
+              </a:solidFill>
+              <a:prstDash val="sysDash"/>
+              <a:headEnd type="none" w="med" len="med"/>
+              <a:tailEnd type="triangle" w="med" len="med"/>
+            </a:ln>
+          </p:spPr>
+          <p:style>
+            <a:lnRef idx="1">
+              <a:schemeClr val="accent1"/>
+            </a:lnRef>
+            <a:fillRef idx="0">
+              <a:schemeClr val="accent1"/>
+            </a:fillRef>
+            <a:effectRef idx="0">
+              <a:schemeClr val="accent1"/>
+            </a:effectRef>
+            <a:fontRef idx="minor">
+              <a:schemeClr val="tx1"/>
+            </a:fontRef>
+          </p:style>
+        </p:cxnSp>
+        <p:cxnSp>
+          <p:nvCxnSpPr>
+            <p:cNvPr id="124" name="Straight Connector 123"/>
+            <p:cNvCxnSpPr/>
+            <p:nvPr/>
+          </p:nvCxnSpPr>
+          <p:spPr>
+            <a:xfrm flipV="1">
+              <a:off x="3763138" y="2827175"/>
+              <a:ext cx="0" cy="373225"/>
+            </a:xfrm>
+            <a:prstGeom prst="line">
+              <a:avLst/>
+            </a:prstGeom>
+            <a:ln>
+              <a:solidFill>
+                <a:srgbClr val="C00000"/>
+              </a:solidFill>
+              <a:prstDash val="sysDash"/>
+              <a:headEnd type="none" w="med" len="med"/>
+              <a:tailEnd type="none" w="med" len="med"/>
+            </a:ln>
+          </p:spPr>
+          <p:style>
+            <a:lnRef idx="1">
+              <a:schemeClr val="accent1"/>
+            </a:lnRef>
+            <a:fillRef idx="0">
+              <a:schemeClr val="accent1"/>
+            </a:fillRef>
+            <a:effectRef idx="0">
+              <a:schemeClr val="accent1"/>
+            </a:effectRef>
+            <a:fontRef idx="minor">
+              <a:schemeClr val="tx1"/>
+            </a:fontRef>
+          </p:style>
+        </p:cxnSp>
+        <p:sp>
+          <p:nvSpPr>
+            <p:cNvPr id="125" name="Rectangle 124"/>
+            <p:cNvSpPr/>
+            <p:nvPr/>
+          </p:nvSpPr>
+          <p:spPr>
+            <a:xfrm>
+              <a:off x="-27309" y="2938790"/>
+              <a:ext cx="483625" cy="253916"/>
+            </a:xfrm>
+            <a:prstGeom prst="rect">
+              <a:avLst/>
+            </a:prstGeom>
+          </p:spPr>
+          <p:txBody>
+            <a:bodyPr wrap="square">
+              <a:spAutoFit/>
+            </a:bodyPr>
+            <a:lstStyle/>
+            <a:p>
+              <a:pPr algn="ctr"/>
+              <a:r>
+                <a:rPr lang="en-US" sz="1050" dirty="0" smtClean="0">
+                  <a:solidFill>
+                    <a:srgbClr val="C00000"/>
+                  </a:solidFill>
+                  <a:latin typeface="Raleway Medium" pitchFamily="34" charset="0"/>
+                </a:rPr>
+                <a:t>IRQs</a:t>
+              </a:r>
+              <a:endParaRPr lang="en-US" sz="1050" dirty="0">
+                <a:solidFill>
+                  <a:srgbClr val="C00000"/>
+                </a:solidFill>
+                <a:latin typeface="Raleway Medium" pitchFamily="34" charset="0"/>
+              </a:endParaRPr>
+            </a:p>
+          </p:txBody>
+        </p:sp>
+        <p:sp>
+          <p:nvSpPr>
+            <p:cNvPr id="126" name="Rectangle 125"/>
+            <p:cNvSpPr/>
+            <p:nvPr/>
+          </p:nvSpPr>
+          <p:spPr>
+            <a:xfrm>
+              <a:off x="844330" y="3298197"/>
+              <a:ext cx="8292050" cy="435603"/>
+            </a:xfrm>
+            <a:prstGeom prst="rect">
+              <a:avLst/>
+            </a:prstGeom>
+            <a:solidFill>
+              <a:schemeClr val="bg1">
+                <a:lumMod val="50000"/>
+                <a:alpha val="16000"/>
+              </a:schemeClr>
+            </a:solidFill>
+            <a:ln>
+              <a:noFill/>
+            </a:ln>
+          </p:spPr>
+          <p:style>
+            <a:lnRef idx="2">
+              <a:schemeClr val="accent1">
+                <a:shade val="50000"/>
+              </a:schemeClr>
+            </a:lnRef>
+            <a:fillRef idx="1">
+              <a:schemeClr val="accent1"/>
+            </a:fillRef>
+            <a:effectRef idx="0">
+              <a:schemeClr val="accent1"/>
+            </a:effectRef>
+            <a:fontRef idx="minor">
+              <a:schemeClr val="lt1"/>
+            </a:fontRef>
+          </p:style>
+          <p:txBody>
+            <a:bodyPr rtlCol="0" anchor="ctr"/>
+            <a:lstStyle/>
+            <a:p>
+              <a:pPr algn="ctr"/>
+              <a:endParaRPr lang="en-US"/>
+            </a:p>
+          </p:txBody>
+        </p:sp>
+        <p:sp>
+          <p:nvSpPr>
+            <p:cNvPr id="128" name="TextBox 127"/>
+            <p:cNvSpPr txBox="1"/>
+            <p:nvPr/>
+          </p:nvSpPr>
+          <p:spPr>
+            <a:xfrm>
+              <a:off x="933417" y="3378200"/>
+              <a:ext cx="2133600" cy="276999"/>
+            </a:xfrm>
+            <a:prstGeom prst="rect">
+              <a:avLst/>
+            </a:prstGeom>
+            <a:noFill/>
+          </p:spPr>
+          <p:txBody>
+            <a:bodyPr wrap="square" rtlCol="0">
+              <a:spAutoFit/>
+            </a:bodyPr>
+            <a:lstStyle/>
+            <a:p>
+              <a:r>
+                <a:rPr lang="en-US" sz="1200" dirty="0" smtClean="0">
+                  <a:latin typeface="Raleway Medium" pitchFamily="34" charset="0"/>
+                </a:rPr>
+                <a:t>Configuration</a:t>
+              </a:r>
+              <a:endParaRPr lang="en-US" sz="1200" dirty="0">
+                <a:latin typeface="Raleway Medium" pitchFamily="34" charset="0"/>
+              </a:endParaRPr>
+            </a:p>
+          </p:txBody>
+        </p:sp>
+        <p:sp>
+          <p:nvSpPr>
+            <p:cNvPr id="129" name="Trapezoid 128"/>
+            <p:cNvSpPr/>
+            <p:nvPr/>
+          </p:nvSpPr>
+          <p:spPr>
+            <a:xfrm>
+              <a:off x="5715000" y="2286000"/>
+              <a:ext cx="1885983" cy="313049"/>
+            </a:xfrm>
+            <a:prstGeom prst="trapezoid">
+              <a:avLst>
+                <a:gd name="adj" fmla="val 73682"/>
+              </a:avLst>
+            </a:prstGeom>
+            <a:solidFill>
+              <a:schemeClr val="bg1"/>
+            </a:solidFill>
+            <a:ln w="12700">
+              <a:solidFill>
+                <a:schemeClr val="tx1"/>
+              </a:solidFill>
+            </a:ln>
+          </p:spPr>
+          <p:style>
+            <a:lnRef idx="2">
+              <a:schemeClr val="accent1">
+                <a:shade val="50000"/>
+              </a:schemeClr>
+            </a:lnRef>
+            <a:fillRef idx="1">
+              <a:schemeClr val="accent1"/>
+            </a:fillRef>
+            <a:effectRef idx="0">
+              <a:schemeClr val="accent1"/>
+            </a:effectRef>
+            <a:fontRef idx="minor">
+              <a:schemeClr val="lt1"/>
+            </a:fontRef>
+          </p:style>
+          <p:txBody>
+            <a:bodyPr rtlCol="0" anchor="ctr"/>
+            <a:lstStyle/>
+            <a:p>
+              <a:pPr algn="ctr"/>
+              <a:endParaRPr lang="en-US"/>
+            </a:p>
+          </p:txBody>
+        </p:sp>
+        <p:cxnSp>
+          <p:nvCxnSpPr>
+            <p:cNvPr id="130" name="Straight Connector 129"/>
+            <p:cNvCxnSpPr/>
+            <p:nvPr/>
+          </p:nvCxnSpPr>
+          <p:spPr>
+            <a:xfrm flipV="1">
+              <a:off x="6651502" y="1906841"/>
+              <a:ext cx="0" cy="359576"/>
+            </a:xfrm>
+            <a:prstGeom prst="line">
+              <a:avLst/>
+            </a:prstGeom>
+            <a:ln>
+              <a:solidFill>
+                <a:schemeClr val="tx1"/>
+              </a:solidFill>
+              <a:prstDash val="sysDash"/>
+              <a:headEnd type="none" w="med" len="med"/>
+              <a:tailEnd type="arrow" w="med" len="med"/>
+            </a:ln>
+          </p:spPr>
+          <p:style>
+            <a:lnRef idx="1">
+              <a:schemeClr val="accent1"/>
+            </a:lnRef>
+            <a:fillRef idx="0">
+              <a:schemeClr val="accent1"/>
+            </a:fillRef>
+            <a:effectRef idx="0">
+              <a:schemeClr val="accent1"/>
+            </a:effectRef>
+            <a:fontRef idx="minor">
+              <a:schemeClr val="tx1"/>
+            </a:fontRef>
+          </p:style>
+        </p:cxnSp>
+        <p:grpSp>
+          <p:nvGrpSpPr>
+            <p:cNvPr id="131" name="Group 130"/>
+            <p:cNvGrpSpPr/>
+            <p:nvPr/>
+          </p:nvGrpSpPr>
+          <p:grpSpPr>
+            <a:xfrm>
+              <a:off x="5048216" y="1105342"/>
+              <a:ext cx="1446761" cy="996508"/>
+              <a:chOff x="3361050" y="1139422"/>
+              <a:chExt cx="448950" cy="996508"/>
+            </a:xfrm>
+          </p:grpSpPr>
+          <p:cxnSp>
+            <p:nvCxnSpPr>
+              <p:cNvPr id="132" name="Straight Connector 131"/>
+              <p:cNvCxnSpPr/>
+              <p:nvPr/>
+            </p:nvCxnSpPr>
+            <p:spPr>
+              <a:xfrm>
+                <a:off x="3361050" y="1139422"/>
+                <a:ext cx="448950" cy="0"/>
+              </a:xfrm>
+              <a:prstGeom prst="line">
+                <a:avLst/>
+              </a:prstGeom>
+              <a:ln>
+                <a:solidFill>
+                  <a:schemeClr val="tx1"/>
+                </a:solidFill>
+                <a:headEnd type="none" w="med" len="med"/>
+                <a:tailEnd type="triangle" w="med" len="med"/>
+              </a:ln>
+            </p:spPr>
+            <p:style>
+              <a:lnRef idx="1">
+                <a:schemeClr val="accent1"/>
+              </a:lnRef>
+              <a:fillRef idx="0">
+                <a:schemeClr val="accent1"/>
+              </a:fillRef>
+              <a:effectRef idx="0">
+                <a:schemeClr val="accent1"/>
+              </a:effectRef>
+              <a:fontRef idx="minor">
+                <a:schemeClr val="tx1"/>
+              </a:fontRef>
+            </p:style>
+          </p:cxnSp>
+          <p:cxnSp>
+            <p:nvCxnSpPr>
+              <p:cNvPr id="133" name="Straight Connector 132"/>
+              <p:cNvCxnSpPr/>
+              <p:nvPr/>
+            </p:nvCxnSpPr>
+            <p:spPr>
+              <a:xfrm>
+                <a:off x="3361050" y="1477578"/>
+                <a:ext cx="448950" cy="0"/>
+              </a:xfrm>
+              <a:prstGeom prst="line">
+                <a:avLst/>
+              </a:prstGeom>
+              <a:ln>
+                <a:solidFill>
+                  <a:schemeClr val="tx1"/>
+                </a:solidFill>
+                <a:headEnd type="none" w="med" len="med"/>
+                <a:tailEnd type="triangle" w="med" len="med"/>
+              </a:ln>
+            </p:spPr>
+            <p:style>
+              <a:lnRef idx="1">
+                <a:schemeClr val="accent1"/>
+              </a:lnRef>
+              <a:fillRef idx="0">
+                <a:schemeClr val="accent1"/>
+              </a:fillRef>
+              <a:effectRef idx="0">
+                <a:schemeClr val="accent1"/>
+              </a:effectRef>
+              <a:fontRef idx="minor">
+                <a:schemeClr val="tx1"/>
+              </a:fontRef>
+            </p:style>
+          </p:cxnSp>
+          <p:cxnSp>
+            <p:nvCxnSpPr>
+              <p:cNvPr id="134" name="Straight Connector 133"/>
+              <p:cNvCxnSpPr/>
+              <p:nvPr/>
+            </p:nvCxnSpPr>
+            <p:spPr>
+              <a:xfrm>
+                <a:off x="3361050" y="1797114"/>
+                <a:ext cx="448950" cy="0"/>
+              </a:xfrm>
+              <a:prstGeom prst="line">
+                <a:avLst/>
+              </a:prstGeom>
+              <a:ln>
+                <a:solidFill>
+                  <a:schemeClr val="tx1"/>
+                </a:solidFill>
+                <a:headEnd type="none" w="med" len="med"/>
+                <a:tailEnd type="triangle" w="med" len="med"/>
+              </a:ln>
+            </p:spPr>
+            <p:style>
+              <a:lnRef idx="1">
+                <a:schemeClr val="accent1"/>
+              </a:lnRef>
+              <a:fillRef idx="0">
+                <a:schemeClr val="accent1"/>
+              </a:fillRef>
+              <a:effectRef idx="0">
+                <a:schemeClr val="accent1"/>
+              </a:effectRef>
+              <a:fontRef idx="minor">
+                <a:schemeClr val="tx1"/>
+              </a:fontRef>
+            </p:style>
+          </p:cxnSp>
+          <p:cxnSp>
+            <p:nvCxnSpPr>
+              <p:cNvPr id="135" name="Straight Connector 134"/>
+              <p:cNvCxnSpPr/>
+              <p:nvPr/>
+            </p:nvCxnSpPr>
+            <p:spPr>
+              <a:xfrm>
+                <a:off x="3361050" y="2135930"/>
+                <a:ext cx="448950" cy="0"/>
+              </a:xfrm>
+              <a:prstGeom prst="line">
+                <a:avLst/>
+              </a:prstGeom>
+              <a:ln>
+                <a:solidFill>
+                  <a:schemeClr val="tx1"/>
+                </a:solidFill>
+                <a:headEnd type="none" w="med" len="med"/>
+                <a:tailEnd type="triangle" w="med" len="med"/>
+              </a:ln>
+            </p:spPr>
+            <p:style>
+              <a:lnRef idx="1">
+                <a:schemeClr val="accent1"/>
+              </a:lnRef>
+              <a:fillRef idx="0">
+                <a:schemeClr val="accent1"/>
+              </a:fillRef>
+              <a:effectRef idx="0">
+                <a:schemeClr val="accent1"/>
+              </a:effectRef>
+              <a:fontRef idx="minor">
+                <a:schemeClr val="tx1"/>
+              </a:fontRef>
+            </p:style>
+          </p:cxnSp>
+        </p:grpSp>
+        <p:sp>
+          <p:nvSpPr>
+            <p:cNvPr id="139" name="Rectangle 138"/>
+            <p:cNvSpPr/>
+            <p:nvPr/>
+          </p:nvSpPr>
+          <p:spPr>
+            <a:xfrm>
+              <a:off x="3656465" y="3359473"/>
+              <a:ext cx="1259505" cy="313049"/>
+            </a:xfrm>
+            <a:prstGeom prst="rect">
+              <a:avLst/>
+            </a:prstGeom>
+            <a:solidFill>
+              <a:schemeClr val="accent4"/>
+            </a:solidFill>
+            <a:ln w="12700">
+              <a:noFill/>
+            </a:ln>
+          </p:spPr>
+          <p:style>
+            <a:lnRef idx="2">
+              <a:schemeClr val="accent1">
+                <a:shade val="50000"/>
+              </a:schemeClr>
+            </a:lnRef>
+            <a:fillRef idx="1">
+              <a:schemeClr val="accent1"/>
+            </a:fillRef>
+            <a:effectRef idx="0">
+              <a:schemeClr val="accent1"/>
+            </a:effectRef>
+            <a:fontRef idx="minor">
+              <a:schemeClr val="lt1"/>
+            </a:fontRef>
+          </p:style>
+          <p:txBody>
+            <a:bodyPr rtlCol="0" anchor="ctr"/>
+            <a:lstStyle/>
+            <a:p>
+              <a:pPr algn="ctr"/>
+              <a:r>
+                <a:rPr lang="en-US" sz="1100" dirty="0" smtClean="0">
+                  <a:solidFill>
+                    <a:schemeClr val="tx1"/>
+                  </a:solidFill>
+                  <a:latin typeface="Raleway Medium" pitchFamily="34" charset="0"/>
+                </a:rPr>
+                <a:t>User Thresholds</a:t>
+              </a:r>
+              <a:endParaRPr lang="en-US" sz="1000" dirty="0">
+                <a:solidFill>
+                  <a:schemeClr val="tx1"/>
+                </a:solidFill>
+                <a:latin typeface="Raleway Medium" pitchFamily="34" charset="0"/>
+              </a:endParaRPr>
+            </a:p>
+          </p:txBody>
+        </p:sp>
+        <p:sp>
+          <p:nvSpPr>
+            <p:cNvPr id="140" name="Rectangle 139"/>
+            <p:cNvSpPr/>
+            <p:nvPr/>
+          </p:nvSpPr>
+          <p:spPr>
+            <a:xfrm>
+              <a:off x="5204297" y="3359473"/>
+              <a:ext cx="583221" cy="313049"/>
+            </a:xfrm>
+            <a:prstGeom prst="rect">
+              <a:avLst/>
+            </a:prstGeom>
+            <a:solidFill>
+              <a:schemeClr val="accent4"/>
+            </a:solidFill>
+            <a:ln w="12700">
+              <a:noFill/>
+            </a:ln>
+          </p:spPr>
+          <p:style>
+            <a:lnRef idx="2">
+              <a:schemeClr val="accent1">
+                <a:shade val="50000"/>
+              </a:schemeClr>
+            </a:lnRef>
+            <a:fillRef idx="1">
+              <a:schemeClr val="accent1"/>
+            </a:fillRef>
+            <a:effectRef idx="0">
+              <a:schemeClr val="accent1"/>
+            </a:effectRef>
+            <a:fontRef idx="minor">
+              <a:schemeClr val="lt1"/>
+            </a:fontRef>
+          </p:style>
+          <p:txBody>
+            <a:bodyPr rtlCol="0" anchor="ctr"/>
+            <a:lstStyle/>
+            <a:p>
+              <a:pPr algn="ctr"/>
+              <a:r>
+                <a:rPr lang="en-US" sz="1100" dirty="0" smtClean="0">
+                  <a:solidFill>
+                    <a:schemeClr val="tx1"/>
+                  </a:solidFill>
+                  <a:latin typeface="Raleway Medium" pitchFamily="34" charset="0"/>
+                </a:rPr>
+                <a:t>Mode</a:t>
+              </a:r>
+              <a:endParaRPr lang="en-US" sz="1000" dirty="0">
+                <a:solidFill>
+                  <a:schemeClr val="tx1"/>
+                </a:solidFill>
+                <a:latin typeface="Raleway Medium" pitchFamily="34" charset="0"/>
+              </a:endParaRPr>
+            </a:p>
+          </p:txBody>
+        </p:sp>
+        <p:sp>
+          <p:nvSpPr>
+            <p:cNvPr id="141" name="Rectangle 140"/>
+            <p:cNvSpPr/>
+            <p:nvPr/>
+          </p:nvSpPr>
+          <p:spPr>
+            <a:xfrm>
+              <a:off x="5882426" y="3359473"/>
+              <a:ext cx="1555255" cy="313049"/>
+            </a:xfrm>
+            <a:prstGeom prst="rect">
+              <a:avLst/>
+            </a:prstGeom>
+            <a:solidFill>
+              <a:schemeClr val="accent4"/>
+            </a:solidFill>
+            <a:ln w="12700">
+              <a:noFill/>
+            </a:ln>
+          </p:spPr>
+          <p:style>
+            <a:lnRef idx="2">
+              <a:schemeClr val="accent1">
+                <a:shade val="50000"/>
+              </a:schemeClr>
+            </a:lnRef>
+            <a:fillRef idx="1">
+              <a:schemeClr val="accent1"/>
+            </a:fillRef>
+            <a:effectRef idx="0">
+              <a:schemeClr val="accent1"/>
+            </a:effectRef>
+            <a:fontRef idx="minor">
+              <a:schemeClr val="lt1"/>
+            </a:fontRef>
+          </p:style>
+          <p:txBody>
+            <a:bodyPr rtlCol="0" anchor="ctr"/>
+            <a:lstStyle/>
+            <a:p>
+              <a:pPr algn="ctr"/>
+              <a:r>
+                <a:rPr lang="en-US" sz="1100" dirty="0" err="1" smtClean="0">
+                  <a:solidFill>
+                    <a:schemeClr val="tx1"/>
+                  </a:solidFill>
+                  <a:latin typeface="Raleway Medium" pitchFamily="34" charset="0"/>
+                </a:rPr>
+                <a:t>Sched</a:t>
+              </a:r>
+              <a:r>
+                <a:rPr lang="en-US" sz="1100" dirty="0" smtClean="0">
+                  <a:solidFill>
+                    <a:schemeClr val="tx1"/>
+                  </a:solidFill>
+                  <a:latin typeface="Raleway Medium" pitchFamily="34" charset="0"/>
+                </a:rPr>
+                <a:t>. </a:t>
+              </a:r>
+              <a:r>
+                <a:rPr lang="en-US" sz="1100" dirty="0" smtClean="0">
+                  <a:solidFill>
+                    <a:schemeClr val="tx1"/>
+                  </a:solidFill>
+                  <a:latin typeface="Raleway Medium" pitchFamily="34" charset="0"/>
+                </a:rPr>
+                <a:t>Parameters</a:t>
+              </a:r>
+              <a:endParaRPr lang="en-US" sz="1000" dirty="0">
+                <a:solidFill>
+                  <a:schemeClr val="tx1"/>
+                </a:solidFill>
+                <a:latin typeface="Raleway Medium" pitchFamily="34" charset="0"/>
+              </a:endParaRPr>
+            </a:p>
+          </p:txBody>
+        </p:sp>
+        <p:cxnSp>
+          <p:nvCxnSpPr>
+            <p:cNvPr id="142" name="Straight Connector 141"/>
+            <p:cNvCxnSpPr>
+              <a:stCxn id="139" idx="0"/>
+            </p:cNvCxnSpPr>
+            <p:nvPr/>
+          </p:nvCxnSpPr>
+          <p:spPr>
+            <a:xfrm flipH="1" flipV="1">
+              <a:off x="4286215" y="2824196"/>
+              <a:ext cx="3" cy="535277"/>
+            </a:xfrm>
+            <a:prstGeom prst="line">
+              <a:avLst/>
+            </a:prstGeom>
+            <a:ln>
+              <a:solidFill>
+                <a:schemeClr val="tx1"/>
+              </a:solidFill>
+              <a:prstDash val="sysDash"/>
+              <a:headEnd type="none" w="med" len="med"/>
+              <a:tailEnd type="arrow" w="med" len="med"/>
+            </a:ln>
+          </p:spPr>
+          <p:style>
+            <a:lnRef idx="1">
+              <a:schemeClr val="accent1"/>
+            </a:lnRef>
+            <a:fillRef idx="0">
+              <a:schemeClr val="accent1"/>
+            </a:fillRef>
+            <a:effectRef idx="0">
+              <a:schemeClr val="accent1"/>
+            </a:effectRef>
+            <a:fontRef idx="minor">
+              <a:schemeClr val="tx1"/>
+            </a:fontRef>
+          </p:style>
+        </p:cxnSp>
+        <p:cxnSp>
+          <p:nvCxnSpPr>
+            <p:cNvPr id="143" name="Straight Connector 142"/>
+            <p:cNvCxnSpPr/>
+            <p:nvPr/>
+          </p:nvCxnSpPr>
+          <p:spPr>
+            <a:xfrm flipH="1" flipV="1">
+              <a:off x="6014415" y="3122255"/>
+              <a:ext cx="1" cy="243309"/>
+            </a:xfrm>
+            <a:prstGeom prst="line">
+              <a:avLst/>
+            </a:prstGeom>
+            <a:ln>
+              <a:solidFill>
+                <a:schemeClr val="tx1"/>
+              </a:solidFill>
+              <a:prstDash val="sysDash"/>
+              <a:headEnd type="none" w="med" len="med"/>
+              <a:tailEnd type="arrow" w="med" len="med"/>
+            </a:ln>
+          </p:spPr>
+          <p:style>
+            <a:lnRef idx="1">
+              <a:schemeClr val="accent1"/>
+            </a:lnRef>
+            <a:fillRef idx="0">
+              <a:schemeClr val="accent1"/>
+            </a:fillRef>
+            <a:effectRef idx="0">
+              <a:schemeClr val="accent1"/>
+            </a:effectRef>
+            <a:fontRef idx="minor">
+              <a:schemeClr val="tx1"/>
+            </a:fontRef>
+          </p:style>
+        </p:cxnSp>
+        <p:cxnSp>
+          <p:nvCxnSpPr>
+            <p:cNvPr id="144" name="Straight Connector 143"/>
+            <p:cNvCxnSpPr/>
+            <p:nvPr/>
+          </p:nvCxnSpPr>
+          <p:spPr>
+            <a:xfrm flipH="1" flipV="1">
+              <a:off x="6667368" y="3122255"/>
+              <a:ext cx="1" cy="243309"/>
+            </a:xfrm>
+            <a:prstGeom prst="line">
+              <a:avLst/>
+            </a:prstGeom>
+            <a:ln>
+              <a:solidFill>
+                <a:schemeClr val="tx1"/>
+              </a:solidFill>
+              <a:prstDash val="sysDash"/>
+              <a:headEnd type="none" w="med" len="med"/>
+              <a:tailEnd type="arrow" w="med" len="med"/>
+            </a:ln>
+          </p:spPr>
+          <p:style>
+            <a:lnRef idx="1">
+              <a:schemeClr val="accent1"/>
+            </a:lnRef>
+            <a:fillRef idx="0">
+              <a:schemeClr val="accent1"/>
+            </a:fillRef>
+            <a:effectRef idx="0">
+              <a:schemeClr val="accent1"/>
+            </a:effectRef>
+            <a:fontRef idx="minor">
+              <a:schemeClr val="tx1"/>
+            </a:fontRef>
+          </p:style>
+        </p:cxnSp>
+        <p:cxnSp>
+          <p:nvCxnSpPr>
+            <p:cNvPr id="145" name="Straight Connector 144"/>
+            <p:cNvCxnSpPr/>
+            <p:nvPr/>
+          </p:nvCxnSpPr>
+          <p:spPr>
+            <a:xfrm flipH="1" flipV="1">
+              <a:off x="7305543" y="3122255"/>
+              <a:ext cx="1" cy="243309"/>
+            </a:xfrm>
+            <a:prstGeom prst="line">
+              <a:avLst/>
+            </a:prstGeom>
+            <a:ln>
+              <a:solidFill>
+                <a:schemeClr val="tx1"/>
+              </a:solidFill>
+              <a:prstDash val="sysDash"/>
+              <a:headEnd type="none" w="med" len="med"/>
+              <a:tailEnd type="arrow" w="med" len="med"/>
+            </a:ln>
+          </p:spPr>
+          <p:style>
+            <a:lnRef idx="1">
+              <a:schemeClr val="accent1"/>
+            </a:lnRef>
+            <a:fillRef idx="0">
+              <a:schemeClr val="accent1"/>
+            </a:fillRef>
+            <a:effectRef idx="0">
+              <a:schemeClr val="accent1"/>
+            </a:effectRef>
+            <a:fontRef idx="minor">
+              <a:schemeClr val="tx1"/>
+            </a:fontRef>
+          </p:style>
+        </p:cxnSp>
+        <p:sp>
+          <p:nvSpPr>
+            <p:cNvPr id="136" name="Rectangle 135"/>
+            <p:cNvSpPr/>
+            <p:nvPr/>
+          </p:nvSpPr>
+          <p:spPr>
+            <a:xfrm>
+              <a:off x="5719124" y="2743201"/>
+              <a:ext cx="590583" cy="313049"/>
+            </a:xfrm>
+            <a:prstGeom prst="rect">
+              <a:avLst/>
+            </a:prstGeom>
+            <a:solidFill>
+              <a:schemeClr val="bg1"/>
+            </a:solidFill>
+            <a:ln w="12700">
+              <a:solidFill>
+                <a:schemeClr val="tx1"/>
+              </a:solidFill>
+            </a:ln>
+          </p:spPr>
+          <p:style>
+            <a:lnRef idx="2">
+              <a:schemeClr val="accent1">
+                <a:shade val="50000"/>
+              </a:schemeClr>
+            </a:lnRef>
+            <a:fillRef idx="1">
+              <a:schemeClr val="accent1"/>
+            </a:fillRef>
+            <a:effectRef idx="0">
+              <a:schemeClr val="accent1"/>
+            </a:effectRef>
+            <a:fontRef idx="minor">
+              <a:schemeClr val="lt1"/>
+            </a:fontRef>
+          </p:style>
+          <p:txBody>
+            <a:bodyPr rtlCol="0" anchor="ctr"/>
+            <a:lstStyle/>
+            <a:p>
+              <a:pPr algn="ctr"/>
+              <a:r>
+                <a:rPr lang="en-US" sz="1100" dirty="0" smtClean="0">
+                  <a:solidFill>
+                    <a:schemeClr val="tx1"/>
+                  </a:solidFill>
+                  <a:latin typeface="Raleway Medium" pitchFamily="34" charset="0"/>
+                </a:rPr>
+                <a:t>TDMA</a:t>
+              </a:r>
+              <a:endParaRPr lang="en-US" sz="1000" dirty="0">
+                <a:solidFill>
+                  <a:schemeClr val="tx1"/>
+                </a:solidFill>
+                <a:latin typeface="Raleway Medium" pitchFamily="34" charset="0"/>
+              </a:endParaRPr>
+            </a:p>
+          </p:txBody>
+        </p:sp>
+        <p:sp>
+          <p:nvSpPr>
+            <p:cNvPr id="137" name="Rectangle 136"/>
+            <p:cNvSpPr/>
+            <p:nvPr/>
+          </p:nvSpPr>
+          <p:spPr>
+            <a:xfrm>
+              <a:off x="6371326" y="2743201"/>
+              <a:ext cx="590583" cy="313049"/>
+            </a:xfrm>
+            <a:prstGeom prst="rect">
+              <a:avLst/>
+            </a:prstGeom>
+            <a:solidFill>
+              <a:schemeClr val="bg1"/>
+            </a:solidFill>
+            <a:ln w="12700">
+              <a:solidFill>
+                <a:schemeClr val="tx1"/>
+              </a:solidFill>
+            </a:ln>
+          </p:spPr>
+          <p:style>
+            <a:lnRef idx="2">
+              <a:schemeClr val="accent1">
+                <a:shade val="50000"/>
+              </a:schemeClr>
+            </a:lnRef>
+            <a:fillRef idx="1">
+              <a:schemeClr val="accent1"/>
+            </a:fillRef>
+            <a:effectRef idx="0">
+              <a:schemeClr val="accent1"/>
+            </a:effectRef>
+            <a:fontRef idx="minor">
+              <a:schemeClr val="lt1"/>
+            </a:fontRef>
+          </p:style>
+          <p:txBody>
+            <a:bodyPr rtlCol="0" anchor="ctr"/>
+            <a:lstStyle/>
+            <a:p>
+              <a:pPr algn="ctr"/>
+              <a:r>
+                <a:rPr lang="en-US" sz="1100" dirty="0" smtClean="0">
+                  <a:solidFill>
+                    <a:schemeClr val="tx1"/>
+                  </a:solidFill>
+                  <a:latin typeface="Raleway Medium" pitchFamily="34" charset="0"/>
+                </a:rPr>
+                <a:t>FP</a:t>
+              </a:r>
+              <a:endParaRPr lang="en-US" sz="1000" dirty="0">
+                <a:solidFill>
+                  <a:schemeClr val="tx1"/>
+                </a:solidFill>
+                <a:latin typeface="Raleway Medium" pitchFamily="34" charset="0"/>
+              </a:endParaRPr>
+            </a:p>
+          </p:txBody>
+        </p:sp>
+        <p:sp>
+          <p:nvSpPr>
+            <p:cNvPr id="138" name="Rectangle 137"/>
+            <p:cNvSpPr/>
+            <p:nvPr/>
+          </p:nvSpPr>
+          <p:spPr>
+            <a:xfrm>
+              <a:off x="7010400" y="2743201"/>
+              <a:ext cx="590583" cy="313049"/>
+            </a:xfrm>
+            <a:prstGeom prst="rect">
+              <a:avLst/>
+            </a:prstGeom>
+            <a:solidFill>
+              <a:schemeClr val="bg1"/>
+            </a:solidFill>
+            <a:ln w="12700">
+              <a:solidFill>
+                <a:schemeClr val="tx1"/>
+              </a:solidFill>
+            </a:ln>
+          </p:spPr>
+          <p:style>
+            <a:lnRef idx="2">
+              <a:schemeClr val="accent1">
+                <a:shade val="50000"/>
+              </a:schemeClr>
+            </a:lnRef>
+            <a:fillRef idx="1">
+              <a:schemeClr val="accent1"/>
+            </a:fillRef>
+            <a:effectRef idx="0">
+              <a:schemeClr val="accent1"/>
+            </a:effectRef>
+            <a:fontRef idx="minor">
+              <a:schemeClr val="lt1"/>
+            </a:fontRef>
+          </p:style>
+          <p:txBody>
+            <a:bodyPr rtlCol="0" anchor="ctr"/>
+            <a:lstStyle/>
+            <a:p>
+              <a:pPr algn="ctr"/>
+              <a:r>
+                <a:rPr lang="en-US" sz="1100" dirty="0" smtClean="0">
+                  <a:solidFill>
+                    <a:schemeClr val="tx1"/>
+                  </a:solidFill>
+                  <a:latin typeface="Raleway Medium" pitchFamily="34" charset="0"/>
+                </a:rPr>
+                <a:t>TS</a:t>
+              </a:r>
+              <a:endParaRPr lang="en-US" sz="1000" dirty="0">
+                <a:solidFill>
+                  <a:schemeClr val="tx1"/>
+                </a:solidFill>
+                <a:latin typeface="Raleway Medium" pitchFamily="34" charset="0"/>
+              </a:endParaRPr>
+            </a:p>
+          </p:txBody>
+        </p:sp>
+        <p:cxnSp>
+          <p:nvCxnSpPr>
+            <p:cNvPr id="146" name="Straight Connector 145"/>
+            <p:cNvCxnSpPr/>
+            <p:nvPr/>
+          </p:nvCxnSpPr>
+          <p:spPr>
+            <a:xfrm>
+              <a:off x="5495907" y="2493166"/>
+              <a:ext cx="533404" cy="0"/>
+            </a:xfrm>
+            <a:prstGeom prst="line">
+              <a:avLst/>
+            </a:prstGeom>
+            <a:ln>
+              <a:solidFill>
+                <a:schemeClr val="tx1"/>
+              </a:solidFill>
+              <a:prstDash val="sysDash"/>
+              <a:headEnd type="none" w="med" len="med"/>
+              <a:tailEnd type="arrow" w="med" len="med"/>
+            </a:ln>
+          </p:spPr>
+          <p:style>
+            <a:lnRef idx="1">
+              <a:schemeClr val="accent1"/>
+            </a:lnRef>
+            <a:fillRef idx="0">
+              <a:schemeClr val="accent1"/>
+            </a:fillRef>
+            <a:effectRef idx="0">
+              <a:schemeClr val="accent1"/>
+            </a:effectRef>
+            <a:fontRef idx="minor">
+              <a:schemeClr val="tx1"/>
+            </a:fontRef>
+          </p:style>
+        </p:cxnSp>
+        <p:cxnSp>
+          <p:nvCxnSpPr>
+            <p:cNvPr id="150" name="Straight Connector 149"/>
+            <p:cNvCxnSpPr/>
+            <p:nvPr/>
+          </p:nvCxnSpPr>
+          <p:spPr>
+            <a:xfrm flipV="1">
+              <a:off x="5495907" y="2489291"/>
+              <a:ext cx="0" cy="870182"/>
+            </a:xfrm>
+            <a:prstGeom prst="line">
+              <a:avLst/>
+            </a:prstGeom>
+            <a:ln>
+              <a:solidFill>
+                <a:schemeClr val="tx1"/>
+              </a:solidFill>
+              <a:prstDash val="sysDash"/>
+              <a:headEnd type="none" w="med" len="med"/>
+              <a:tailEnd type="none" w="med" len="med"/>
+            </a:ln>
+          </p:spPr>
+          <p:style>
+            <a:lnRef idx="1">
+              <a:schemeClr val="accent1"/>
+            </a:lnRef>
+            <a:fillRef idx="0">
+              <a:schemeClr val="accent1"/>
+            </a:fillRef>
+            <a:effectRef idx="0">
+              <a:schemeClr val="accent1"/>
+            </a:effectRef>
+            <a:fontRef idx="minor">
+              <a:schemeClr val="tx1"/>
+            </a:fontRef>
+          </p:style>
+        </p:cxnSp>
+        <p:sp>
+          <p:nvSpPr>
+            <p:cNvPr id="151" name="TextBox 150"/>
+            <p:cNvSpPr txBox="1"/>
+            <p:nvPr/>
+          </p:nvSpPr>
+          <p:spPr>
+            <a:xfrm>
+              <a:off x="6118102" y="2308152"/>
+              <a:ext cx="1066800" cy="276999"/>
+            </a:xfrm>
+            <a:prstGeom prst="rect">
+              <a:avLst/>
+            </a:prstGeom>
+            <a:noFill/>
+          </p:spPr>
+          <p:txBody>
+            <a:bodyPr wrap="square" rtlCol="0">
+              <a:spAutoFit/>
+            </a:bodyPr>
+            <a:lstStyle/>
+            <a:p>
+              <a:pPr algn="ctr"/>
+              <a:r>
+                <a:rPr lang="en-US" sz="1200" dirty="0" smtClean="0">
+                  <a:latin typeface="Raleway Medium" pitchFamily="34" charset="0"/>
+                </a:rPr>
+                <a:t>Scheduler</a:t>
+              </a:r>
+              <a:endParaRPr lang="en-US" sz="1200" dirty="0">
+                <a:latin typeface="Raleway Medium" pitchFamily="34" charset="0"/>
+              </a:endParaRPr>
+            </a:p>
+          </p:txBody>
+        </p:sp>
+        <p:sp>
+          <p:nvSpPr>
+            <p:cNvPr id="153" name="Rectangle 152"/>
+            <p:cNvSpPr/>
+            <p:nvPr/>
+          </p:nvSpPr>
+          <p:spPr>
+            <a:xfrm>
+              <a:off x="7851471" y="698501"/>
+              <a:ext cx="1284909" cy="2425700"/>
+            </a:xfrm>
+            <a:prstGeom prst="rect">
+              <a:avLst/>
+            </a:prstGeom>
+            <a:solidFill>
+              <a:srgbClr val="C00000">
+                <a:alpha val="16000"/>
+              </a:srgbClr>
+            </a:solidFill>
+            <a:ln>
+              <a:noFill/>
+            </a:ln>
+          </p:spPr>
+          <p:style>
+            <a:lnRef idx="2">
+              <a:schemeClr val="accent1">
+                <a:shade val="50000"/>
+              </a:schemeClr>
+            </a:lnRef>
+            <a:fillRef idx="1">
+              <a:schemeClr val="accent1"/>
+            </a:fillRef>
+            <a:effectRef idx="0">
+              <a:schemeClr val="accent1"/>
+            </a:effectRef>
+            <a:fontRef idx="minor">
+              <a:schemeClr val="lt1"/>
+            </a:fontRef>
+          </p:style>
+          <p:txBody>
+            <a:bodyPr rtlCol="0" anchor="ctr"/>
+            <a:lstStyle/>
+            <a:p>
+              <a:pPr algn="ctr"/>
+              <a:endParaRPr lang="en-US"/>
+            </a:p>
+          </p:txBody>
+        </p:sp>
+        <p:sp>
+          <p:nvSpPr>
+            <p:cNvPr id="171" name="TextBox 170"/>
+            <p:cNvSpPr txBox="1"/>
+            <p:nvPr/>
+          </p:nvSpPr>
+          <p:spPr>
+            <a:xfrm>
+              <a:off x="7851471" y="698500"/>
+              <a:ext cx="1284909" cy="276999"/>
+            </a:xfrm>
+            <a:prstGeom prst="rect">
+              <a:avLst/>
+            </a:prstGeom>
+            <a:noFill/>
+          </p:spPr>
+          <p:txBody>
+            <a:bodyPr wrap="square" rtlCol="0">
+              <a:spAutoFit/>
+            </a:bodyPr>
+            <a:lstStyle/>
+            <a:p>
+              <a:pPr algn="ctr"/>
+              <a:r>
+                <a:rPr lang="en-US" sz="1200" dirty="0" err="1" smtClean="0">
+                  <a:latin typeface="Raleway Medium" pitchFamily="34" charset="0"/>
+                </a:rPr>
+                <a:t>Serializer</a:t>
+              </a:r>
+              <a:endParaRPr lang="en-US" sz="1200" dirty="0">
+                <a:latin typeface="Raleway Medium" pitchFamily="34" charset="0"/>
+              </a:endParaRPr>
+            </a:p>
+          </p:txBody>
+        </p:sp>
+        <p:grpSp>
+          <p:nvGrpSpPr>
+            <p:cNvPr id="156" name="Group 155"/>
+            <p:cNvGrpSpPr/>
+            <p:nvPr/>
+          </p:nvGrpSpPr>
+          <p:grpSpPr>
+            <a:xfrm>
+              <a:off x="8442986" y="1272742"/>
+              <a:ext cx="569925" cy="628214"/>
+              <a:chOff x="1925701" y="1034751"/>
+              <a:chExt cx="758849" cy="760138"/>
+            </a:xfrm>
+          </p:grpSpPr>
+          <p:sp>
+            <p:nvSpPr>
+              <p:cNvPr id="162" name="Rectangle 161"/>
+              <p:cNvSpPr/>
+              <p:nvPr/>
+            </p:nvSpPr>
+            <p:spPr>
+              <a:xfrm>
+                <a:off x="1925701" y="1034751"/>
+                <a:ext cx="188925" cy="188926"/>
+              </a:xfrm>
+              <a:prstGeom prst="rect">
+                <a:avLst/>
+              </a:prstGeom>
+              <a:solidFill>
+                <a:schemeClr val="bg1"/>
+              </a:solidFill>
+              <a:ln w="12700">
+                <a:solidFill>
+                  <a:schemeClr val="tx1"/>
+                </a:solidFill>
+              </a:ln>
+            </p:spPr>
+            <p:style>
+              <a:lnRef idx="2">
+                <a:schemeClr val="accent1">
+                  <a:shade val="50000"/>
+                </a:schemeClr>
+              </a:lnRef>
+              <a:fillRef idx="1">
+                <a:schemeClr val="accent1"/>
+              </a:fillRef>
+              <a:effectRef idx="0">
+                <a:schemeClr val="accent1"/>
+              </a:effectRef>
+              <a:fontRef idx="minor">
+                <a:schemeClr val="lt1"/>
+              </a:fontRef>
+            </p:style>
+            <p:txBody>
+              <a:bodyPr rtlCol="0" anchor="ctr"/>
+              <a:lstStyle/>
+              <a:p>
+                <a:pPr algn="ctr"/>
+                <a:r>
+                  <a:rPr lang="en-US" sz="1050" dirty="0" smtClean="0">
+                    <a:solidFill>
+                      <a:schemeClr val="tx1"/>
+                    </a:solidFill>
+                  </a:rPr>
+                  <a:t>0</a:t>
+                </a:r>
+                <a:endParaRPr lang="en-US" dirty="0">
+                  <a:solidFill>
+                    <a:schemeClr val="tx1"/>
+                  </a:solidFill>
+                </a:endParaRPr>
+              </a:p>
+            </p:txBody>
+          </p:sp>
+          <p:sp>
+            <p:nvSpPr>
+              <p:cNvPr id="163" name="Rectangle 162"/>
+              <p:cNvSpPr/>
+              <p:nvPr/>
+            </p:nvSpPr>
+            <p:spPr>
+              <a:xfrm>
+                <a:off x="2114626" y="1224897"/>
+                <a:ext cx="188925" cy="188926"/>
+              </a:xfrm>
+              <a:prstGeom prst="rect">
+                <a:avLst/>
+              </a:prstGeom>
+              <a:solidFill>
+                <a:schemeClr val="bg1"/>
+              </a:solidFill>
+              <a:ln w="12700">
+                <a:solidFill>
+                  <a:schemeClr val="tx1"/>
+                </a:solidFill>
+              </a:ln>
+            </p:spPr>
+            <p:style>
+              <a:lnRef idx="2">
+                <a:schemeClr val="accent1">
+                  <a:shade val="50000"/>
+                </a:schemeClr>
+              </a:lnRef>
+              <a:fillRef idx="1">
+                <a:schemeClr val="accent1"/>
+              </a:fillRef>
+              <a:effectRef idx="0">
+                <a:schemeClr val="accent1"/>
+              </a:effectRef>
+              <a:fontRef idx="minor">
+                <a:schemeClr val="lt1"/>
+              </a:fontRef>
+            </p:style>
+            <p:txBody>
+              <a:bodyPr rtlCol="0" anchor="ctr"/>
+              <a:lstStyle/>
+              <a:p>
+                <a:pPr algn="ctr"/>
+                <a:r>
+                  <a:rPr lang="en-US" sz="1050" dirty="0">
+                    <a:solidFill>
+                      <a:schemeClr val="tx1"/>
+                    </a:solidFill>
+                  </a:rPr>
+                  <a:t>1</a:t>
+                </a:r>
+                <a:endParaRPr lang="en-US" dirty="0">
+                  <a:solidFill>
+                    <a:schemeClr val="tx1"/>
+                  </a:solidFill>
+                </a:endParaRPr>
+              </a:p>
+            </p:txBody>
+          </p:sp>
+          <p:sp>
+            <p:nvSpPr>
+              <p:cNvPr id="164" name="Rectangle 163"/>
+              <p:cNvSpPr/>
+              <p:nvPr/>
+            </p:nvSpPr>
+            <p:spPr>
+              <a:xfrm>
+                <a:off x="2306700" y="1415817"/>
+                <a:ext cx="188925" cy="188926"/>
+              </a:xfrm>
+              <a:prstGeom prst="rect">
+                <a:avLst/>
+              </a:prstGeom>
+              <a:solidFill>
+                <a:schemeClr val="bg1"/>
+              </a:solidFill>
+              <a:ln w="12700">
+                <a:solidFill>
+                  <a:schemeClr val="tx1"/>
+                </a:solidFill>
+              </a:ln>
+            </p:spPr>
+            <p:style>
+              <a:lnRef idx="2">
+                <a:schemeClr val="accent1">
+                  <a:shade val="50000"/>
+                </a:schemeClr>
+              </a:lnRef>
+              <a:fillRef idx="1">
+                <a:schemeClr val="accent1"/>
+              </a:fillRef>
+              <a:effectRef idx="0">
+                <a:schemeClr val="accent1"/>
+              </a:effectRef>
+              <a:fontRef idx="minor">
+                <a:schemeClr val="lt1"/>
+              </a:fontRef>
+            </p:style>
+            <p:txBody>
+              <a:bodyPr rtlCol="0" anchor="ctr"/>
+              <a:lstStyle/>
+              <a:p>
+                <a:pPr algn="ctr"/>
+                <a:r>
+                  <a:rPr lang="en-US" sz="1050" dirty="0">
+                    <a:solidFill>
+                      <a:schemeClr val="tx1"/>
+                    </a:solidFill>
+                  </a:rPr>
+                  <a:t>2</a:t>
+                </a:r>
+                <a:endParaRPr lang="en-US" dirty="0">
+                  <a:solidFill>
+                    <a:schemeClr val="tx1"/>
+                  </a:solidFill>
+                </a:endParaRPr>
+              </a:p>
+            </p:txBody>
+          </p:sp>
+          <p:sp>
+            <p:nvSpPr>
+              <p:cNvPr id="165" name="Rectangle 164"/>
+              <p:cNvSpPr/>
+              <p:nvPr/>
+            </p:nvSpPr>
+            <p:spPr>
+              <a:xfrm>
+                <a:off x="2495625" y="1605963"/>
+                <a:ext cx="188925" cy="188926"/>
+              </a:xfrm>
+              <a:prstGeom prst="rect">
+                <a:avLst/>
+              </a:prstGeom>
+              <a:solidFill>
+                <a:schemeClr val="bg1"/>
+              </a:solidFill>
+              <a:ln w="12700">
+                <a:solidFill>
+                  <a:schemeClr val="tx1"/>
+                </a:solidFill>
+              </a:ln>
+            </p:spPr>
+            <p:style>
+              <a:lnRef idx="2">
+                <a:schemeClr val="accent1">
+                  <a:shade val="50000"/>
+                </a:schemeClr>
+              </a:lnRef>
+              <a:fillRef idx="1">
+                <a:schemeClr val="accent1"/>
+              </a:fillRef>
+              <a:effectRef idx="0">
+                <a:schemeClr val="accent1"/>
+              </a:effectRef>
+              <a:fontRef idx="minor">
+                <a:schemeClr val="lt1"/>
+              </a:fontRef>
+            </p:style>
+            <p:txBody>
+              <a:bodyPr rtlCol="0" anchor="ctr"/>
+              <a:lstStyle/>
+              <a:p>
+                <a:pPr algn="ctr"/>
+                <a:r>
+                  <a:rPr lang="en-US" sz="1050" dirty="0" smtClean="0">
+                    <a:solidFill>
+                      <a:schemeClr val="tx1"/>
+                    </a:solidFill>
+                  </a:rPr>
+                  <a:t>3</a:t>
+                </a:r>
+                <a:endParaRPr lang="en-US" dirty="0">
+                  <a:solidFill>
+                    <a:schemeClr val="tx1"/>
+                  </a:solidFill>
+                </a:endParaRPr>
+              </a:p>
+            </p:txBody>
+          </p:sp>
+        </p:grpSp>
+        <p:grpSp>
+          <p:nvGrpSpPr>
+            <p:cNvPr id="157" name="Group 156"/>
+            <p:cNvGrpSpPr/>
+            <p:nvPr/>
+          </p:nvGrpSpPr>
+          <p:grpSpPr>
+            <a:xfrm>
+              <a:off x="8108954" y="1272742"/>
+              <a:ext cx="141890" cy="628214"/>
+              <a:chOff x="421945" y="1034751"/>
+              <a:chExt cx="188925" cy="760138"/>
+            </a:xfrm>
+          </p:grpSpPr>
+          <p:sp>
+            <p:nvSpPr>
+              <p:cNvPr id="158" name="Rectangle 157"/>
+              <p:cNvSpPr/>
+              <p:nvPr/>
+            </p:nvSpPr>
+            <p:spPr>
+              <a:xfrm>
+                <a:off x="421945" y="1034751"/>
+                <a:ext cx="188925" cy="188926"/>
+              </a:xfrm>
+              <a:prstGeom prst="rect">
+                <a:avLst/>
+              </a:prstGeom>
+              <a:solidFill>
+                <a:schemeClr val="bg1"/>
+              </a:solidFill>
+              <a:ln w="12700">
+                <a:solidFill>
+                  <a:schemeClr val="tx1"/>
+                </a:solidFill>
+              </a:ln>
+            </p:spPr>
+            <p:style>
+              <a:lnRef idx="2">
+                <a:schemeClr val="accent1">
+                  <a:shade val="50000"/>
+                </a:schemeClr>
+              </a:lnRef>
+              <a:fillRef idx="1">
+                <a:schemeClr val="accent1"/>
+              </a:fillRef>
+              <a:effectRef idx="0">
+                <a:schemeClr val="accent1"/>
+              </a:effectRef>
+              <a:fontRef idx="minor">
+                <a:schemeClr val="lt1"/>
+              </a:fontRef>
+            </p:style>
+            <p:txBody>
+              <a:bodyPr rtlCol="0" anchor="ctr"/>
+              <a:lstStyle/>
+              <a:p>
+                <a:pPr algn="ctr"/>
+                <a:r>
+                  <a:rPr lang="en-US" sz="1050" dirty="0" smtClean="0">
+                    <a:solidFill>
+                      <a:schemeClr val="tx1"/>
+                    </a:solidFill>
+                  </a:rPr>
+                  <a:t>0</a:t>
+                </a:r>
+                <a:endParaRPr lang="en-US" dirty="0">
+                  <a:solidFill>
+                    <a:schemeClr val="tx1"/>
+                  </a:solidFill>
+                </a:endParaRPr>
+              </a:p>
+            </p:txBody>
+          </p:sp>
+          <p:sp>
+            <p:nvSpPr>
+              <p:cNvPr id="159" name="Rectangle 158"/>
+              <p:cNvSpPr/>
+              <p:nvPr/>
+            </p:nvSpPr>
+            <p:spPr>
+              <a:xfrm>
+                <a:off x="421945" y="1224897"/>
+                <a:ext cx="188925" cy="188926"/>
+              </a:xfrm>
+              <a:prstGeom prst="rect">
+                <a:avLst/>
+              </a:prstGeom>
+              <a:solidFill>
+                <a:schemeClr val="bg1"/>
+              </a:solidFill>
+              <a:ln w="12700">
+                <a:solidFill>
+                  <a:schemeClr val="tx1"/>
+                </a:solidFill>
+              </a:ln>
+            </p:spPr>
+            <p:style>
+              <a:lnRef idx="2">
+                <a:schemeClr val="accent1">
+                  <a:shade val="50000"/>
+                </a:schemeClr>
+              </a:lnRef>
+              <a:fillRef idx="1">
+                <a:schemeClr val="accent1"/>
+              </a:fillRef>
+              <a:effectRef idx="0">
+                <a:schemeClr val="accent1"/>
+              </a:effectRef>
+              <a:fontRef idx="minor">
+                <a:schemeClr val="lt1"/>
+              </a:fontRef>
+            </p:style>
+            <p:txBody>
+              <a:bodyPr rtlCol="0" anchor="ctr"/>
+              <a:lstStyle/>
+              <a:p>
+                <a:pPr algn="ctr"/>
+                <a:r>
+                  <a:rPr lang="en-US" sz="1050" dirty="0">
+                    <a:solidFill>
+                      <a:schemeClr val="tx1"/>
+                    </a:solidFill>
+                  </a:rPr>
+                  <a:t>1</a:t>
+                </a:r>
+                <a:endParaRPr lang="en-US" dirty="0">
+                  <a:solidFill>
+                    <a:schemeClr val="tx1"/>
+                  </a:solidFill>
+                </a:endParaRPr>
+              </a:p>
+            </p:txBody>
+          </p:sp>
+          <p:sp>
+            <p:nvSpPr>
+              <p:cNvPr id="160" name="Rectangle 159"/>
+              <p:cNvSpPr/>
+              <p:nvPr/>
+            </p:nvSpPr>
+            <p:spPr>
+              <a:xfrm>
+                <a:off x="421945" y="1415817"/>
+                <a:ext cx="188925" cy="188926"/>
+              </a:xfrm>
+              <a:prstGeom prst="rect">
+                <a:avLst/>
+              </a:prstGeom>
+              <a:solidFill>
+                <a:schemeClr val="bg1"/>
+              </a:solidFill>
+              <a:ln w="12700">
+                <a:solidFill>
+                  <a:schemeClr val="tx1"/>
+                </a:solidFill>
+              </a:ln>
+            </p:spPr>
+            <p:style>
+              <a:lnRef idx="2">
+                <a:schemeClr val="accent1">
+                  <a:shade val="50000"/>
+                </a:schemeClr>
+              </a:lnRef>
+              <a:fillRef idx="1">
+                <a:schemeClr val="accent1"/>
+              </a:fillRef>
+              <a:effectRef idx="0">
+                <a:schemeClr val="accent1"/>
+              </a:effectRef>
+              <a:fontRef idx="minor">
+                <a:schemeClr val="lt1"/>
+              </a:fontRef>
+            </p:style>
+            <p:txBody>
+              <a:bodyPr rtlCol="0" anchor="ctr"/>
+              <a:lstStyle/>
+              <a:p>
+                <a:pPr algn="ctr"/>
+                <a:r>
+                  <a:rPr lang="en-US" sz="1050" dirty="0">
+                    <a:solidFill>
+                      <a:schemeClr val="tx1"/>
+                    </a:solidFill>
+                  </a:rPr>
+                  <a:t>2</a:t>
+                </a:r>
+                <a:endParaRPr lang="en-US" dirty="0">
+                  <a:solidFill>
+                    <a:schemeClr val="tx1"/>
+                  </a:solidFill>
+                </a:endParaRPr>
+              </a:p>
+            </p:txBody>
+          </p:sp>
+          <p:sp>
+            <p:nvSpPr>
+              <p:cNvPr id="161" name="Rectangle 160"/>
+              <p:cNvSpPr/>
+              <p:nvPr/>
+            </p:nvSpPr>
+            <p:spPr>
+              <a:xfrm>
+                <a:off x="421945" y="1605963"/>
+                <a:ext cx="188925" cy="188926"/>
+              </a:xfrm>
+              <a:prstGeom prst="rect">
+                <a:avLst/>
+              </a:prstGeom>
+              <a:solidFill>
+                <a:schemeClr val="bg1"/>
+              </a:solidFill>
+              <a:ln w="12700">
+                <a:solidFill>
+                  <a:schemeClr val="tx1"/>
+                </a:solidFill>
+              </a:ln>
+            </p:spPr>
+            <p:style>
+              <a:lnRef idx="2">
+                <a:schemeClr val="accent1">
+                  <a:shade val="50000"/>
+                </a:schemeClr>
+              </a:lnRef>
+              <a:fillRef idx="1">
+                <a:schemeClr val="accent1"/>
+              </a:fillRef>
+              <a:effectRef idx="0">
+                <a:schemeClr val="accent1"/>
+              </a:effectRef>
+              <a:fontRef idx="minor">
+                <a:schemeClr val="lt1"/>
+              </a:fontRef>
+            </p:style>
+            <p:txBody>
+              <a:bodyPr rtlCol="0" anchor="ctr"/>
+              <a:lstStyle/>
+              <a:p>
+                <a:pPr algn="ctr"/>
+                <a:r>
+                  <a:rPr lang="en-US" sz="1050" dirty="0" smtClean="0">
+                    <a:solidFill>
+                      <a:schemeClr val="tx1"/>
+                    </a:solidFill>
+                  </a:rPr>
+                  <a:t>3</a:t>
+                </a:r>
+                <a:endParaRPr lang="en-US" dirty="0">
+                  <a:solidFill>
+                    <a:schemeClr val="tx1"/>
+                  </a:solidFill>
+                </a:endParaRPr>
+              </a:p>
+            </p:txBody>
+          </p:sp>
+        </p:grpSp>
+        <p:cxnSp>
+          <p:nvCxnSpPr>
+            <p:cNvPr id="177" name="Straight Connector 176"/>
+            <p:cNvCxnSpPr/>
+            <p:nvPr/>
+          </p:nvCxnSpPr>
+          <p:spPr>
+            <a:xfrm>
+              <a:off x="8302625" y="1507956"/>
+              <a:ext cx="222311" cy="0"/>
+            </a:xfrm>
+            <a:prstGeom prst="line">
+              <a:avLst/>
+            </a:prstGeom>
+            <a:ln>
+              <a:prstDash val="sysDash"/>
+              <a:headEnd type="oval" w="sm" len="sm"/>
+              <a:tailEnd type="oval" w="sm" len="sm"/>
+            </a:ln>
+          </p:spPr>
+          <p:style>
+            <a:lnRef idx="1">
+              <a:schemeClr val="accent1"/>
+            </a:lnRef>
+            <a:fillRef idx="0">
+              <a:schemeClr val="accent1"/>
+            </a:fillRef>
+            <a:effectRef idx="0">
+              <a:schemeClr val="accent1"/>
+            </a:effectRef>
+            <a:fontRef idx="minor">
+              <a:schemeClr val="tx1"/>
+            </a:fontRef>
+          </p:style>
+        </p:cxnSp>
+        <p:cxnSp>
+          <p:nvCxnSpPr>
+            <p:cNvPr id="179" name="Straight Connector 178"/>
+            <p:cNvCxnSpPr/>
+            <p:nvPr/>
+          </p:nvCxnSpPr>
+          <p:spPr>
+            <a:xfrm>
+              <a:off x="8301841" y="1350810"/>
+              <a:ext cx="86641" cy="0"/>
+            </a:xfrm>
+            <a:prstGeom prst="line">
+              <a:avLst/>
+            </a:prstGeom>
+            <a:ln>
+              <a:prstDash val="sysDash"/>
+              <a:headEnd type="oval" w="sm" len="sm"/>
+              <a:tailEnd type="oval" w="sm" len="sm"/>
+            </a:ln>
+          </p:spPr>
+          <p:style>
+            <a:lnRef idx="1">
+              <a:schemeClr val="accent1"/>
+            </a:lnRef>
+            <a:fillRef idx="0">
+              <a:schemeClr val="accent1"/>
+            </a:fillRef>
+            <a:effectRef idx="0">
+              <a:schemeClr val="accent1"/>
+            </a:effectRef>
+            <a:fontRef idx="minor">
+              <a:schemeClr val="tx1"/>
+            </a:fontRef>
+          </p:style>
+        </p:cxnSp>
+        <p:cxnSp>
+          <p:nvCxnSpPr>
+            <p:cNvPr id="180" name="Straight Connector 179"/>
+            <p:cNvCxnSpPr/>
+            <p:nvPr/>
+          </p:nvCxnSpPr>
+          <p:spPr>
+            <a:xfrm>
+              <a:off x="8301841" y="1819608"/>
+              <a:ext cx="510706" cy="0"/>
+            </a:xfrm>
+            <a:prstGeom prst="line">
+              <a:avLst/>
+            </a:prstGeom>
+            <a:ln>
+              <a:prstDash val="sysDash"/>
+              <a:headEnd type="oval" w="sm" len="sm"/>
+              <a:tailEnd type="oval" w="sm" len="sm"/>
+            </a:ln>
+          </p:spPr>
+          <p:style>
+            <a:lnRef idx="1">
+              <a:schemeClr val="accent1"/>
+            </a:lnRef>
+            <a:fillRef idx="0">
+              <a:schemeClr val="accent1"/>
+            </a:fillRef>
+            <a:effectRef idx="0">
+              <a:schemeClr val="accent1"/>
+            </a:effectRef>
+            <a:fontRef idx="minor">
+              <a:schemeClr val="tx1"/>
+            </a:fontRef>
+          </p:style>
+        </p:cxnSp>
+        <p:sp>
+          <p:nvSpPr>
+            <p:cNvPr id="172" name="Right Bracket 171"/>
+            <p:cNvSpPr/>
+            <p:nvPr/>
+          </p:nvSpPr>
+          <p:spPr>
+            <a:xfrm rot="10800000">
+              <a:off x="8048625" y="1203960"/>
+              <a:ext cx="152400" cy="770479"/>
+            </a:xfrm>
+            <a:prstGeom prst="rightBracket">
+              <a:avLst>
+                <a:gd name="adj" fmla="val 0"/>
+              </a:avLst>
+            </a:prstGeom>
+            <a:ln>
+              <a:solidFill>
+                <a:schemeClr val="tx1"/>
+              </a:solidFill>
+            </a:ln>
+          </p:spPr>
+          <p:style>
+            <a:lnRef idx="1">
+              <a:schemeClr val="accent1"/>
+            </a:lnRef>
+            <a:fillRef idx="0">
+              <a:schemeClr val="accent1"/>
+            </a:fillRef>
+            <a:effectRef idx="0">
+              <a:schemeClr val="accent1"/>
+            </a:effectRef>
+            <a:fontRef idx="minor">
+              <a:schemeClr val="tx1"/>
+            </a:fontRef>
+          </p:style>
+          <p:txBody>
+            <a:bodyPr rtlCol="0" anchor="ctr"/>
+            <a:lstStyle/>
+            <a:p>
+              <a:pPr algn="ctr"/>
+              <a:endParaRPr lang="en-US"/>
+            </a:p>
+          </p:txBody>
+        </p:sp>
+        <p:cxnSp>
+          <p:nvCxnSpPr>
+            <p:cNvPr id="174" name="Straight Connector 173"/>
+            <p:cNvCxnSpPr/>
+            <p:nvPr/>
+          </p:nvCxnSpPr>
+          <p:spPr>
+            <a:xfrm>
+              <a:off x="6797040" y="1595898"/>
+              <a:ext cx="1051559" cy="0"/>
+            </a:xfrm>
+            <a:prstGeom prst="line">
+              <a:avLst/>
+            </a:prstGeom>
+            <a:ln>
+              <a:solidFill>
+                <a:schemeClr val="tx1"/>
+              </a:solidFill>
+              <a:headEnd type="none" w="med" len="med"/>
+              <a:tailEnd type="triangle" w="med" len="med"/>
+            </a:ln>
+          </p:spPr>
+          <p:style>
+            <a:lnRef idx="1">
+              <a:schemeClr val="accent1"/>
+            </a:lnRef>
+            <a:fillRef idx="0">
+              <a:schemeClr val="accent1"/>
+            </a:fillRef>
+            <a:effectRef idx="0">
+              <a:schemeClr val="accent1"/>
+            </a:effectRef>
+            <a:fontRef idx="minor">
+              <a:schemeClr val="tx1"/>
+            </a:fontRef>
+          </p:style>
+        </p:cxnSp>
+        <p:cxnSp>
+          <p:nvCxnSpPr>
+            <p:cNvPr id="181" name="Straight Connector 180"/>
+            <p:cNvCxnSpPr/>
+            <p:nvPr/>
+          </p:nvCxnSpPr>
+          <p:spPr>
+            <a:xfrm>
+              <a:off x="8302625" y="1665741"/>
+              <a:ext cx="358836" cy="0"/>
+            </a:xfrm>
+            <a:prstGeom prst="line">
+              <a:avLst/>
+            </a:prstGeom>
+            <a:ln>
+              <a:prstDash val="sysDash"/>
+              <a:headEnd type="oval" w="sm" len="sm"/>
+              <a:tailEnd type="oval" w="sm" len="sm"/>
+            </a:ln>
+          </p:spPr>
+          <p:style>
+            <a:lnRef idx="1">
+              <a:schemeClr val="accent1"/>
+            </a:lnRef>
+            <a:fillRef idx="0">
+              <a:schemeClr val="accent1"/>
+            </a:fillRef>
+            <a:effectRef idx="0">
+              <a:schemeClr val="accent1"/>
+            </a:effectRef>
+            <a:fontRef idx="minor">
+              <a:schemeClr val="tx1"/>
+            </a:fontRef>
+          </p:style>
+        </p:cxnSp>
+        <p:cxnSp>
+          <p:nvCxnSpPr>
+            <p:cNvPr id="182" name="Straight Connector 181"/>
+            <p:cNvCxnSpPr/>
+            <p:nvPr/>
+          </p:nvCxnSpPr>
+          <p:spPr>
+            <a:xfrm>
+              <a:off x="9505948" y="698500"/>
+              <a:ext cx="0" cy="3035300"/>
+            </a:xfrm>
+            <a:prstGeom prst="line">
+              <a:avLst/>
+            </a:prstGeom>
+            <a:ln w="57150">
+              <a:solidFill>
+                <a:schemeClr val="accent2"/>
+              </a:solidFill>
+            </a:ln>
+          </p:spPr>
+          <p:style>
+            <a:lnRef idx="1">
+              <a:schemeClr val="accent1"/>
+            </a:lnRef>
+            <a:fillRef idx="0">
+              <a:schemeClr val="accent1"/>
+            </a:fillRef>
+            <a:effectRef idx="0">
+              <a:schemeClr val="accent1"/>
+            </a:effectRef>
+            <a:fontRef idx="minor">
+              <a:schemeClr val="tx1"/>
+            </a:fontRef>
+          </p:style>
+        </p:cxnSp>
+        <p:cxnSp>
+          <p:nvCxnSpPr>
+            <p:cNvPr id="183" name="Straight Connector 182"/>
+            <p:cNvCxnSpPr/>
+            <p:nvPr/>
+          </p:nvCxnSpPr>
+          <p:spPr>
+            <a:xfrm>
+              <a:off x="9136380" y="1219200"/>
+              <a:ext cx="0" cy="699555"/>
+            </a:xfrm>
+            <a:prstGeom prst="line">
+              <a:avLst/>
+            </a:prstGeom>
+            <a:ln>
+              <a:solidFill>
+                <a:schemeClr val="tx1"/>
+              </a:solidFill>
+            </a:ln>
+          </p:spPr>
+          <p:style>
+            <a:lnRef idx="1">
+              <a:schemeClr val="accent1"/>
+            </a:lnRef>
+            <a:fillRef idx="0">
+              <a:schemeClr val="accent1"/>
+            </a:fillRef>
+            <a:effectRef idx="0">
+              <a:schemeClr val="accent1"/>
+            </a:effectRef>
+            <a:fontRef idx="minor">
+              <a:schemeClr val="tx1"/>
+            </a:fontRef>
+          </p:style>
+        </p:cxnSp>
+        <p:sp>
+          <p:nvSpPr>
+            <p:cNvPr id="184" name="Oval 183"/>
+            <p:cNvSpPr/>
+            <p:nvPr/>
+          </p:nvSpPr>
+          <p:spPr>
+            <a:xfrm>
+              <a:off x="9098280" y="1551099"/>
+              <a:ext cx="76200" cy="76200"/>
+            </a:xfrm>
+            <a:prstGeom prst="ellipse">
+              <a:avLst/>
+            </a:prstGeom>
+            <a:solidFill>
+              <a:schemeClr val="tx1"/>
+            </a:solidFill>
+            <a:ln>
+              <a:solidFill>
+                <a:schemeClr val="tx1"/>
+              </a:solidFill>
+            </a:ln>
+          </p:spPr>
+          <p:style>
+            <a:lnRef idx="2">
+              <a:schemeClr val="accent1">
+                <a:shade val="50000"/>
+              </a:schemeClr>
+            </a:lnRef>
+            <a:fillRef idx="1">
+              <a:schemeClr val="accent1"/>
+            </a:fillRef>
+            <a:effectRef idx="0">
+              <a:schemeClr val="accent1"/>
+            </a:effectRef>
+            <a:fontRef idx="minor">
+              <a:schemeClr val="lt1"/>
+            </a:fontRef>
+          </p:style>
+          <p:txBody>
+            <a:bodyPr rtlCol="0" anchor="ctr"/>
+            <a:lstStyle/>
+            <a:p>
+              <a:pPr algn="ctr"/>
+              <a:endParaRPr lang="en-US"/>
+            </a:p>
+          </p:txBody>
+        </p:sp>
+        <p:sp>
+          <p:nvSpPr>
+            <p:cNvPr id="185" name="Rectangle 184"/>
+            <p:cNvSpPr/>
+            <p:nvPr/>
+          </p:nvSpPr>
+          <p:spPr>
+            <a:xfrm>
+              <a:off x="9471660" y="1461775"/>
+              <a:ext cx="463588" cy="261610"/>
+            </a:xfrm>
+            <a:prstGeom prst="rect">
+              <a:avLst/>
+            </a:prstGeom>
+          </p:spPr>
+          <p:txBody>
+            <a:bodyPr wrap="none">
+              <a:spAutoFit/>
+            </a:bodyPr>
+            <a:lstStyle/>
+            <a:p>
+              <a:pPr algn="ctr"/>
+              <a:r>
+                <a:rPr lang="en-US" sz="1100" dirty="0" smtClean="0">
+                  <a:latin typeface="Raleway Medium" pitchFamily="34" charset="0"/>
+                </a:rPr>
+                <a:t>HPS</a:t>
+              </a:r>
+              <a:endParaRPr lang="en-US" sz="1100" dirty="0">
+                <a:latin typeface="Raleway Medium" pitchFamily="34" charset="0"/>
+              </a:endParaRPr>
+            </a:p>
+          </p:txBody>
+        </p:sp>
+        <p:sp>
+          <p:nvSpPr>
+            <p:cNvPr id="186" name="Cross 185"/>
+            <p:cNvSpPr/>
+            <p:nvPr/>
+          </p:nvSpPr>
+          <p:spPr>
+            <a:xfrm rot="2700000">
+              <a:off x="9462905" y="1559112"/>
+              <a:ext cx="76200" cy="76200"/>
+            </a:xfrm>
+            <a:prstGeom prst="plus">
+              <a:avLst>
+                <a:gd name="adj" fmla="val 49999"/>
+              </a:avLst>
+            </a:prstGeom>
+            <a:solidFill>
+              <a:schemeClr val="tx1"/>
+            </a:solidFill>
+            <a:ln>
+              <a:solidFill>
+                <a:schemeClr val="tx1"/>
+              </a:solidFill>
+            </a:ln>
+          </p:spPr>
+          <p:style>
+            <a:lnRef idx="2">
+              <a:schemeClr val="accent1">
+                <a:shade val="50000"/>
+              </a:schemeClr>
+            </a:lnRef>
+            <a:fillRef idx="1">
+              <a:schemeClr val="accent1"/>
+            </a:fillRef>
+            <a:effectRef idx="0">
+              <a:schemeClr val="accent1"/>
+            </a:effectRef>
+            <a:fontRef idx="minor">
+              <a:schemeClr val="lt1"/>
+            </a:fontRef>
+          </p:style>
+          <p:txBody>
+            <a:bodyPr rtlCol="0" anchor="ctr"/>
+            <a:lstStyle/>
+            <a:p>
+              <a:pPr algn="ctr"/>
+              <a:endParaRPr lang="en-US"/>
+            </a:p>
+          </p:txBody>
+        </p:sp>
+        <p:cxnSp>
+          <p:nvCxnSpPr>
+            <p:cNvPr id="187" name="Straight Arrow Connector 186"/>
+            <p:cNvCxnSpPr/>
+            <p:nvPr/>
+          </p:nvCxnSpPr>
+          <p:spPr>
+            <a:xfrm flipH="1" flipV="1">
+              <a:off x="9101141" y="1597210"/>
+              <a:ext cx="342900" cy="1"/>
+            </a:xfrm>
+            <a:prstGeom prst="straightConnector1">
+              <a:avLst/>
+            </a:prstGeom>
+            <a:ln>
+              <a:solidFill>
+                <a:schemeClr val="tx1"/>
+              </a:solidFill>
+              <a:headEnd type="triangle" w="med" len="med"/>
+              <a:tailEnd type="none" w="med" len="med"/>
+            </a:ln>
+          </p:spPr>
+          <p:style>
+            <a:lnRef idx="1">
+              <a:schemeClr val="accent1"/>
+            </a:lnRef>
+            <a:fillRef idx="0">
+              <a:schemeClr val="accent1"/>
+            </a:fillRef>
+            <a:effectRef idx="0">
+              <a:schemeClr val="accent1"/>
+            </a:effectRef>
+            <a:fontRef idx="minor">
+              <a:schemeClr val="tx1"/>
+            </a:fontRef>
+          </p:style>
+        </p:cxnSp>
+        <p:cxnSp>
+          <p:nvCxnSpPr>
+            <p:cNvPr id="188" name="Straight Connector 187"/>
+            <p:cNvCxnSpPr/>
+            <p:nvPr/>
+          </p:nvCxnSpPr>
+          <p:spPr>
+            <a:xfrm>
+              <a:off x="8081471" y="3048000"/>
+              <a:ext cx="797602" cy="0"/>
+            </a:xfrm>
+            <a:prstGeom prst="line">
+              <a:avLst/>
+            </a:prstGeom>
+            <a:ln>
+              <a:prstDash val="sysDash"/>
+              <a:headEnd type="oval" w="sm" len="sm"/>
+              <a:tailEnd type="oval" w="sm" len="sm"/>
+            </a:ln>
+          </p:spPr>
+          <p:style>
+            <a:lnRef idx="1">
+              <a:schemeClr val="accent1"/>
+            </a:lnRef>
+            <a:fillRef idx="0">
+              <a:schemeClr val="accent1"/>
+            </a:fillRef>
+            <a:effectRef idx="0">
+              <a:schemeClr val="accent1"/>
+            </a:effectRef>
+            <a:fontRef idx="minor">
+              <a:schemeClr val="tx1"/>
+            </a:fontRef>
+          </p:style>
+        </p:cxnSp>
+        <p:sp>
+          <p:nvSpPr>
+            <p:cNvPr id="189" name="TextBox 188"/>
+            <p:cNvSpPr txBox="1"/>
+            <p:nvPr/>
+          </p:nvSpPr>
+          <p:spPr>
+            <a:xfrm>
+              <a:off x="7851471" y="2827175"/>
+              <a:ext cx="463521" cy="261610"/>
+            </a:xfrm>
+            <a:prstGeom prst="rect">
+              <a:avLst/>
+            </a:prstGeom>
+            <a:noFill/>
+          </p:spPr>
+          <p:txBody>
+            <a:bodyPr wrap="square" rtlCol="0">
+              <a:spAutoFit/>
+            </a:bodyPr>
+            <a:lstStyle/>
+            <a:p>
+              <a:pPr algn="ctr"/>
+              <a:r>
+                <a:rPr lang="en-US" sz="1050" dirty="0" smtClean="0">
+                  <a:latin typeface="Raleway Medium" pitchFamily="34" charset="0"/>
+                </a:rPr>
+                <a:t>Pkt.</a:t>
+              </a:r>
+              <a:endParaRPr lang="en-US" sz="1050" dirty="0">
+                <a:latin typeface="Raleway Medium" pitchFamily="34" charset="0"/>
+              </a:endParaRPr>
+            </a:p>
+          </p:txBody>
+        </p:sp>
+        <p:sp>
+          <p:nvSpPr>
+            <p:cNvPr id="190" name="TextBox 189"/>
+            <p:cNvSpPr txBox="1"/>
+            <p:nvPr/>
+          </p:nvSpPr>
+          <p:spPr>
+            <a:xfrm>
+              <a:off x="8575128" y="2827175"/>
+              <a:ext cx="616946" cy="253916"/>
+            </a:xfrm>
+            <a:prstGeom prst="rect">
+              <a:avLst/>
+            </a:prstGeom>
+            <a:noFill/>
+          </p:spPr>
+          <p:txBody>
+            <a:bodyPr wrap="square" rtlCol="0">
+              <a:spAutoFit/>
+            </a:bodyPr>
+            <a:lstStyle/>
+            <a:p>
+              <a:pPr algn="ctr"/>
+              <a:r>
+                <a:rPr lang="en-US" sz="1050" dirty="0" smtClean="0">
+                  <a:latin typeface="Raleway Medium" pitchFamily="34" charset="0"/>
+                </a:rPr>
+                <a:t>AXI</a:t>
+              </a:r>
+              <a:endParaRPr lang="en-US" sz="1050" dirty="0">
+                <a:latin typeface="Raleway Medium" pitchFamily="34" charset="0"/>
+              </a:endParaRPr>
+            </a:p>
+          </p:txBody>
+        </p:sp>
+      </p:grpSp>
+    </p:spTree>
+    <p:extLst>
+      <p:ext uri="{BB962C8B-B14F-4D97-AF65-F5344CB8AC3E}">
+        <p14:creationId xmlns:p14="http://schemas.microsoft.com/office/powerpoint/2010/main" val="2160896514"/>
       </p:ext>
     </p:extLst>
   </p:cSld>

--- a/tex/images/vect_figs.pptx
+++ b/tex/images/vect_figs.pptx
@@ -12878,7 +12878,7 @@
           <p:spPr>
             <a:xfrm>
               <a:off x="6797040" y="1595898"/>
-              <a:ext cx="1051559" cy="0"/>
+              <a:ext cx="1251585" cy="0"/>
             </a:xfrm>
             <a:prstGeom prst="line">
               <a:avLst/>
